--- a/doc/Spring JPA配置.pptx
+++ b/doc/Spring JPA配置.pptx
@@ -12,10 +12,19 @@
     <p:sldId id="264" r:id="rId6"/>
     <p:sldId id="265" r:id="rId7"/>
     <p:sldId id="266" r:id="rId8"/>
-    <p:sldId id="259" r:id="rId9"/>
-    <p:sldId id="258" r:id="rId10"/>
-    <p:sldId id="260" r:id="rId11"/>
-    <p:sldId id="261" r:id="rId12"/>
+    <p:sldId id="267" r:id="rId9"/>
+    <p:sldId id="268" r:id="rId10"/>
+    <p:sldId id="269" r:id="rId11"/>
+    <p:sldId id="273" r:id="rId12"/>
+    <p:sldId id="270" r:id="rId13"/>
+    <p:sldId id="271" r:id="rId14"/>
+    <p:sldId id="272" r:id="rId15"/>
+    <p:sldId id="274" r:id="rId16"/>
+    <p:sldId id="275" r:id="rId17"/>
+    <p:sldId id="259" r:id="rId18"/>
+    <p:sldId id="258" r:id="rId19"/>
+    <p:sldId id="260" r:id="rId20"/>
+    <p:sldId id="261" r:id="rId21"/>
   </p:sldIdLst>
   <p:sldSz cx="9144000" cy="6858000" type="screen4x3"/>
   <p:notesSz cx="6858000" cy="9144000"/>
@@ -114,6 +123,22 @@
       </a:defRPr>
     </a:lvl9pPr>
   </p:defaultTextStyle>
+  <p:extLst>
+    <p:ext uri="{EFAFB233-063F-42B5-8137-9DF3F51BA10A}">
+      <p15:sldGuideLst xmlns:p15="http://schemas.microsoft.com/office/powerpoint/2012/main">
+        <p15:guide id="1" orient="horz" pos="2160">
+          <p15:clr>
+            <a:srgbClr val="A4A3A4"/>
+          </p15:clr>
+        </p15:guide>
+        <p15:guide id="2" pos="2880">
+          <p15:clr>
+            <a:srgbClr val="A4A3A4"/>
+          </p15:clr>
+        </p15:guide>
+      </p15:sldGuideLst>
+    </p:ext>
+  </p:extLst>
 </p:presentation>
 </file>
 
@@ -287,7 +312,7 @@
           </a:lstStyle>
           <a:p>
             <a:r>
-              <a:rPr kumimoji="0" lang="zh-TW" altLang="en-US" smtClean="0"/>
+              <a:rPr kumimoji="0" lang="zh-TW" altLang="en-US"/>
               <a:t>按一下以編輯母片副標題樣式</a:t>
             </a:r>
             <a:endParaRPr kumimoji="0" lang="en-US"/>
@@ -311,7 +336,7 @@
           <a:p>
             <a:fld id="{5BBEAD13-0566-4C6C-97E7-55F17F24B09F}" type="datetimeFigureOut">
               <a:rPr lang="zh-TW" altLang="en-US" smtClean="0"/>
-              <a:t>2018/5/25</a:t>
+              <a:t>2018/5/26</a:t>
             </a:fld>
             <a:endParaRPr lang="zh-TW" altLang="en-US"/>
           </a:p>
@@ -540,7 +565,7 @@
           </a:lstStyle>
           <a:p>
             <a:r>
-              <a:rPr kumimoji="0" lang="zh-TW" altLang="en-US" smtClean="0"/>
+              <a:rPr kumimoji="0" lang="zh-TW" altLang="en-US"/>
               <a:t>按一下以編輯母片標題樣式</a:t>
             </a:r>
             <a:endParaRPr kumimoji="0" lang="en-US"/>
@@ -588,7 +613,7 @@
           <a:lstStyle/>
           <a:p>
             <a:r>
-              <a:rPr kumimoji="0" lang="zh-TW" altLang="en-US" smtClean="0"/>
+              <a:rPr kumimoji="0" lang="zh-TW" altLang="en-US"/>
               <a:t>按一下以編輯母片標題樣式</a:t>
             </a:r>
             <a:endParaRPr kumimoji="0" lang="en-US"/>
@@ -612,35 +637,35 @@
           <a:p>
             <a:pPr lvl="0" eaLnBrk="1" latinLnBrk="0" hangingPunct="1"/>
             <a:r>
-              <a:rPr lang="zh-TW" altLang="en-US" smtClean="0"/>
+              <a:rPr lang="zh-TW" altLang="en-US"/>
               <a:t>按一下以編輯母片文字樣式</a:t>
             </a:r>
           </a:p>
           <a:p>
             <a:pPr lvl="1" eaLnBrk="1" latinLnBrk="0" hangingPunct="1"/>
             <a:r>
-              <a:rPr lang="zh-TW" altLang="en-US" smtClean="0"/>
+              <a:rPr lang="zh-TW" altLang="en-US"/>
               <a:t>第二層</a:t>
             </a:r>
           </a:p>
           <a:p>
             <a:pPr lvl="2" eaLnBrk="1" latinLnBrk="0" hangingPunct="1"/>
             <a:r>
-              <a:rPr lang="zh-TW" altLang="en-US" smtClean="0"/>
+              <a:rPr lang="zh-TW" altLang="en-US"/>
               <a:t>第三層</a:t>
             </a:r>
           </a:p>
           <a:p>
             <a:pPr lvl="3" eaLnBrk="1" latinLnBrk="0" hangingPunct="1"/>
             <a:r>
-              <a:rPr lang="zh-TW" altLang="en-US" smtClean="0"/>
+              <a:rPr lang="zh-TW" altLang="en-US"/>
               <a:t>第四層</a:t>
             </a:r>
           </a:p>
           <a:p>
             <a:pPr lvl="4" eaLnBrk="1" latinLnBrk="0" hangingPunct="1"/>
             <a:r>
-              <a:rPr lang="zh-TW" altLang="en-US" smtClean="0"/>
+              <a:rPr lang="zh-TW" altLang="en-US"/>
               <a:t>第五層</a:t>
             </a:r>
             <a:endParaRPr kumimoji="0" lang="en-US"/>
@@ -664,7 +689,7 @@
           <a:p>
             <a:fld id="{5BBEAD13-0566-4C6C-97E7-55F17F24B09F}" type="datetimeFigureOut">
               <a:rPr lang="zh-TW" altLang="en-US" smtClean="0"/>
-              <a:t>2018/5/25</a:t>
+              <a:t>2018/5/26</a:t>
             </a:fld>
             <a:endParaRPr lang="zh-TW" altLang="en-US"/>
           </a:p>
@@ -758,7 +783,7 @@
           <a:lstStyle/>
           <a:p>
             <a:r>
-              <a:rPr kumimoji="0" lang="zh-TW" altLang="en-US" smtClean="0"/>
+              <a:rPr kumimoji="0" lang="zh-TW" altLang="en-US"/>
               <a:t>按一下以編輯母片標題樣式</a:t>
             </a:r>
             <a:endParaRPr kumimoji="0" lang="en-US"/>
@@ -787,35 +812,35 @@
           <a:p>
             <a:pPr lvl="0" eaLnBrk="1" latinLnBrk="0" hangingPunct="1"/>
             <a:r>
-              <a:rPr lang="zh-TW" altLang="en-US" smtClean="0"/>
+              <a:rPr lang="zh-TW" altLang="en-US"/>
               <a:t>按一下以編輯母片文字樣式</a:t>
             </a:r>
           </a:p>
           <a:p>
             <a:pPr lvl="1" eaLnBrk="1" latinLnBrk="0" hangingPunct="1"/>
             <a:r>
-              <a:rPr lang="zh-TW" altLang="en-US" smtClean="0"/>
+              <a:rPr lang="zh-TW" altLang="en-US"/>
               <a:t>第二層</a:t>
             </a:r>
           </a:p>
           <a:p>
             <a:pPr lvl="2" eaLnBrk="1" latinLnBrk="0" hangingPunct="1"/>
             <a:r>
-              <a:rPr lang="zh-TW" altLang="en-US" smtClean="0"/>
+              <a:rPr lang="zh-TW" altLang="en-US"/>
               <a:t>第三層</a:t>
             </a:r>
           </a:p>
           <a:p>
             <a:pPr lvl="3" eaLnBrk="1" latinLnBrk="0" hangingPunct="1"/>
             <a:r>
-              <a:rPr lang="zh-TW" altLang="en-US" smtClean="0"/>
+              <a:rPr lang="zh-TW" altLang="en-US"/>
               <a:t>第四層</a:t>
             </a:r>
           </a:p>
           <a:p>
             <a:pPr lvl="4" eaLnBrk="1" latinLnBrk="0" hangingPunct="1"/>
             <a:r>
-              <a:rPr lang="zh-TW" altLang="en-US" smtClean="0"/>
+              <a:rPr lang="zh-TW" altLang="en-US"/>
               <a:t>第五層</a:t>
             </a:r>
             <a:endParaRPr kumimoji="0" lang="en-US"/>
@@ -839,7 +864,7 @@
           <a:p>
             <a:fld id="{5BBEAD13-0566-4C6C-97E7-55F17F24B09F}" type="datetimeFigureOut">
               <a:rPr lang="zh-TW" altLang="en-US" smtClean="0"/>
-              <a:t>2018/5/25</a:t>
+              <a:t>2018/5/26</a:t>
             </a:fld>
             <a:endParaRPr lang="zh-TW" altLang="en-US"/>
           </a:p>
@@ -928,7 +953,7 @@
           <a:lstStyle/>
           <a:p>
             <a:r>
-              <a:rPr kumimoji="0" lang="zh-TW" altLang="en-US" smtClean="0"/>
+              <a:rPr kumimoji="0" lang="zh-TW" altLang="en-US"/>
               <a:t>按一下以編輯母片標題樣式</a:t>
             </a:r>
             <a:endParaRPr kumimoji="0" lang="en-US"/>
@@ -952,7 +977,7 @@
           <a:p>
             <a:fld id="{5BBEAD13-0566-4C6C-97E7-55F17F24B09F}" type="datetimeFigureOut">
               <a:rPr lang="zh-TW" altLang="en-US" smtClean="0"/>
-              <a:t>2018/5/25</a:t>
+              <a:t>2018/5/26</a:t>
             </a:fld>
             <a:endParaRPr lang="zh-TW" altLang="en-US"/>
           </a:p>
@@ -1022,35 +1047,35 @@
           <a:p>
             <a:pPr lvl="0" eaLnBrk="1" latinLnBrk="0" hangingPunct="1"/>
             <a:r>
-              <a:rPr lang="zh-TW" altLang="en-US" smtClean="0"/>
+              <a:rPr lang="zh-TW" altLang="en-US"/>
               <a:t>按一下以編輯母片文字樣式</a:t>
             </a:r>
           </a:p>
           <a:p>
             <a:pPr lvl="1" eaLnBrk="1" latinLnBrk="0" hangingPunct="1"/>
             <a:r>
-              <a:rPr lang="zh-TW" altLang="en-US" smtClean="0"/>
+              <a:rPr lang="zh-TW" altLang="en-US"/>
               <a:t>第二層</a:t>
             </a:r>
           </a:p>
           <a:p>
             <a:pPr lvl="2" eaLnBrk="1" latinLnBrk="0" hangingPunct="1"/>
             <a:r>
-              <a:rPr lang="zh-TW" altLang="en-US" smtClean="0"/>
+              <a:rPr lang="zh-TW" altLang="en-US"/>
               <a:t>第三層</a:t>
             </a:r>
           </a:p>
           <a:p>
             <a:pPr lvl="3" eaLnBrk="1" latinLnBrk="0" hangingPunct="1"/>
             <a:r>
-              <a:rPr lang="zh-TW" altLang="en-US" smtClean="0"/>
+              <a:rPr lang="zh-TW" altLang="en-US"/>
               <a:t>第四層</a:t>
             </a:r>
           </a:p>
           <a:p>
             <a:pPr lvl="4" eaLnBrk="1" latinLnBrk="0" hangingPunct="1"/>
             <a:r>
-              <a:rPr lang="zh-TW" altLang="en-US" smtClean="0"/>
+              <a:rPr lang="zh-TW" altLang="en-US"/>
               <a:t>第五層</a:t>
             </a:r>
             <a:endParaRPr kumimoji="0" lang="en-US"/>
@@ -1207,7 +1232,7 @@
           </a:lstStyle>
           <a:p>
             <a:r>
-              <a:rPr kumimoji="0" lang="zh-TW" altLang="en-US" smtClean="0"/>
+              <a:rPr kumimoji="0" lang="zh-TW" altLang="en-US"/>
               <a:t>按一下以編輯母片標題樣式</a:t>
             </a:r>
             <a:endParaRPr kumimoji="0" lang="en-US"/>
@@ -1287,7 +1312,7 @@
           <a:p>
             <a:pPr lvl="0" eaLnBrk="1" latinLnBrk="0" hangingPunct="1"/>
             <a:r>
-              <a:rPr kumimoji="0" lang="zh-TW" altLang="en-US" smtClean="0"/>
+              <a:rPr kumimoji="0" lang="zh-TW" altLang="en-US"/>
               <a:t>按一下以編輯母片文字樣式</a:t>
             </a:r>
           </a:p>
@@ -1310,7 +1335,7 @@
           <a:p>
             <a:fld id="{5BBEAD13-0566-4C6C-97E7-55F17F24B09F}" type="datetimeFigureOut">
               <a:rPr lang="zh-TW" altLang="en-US" smtClean="0"/>
-              <a:t>2018/5/25</a:t>
+              <a:t>2018/5/26</a:t>
             </a:fld>
             <a:endParaRPr lang="zh-TW" altLang="en-US"/>
           </a:p>
@@ -1551,7 +1576,7 @@
           <a:lstStyle/>
           <a:p>
             <a:r>
-              <a:rPr kumimoji="0" lang="zh-TW" altLang="en-US" smtClean="0"/>
+              <a:rPr kumimoji="0" lang="zh-TW" altLang="en-US"/>
               <a:t>按一下以編輯母片標題樣式</a:t>
             </a:r>
             <a:endParaRPr kumimoji="0" lang="en-US"/>
@@ -1575,7 +1600,7 @@
           <a:p>
             <a:fld id="{5BBEAD13-0566-4C6C-97E7-55F17F24B09F}" type="datetimeFigureOut">
               <a:rPr lang="zh-TW" altLang="en-US" smtClean="0"/>
-              <a:t>2018/5/25</a:t>
+              <a:t>2018/5/26</a:t>
             </a:fld>
             <a:endParaRPr lang="zh-TW" altLang="en-US"/>
           </a:p>
@@ -1645,35 +1670,35 @@
           <a:p>
             <a:pPr lvl="0" eaLnBrk="1" latinLnBrk="0" hangingPunct="1"/>
             <a:r>
-              <a:rPr lang="zh-TW" altLang="en-US" smtClean="0"/>
+              <a:rPr lang="zh-TW" altLang="en-US"/>
               <a:t>按一下以編輯母片文字樣式</a:t>
             </a:r>
           </a:p>
           <a:p>
             <a:pPr lvl="1" eaLnBrk="1" latinLnBrk="0" hangingPunct="1"/>
             <a:r>
-              <a:rPr lang="zh-TW" altLang="en-US" smtClean="0"/>
+              <a:rPr lang="zh-TW" altLang="en-US"/>
               <a:t>第二層</a:t>
             </a:r>
           </a:p>
           <a:p>
             <a:pPr lvl="2" eaLnBrk="1" latinLnBrk="0" hangingPunct="1"/>
             <a:r>
-              <a:rPr lang="zh-TW" altLang="en-US" smtClean="0"/>
+              <a:rPr lang="zh-TW" altLang="en-US"/>
               <a:t>第三層</a:t>
             </a:r>
           </a:p>
           <a:p>
             <a:pPr lvl="3" eaLnBrk="1" latinLnBrk="0" hangingPunct="1"/>
             <a:r>
-              <a:rPr lang="zh-TW" altLang="en-US" smtClean="0"/>
+              <a:rPr lang="zh-TW" altLang="en-US"/>
               <a:t>第四層</a:t>
             </a:r>
           </a:p>
           <a:p>
             <a:pPr lvl="4" eaLnBrk="1" latinLnBrk="0" hangingPunct="1"/>
             <a:r>
-              <a:rPr lang="zh-TW" altLang="en-US" smtClean="0"/>
+              <a:rPr lang="zh-TW" altLang="en-US"/>
               <a:t>第五層</a:t>
             </a:r>
             <a:endParaRPr kumimoji="0" lang="en-US"/>
@@ -1702,35 +1727,35 @@
           <a:p>
             <a:pPr lvl="0" eaLnBrk="1" latinLnBrk="0" hangingPunct="1"/>
             <a:r>
-              <a:rPr lang="zh-TW" altLang="en-US" smtClean="0"/>
+              <a:rPr lang="zh-TW" altLang="en-US"/>
               <a:t>按一下以編輯母片文字樣式</a:t>
             </a:r>
           </a:p>
           <a:p>
             <a:pPr lvl="1" eaLnBrk="1" latinLnBrk="0" hangingPunct="1"/>
             <a:r>
-              <a:rPr lang="zh-TW" altLang="en-US" smtClean="0"/>
+              <a:rPr lang="zh-TW" altLang="en-US"/>
               <a:t>第二層</a:t>
             </a:r>
           </a:p>
           <a:p>
             <a:pPr lvl="2" eaLnBrk="1" latinLnBrk="0" hangingPunct="1"/>
             <a:r>
-              <a:rPr lang="zh-TW" altLang="en-US" smtClean="0"/>
+              <a:rPr lang="zh-TW" altLang="en-US"/>
               <a:t>第三層</a:t>
             </a:r>
           </a:p>
           <a:p>
             <a:pPr lvl="3" eaLnBrk="1" latinLnBrk="0" hangingPunct="1"/>
             <a:r>
-              <a:rPr lang="zh-TW" altLang="en-US" smtClean="0"/>
+              <a:rPr lang="zh-TW" altLang="en-US"/>
               <a:t>第四層</a:t>
             </a:r>
           </a:p>
           <a:p>
             <a:pPr lvl="4" eaLnBrk="1" latinLnBrk="0" hangingPunct="1"/>
             <a:r>
-              <a:rPr lang="zh-TW" altLang="en-US" smtClean="0"/>
+              <a:rPr lang="zh-TW" altLang="en-US"/>
               <a:t>第五層</a:t>
             </a:r>
             <a:endParaRPr kumimoji="0" lang="en-US"/>
@@ -1787,7 +1812,7 @@
           </a:lstStyle>
           <a:p>
             <a:r>
-              <a:rPr kumimoji="0" lang="zh-TW" altLang="en-US" smtClean="0"/>
+              <a:rPr kumimoji="0" lang="zh-TW" altLang="en-US"/>
               <a:t>按一下以編輯母片標題樣式</a:t>
             </a:r>
             <a:endParaRPr kumimoji="0" lang="en-US"/>
@@ -1851,7 +1876,7 @@
           <a:p>
             <a:pPr lvl="0" eaLnBrk="1" latinLnBrk="0" hangingPunct="1"/>
             <a:r>
-              <a:rPr kumimoji="0" lang="zh-TW" altLang="en-US" smtClean="0"/>
+              <a:rPr kumimoji="0" lang="zh-TW" altLang="en-US"/>
               <a:t>按一下以編輯母片文字樣式</a:t>
             </a:r>
           </a:p>
@@ -1914,7 +1939,7 @@
           <a:p>
             <a:pPr lvl="0" eaLnBrk="1" latinLnBrk="0" hangingPunct="1"/>
             <a:r>
-              <a:rPr kumimoji="0" lang="zh-TW" altLang="en-US" smtClean="0"/>
+              <a:rPr kumimoji="0" lang="zh-TW" altLang="en-US"/>
               <a:t>按一下以編輯母片文字樣式</a:t>
             </a:r>
           </a:p>
@@ -1937,7 +1962,7 @@
           <a:p>
             <a:fld id="{5BBEAD13-0566-4C6C-97E7-55F17F24B09F}" type="datetimeFigureOut">
               <a:rPr lang="zh-TW" altLang="en-US" smtClean="0"/>
-              <a:t>2018/5/25</a:t>
+              <a:t>2018/5/26</a:t>
             </a:fld>
             <a:endParaRPr lang="zh-TW" altLang="en-US"/>
           </a:p>
@@ -2007,35 +2032,35 @@
           <a:p>
             <a:pPr lvl="0" eaLnBrk="1" latinLnBrk="0" hangingPunct="1"/>
             <a:r>
-              <a:rPr lang="zh-TW" altLang="en-US" smtClean="0"/>
+              <a:rPr lang="zh-TW" altLang="en-US"/>
               <a:t>按一下以編輯母片文字樣式</a:t>
             </a:r>
           </a:p>
           <a:p>
             <a:pPr lvl="1" eaLnBrk="1" latinLnBrk="0" hangingPunct="1"/>
             <a:r>
-              <a:rPr lang="zh-TW" altLang="en-US" smtClean="0"/>
+              <a:rPr lang="zh-TW" altLang="en-US"/>
               <a:t>第二層</a:t>
             </a:r>
           </a:p>
           <a:p>
             <a:pPr lvl="2" eaLnBrk="1" latinLnBrk="0" hangingPunct="1"/>
             <a:r>
-              <a:rPr lang="zh-TW" altLang="en-US" smtClean="0"/>
+              <a:rPr lang="zh-TW" altLang="en-US"/>
               <a:t>第三層</a:t>
             </a:r>
           </a:p>
           <a:p>
             <a:pPr lvl="3" eaLnBrk="1" latinLnBrk="0" hangingPunct="1"/>
             <a:r>
-              <a:rPr lang="zh-TW" altLang="en-US" smtClean="0"/>
+              <a:rPr lang="zh-TW" altLang="en-US"/>
               <a:t>第四層</a:t>
             </a:r>
           </a:p>
           <a:p>
             <a:pPr lvl="4" eaLnBrk="1" latinLnBrk="0" hangingPunct="1"/>
             <a:r>
-              <a:rPr lang="zh-TW" altLang="en-US" smtClean="0"/>
+              <a:rPr lang="zh-TW" altLang="en-US"/>
               <a:t>第五層</a:t>
             </a:r>
             <a:endParaRPr kumimoji="0" lang="en-US"/>
@@ -2064,35 +2089,35 @@
           <a:p>
             <a:pPr lvl="0" eaLnBrk="1" latinLnBrk="0" hangingPunct="1"/>
             <a:r>
-              <a:rPr lang="zh-TW" altLang="en-US" smtClean="0"/>
+              <a:rPr lang="zh-TW" altLang="en-US"/>
               <a:t>按一下以編輯母片文字樣式</a:t>
             </a:r>
           </a:p>
           <a:p>
             <a:pPr lvl="1" eaLnBrk="1" latinLnBrk="0" hangingPunct="1"/>
             <a:r>
-              <a:rPr lang="zh-TW" altLang="en-US" smtClean="0"/>
+              <a:rPr lang="zh-TW" altLang="en-US"/>
               <a:t>第二層</a:t>
             </a:r>
           </a:p>
           <a:p>
             <a:pPr lvl="2" eaLnBrk="1" latinLnBrk="0" hangingPunct="1"/>
             <a:r>
-              <a:rPr lang="zh-TW" altLang="en-US" smtClean="0"/>
+              <a:rPr lang="zh-TW" altLang="en-US"/>
               <a:t>第三層</a:t>
             </a:r>
           </a:p>
           <a:p>
             <a:pPr lvl="3" eaLnBrk="1" latinLnBrk="0" hangingPunct="1"/>
             <a:r>
-              <a:rPr lang="zh-TW" altLang="en-US" smtClean="0"/>
+              <a:rPr lang="zh-TW" altLang="en-US"/>
               <a:t>第四層</a:t>
             </a:r>
           </a:p>
           <a:p>
             <a:pPr lvl="4" eaLnBrk="1" latinLnBrk="0" hangingPunct="1"/>
             <a:r>
-              <a:rPr lang="zh-TW" altLang="en-US" smtClean="0"/>
+              <a:rPr lang="zh-TW" altLang="en-US"/>
               <a:t>第五層</a:t>
             </a:r>
             <a:endParaRPr kumimoji="0" lang="en-US"/>
@@ -2140,7 +2165,7 @@
           <a:lstStyle/>
           <a:p>
             <a:r>
-              <a:rPr kumimoji="0" lang="zh-TW" altLang="en-US" smtClean="0"/>
+              <a:rPr kumimoji="0" lang="zh-TW" altLang="en-US"/>
               <a:t>按一下以編輯母片標題樣式</a:t>
             </a:r>
             <a:endParaRPr kumimoji="0" lang="en-US"/>
@@ -2164,7 +2189,7 @@
           <a:p>
             <a:fld id="{5BBEAD13-0566-4C6C-97E7-55F17F24B09F}" type="datetimeFigureOut">
               <a:rPr lang="zh-TW" altLang="en-US" smtClean="0"/>
-              <a:t>2018/5/25</a:t>
+              <a:t>2018/5/26</a:t>
             </a:fld>
             <a:endParaRPr lang="zh-TW" altLang="en-US"/>
           </a:p>
@@ -2254,7 +2279,7 @@
           <a:p>
             <a:fld id="{5BBEAD13-0566-4C6C-97E7-55F17F24B09F}" type="datetimeFigureOut">
               <a:rPr lang="zh-TW" altLang="en-US" smtClean="0"/>
-              <a:t>2018/5/25</a:t>
+              <a:t>2018/5/26</a:t>
             </a:fld>
             <a:endParaRPr lang="zh-TW" altLang="en-US"/>
           </a:p>
@@ -2448,7 +2473,7 @@
           </a:lstStyle>
           <a:p>
             <a:r>
-              <a:rPr kumimoji="0" lang="zh-TW" altLang="en-US" smtClean="0"/>
+              <a:rPr kumimoji="0" lang="zh-TW" altLang="en-US"/>
               <a:t>按一下以編輯母片標題樣式</a:t>
             </a:r>
             <a:endParaRPr kumimoji="0" lang="en-US"/>
@@ -2498,7 +2523,7 @@
           <a:p>
             <a:pPr lvl="0" eaLnBrk="1" latinLnBrk="0" hangingPunct="1"/>
             <a:r>
-              <a:rPr kumimoji="0" lang="zh-TW" altLang="en-US" smtClean="0"/>
+              <a:rPr kumimoji="0" lang="zh-TW" altLang="en-US"/>
               <a:t>按一下以編輯母片文字樣式</a:t>
             </a:r>
           </a:p>
@@ -2521,7 +2546,7 @@
           <a:p>
             <a:fld id="{5BBEAD13-0566-4C6C-97E7-55F17F24B09F}" type="datetimeFigureOut">
               <a:rPr lang="zh-TW" altLang="en-US" smtClean="0"/>
-              <a:t>2018/5/25</a:t>
+              <a:t>2018/5/26</a:t>
             </a:fld>
             <a:endParaRPr lang="zh-TW" altLang="en-US"/>
           </a:p>
@@ -2591,35 +2616,35 @@
           <a:p>
             <a:pPr lvl="0" eaLnBrk="1" latinLnBrk="0" hangingPunct="1"/>
             <a:r>
-              <a:rPr lang="zh-TW" altLang="en-US" smtClean="0"/>
+              <a:rPr lang="zh-TW" altLang="en-US"/>
               <a:t>按一下以編輯母片文字樣式</a:t>
             </a:r>
           </a:p>
           <a:p>
             <a:pPr lvl="1" eaLnBrk="1" latinLnBrk="0" hangingPunct="1"/>
             <a:r>
-              <a:rPr lang="zh-TW" altLang="en-US" smtClean="0"/>
+              <a:rPr lang="zh-TW" altLang="en-US"/>
               <a:t>第二層</a:t>
             </a:r>
           </a:p>
           <a:p>
             <a:pPr lvl="2" eaLnBrk="1" latinLnBrk="0" hangingPunct="1"/>
             <a:r>
-              <a:rPr lang="zh-TW" altLang="en-US" smtClean="0"/>
+              <a:rPr lang="zh-TW" altLang="en-US"/>
               <a:t>第三層</a:t>
             </a:r>
           </a:p>
           <a:p>
             <a:pPr lvl="3" eaLnBrk="1" latinLnBrk="0" hangingPunct="1"/>
             <a:r>
-              <a:rPr lang="zh-TW" altLang="en-US" smtClean="0"/>
+              <a:rPr lang="zh-TW" altLang="en-US"/>
               <a:t>第四層</a:t>
             </a:r>
           </a:p>
           <a:p>
             <a:pPr lvl="4" eaLnBrk="1" latinLnBrk="0" hangingPunct="1"/>
             <a:r>
-              <a:rPr lang="zh-TW" altLang="en-US" smtClean="0"/>
+              <a:rPr lang="zh-TW" altLang="en-US"/>
               <a:t>第五層</a:t>
             </a:r>
             <a:endParaRPr kumimoji="0" lang="en-US"/>
@@ -2679,7 +2704,7 @@
           </a:lstStyle>
           <a:p>
             <a:r>
-              <a:rPr kumimoji="0" lang="zh-TW" altLang="en-US" smtClean="0"/>
+              <a:rPr kumimoji="0" lang="zh-TW" altLang="en-US"/>
               <a:t>按一下以編輯母片標題樣式</a:t>
             </a:r>
             <a:endParaRPr kumimoji="0" lang="en-US"/>
@@ -2726,7 +2751,7 @@
           <a:p>
             <a:pPr lvl="0" eaLnBrk="1" latinLnBrk="0" hangingPunct="1"/>
             <a:r>
-              <a:rPr kumimoji="0" lang="zh-TW" altLang="en-US" smtClean="0"/>
+              <a:rPr kumimoji="0" lang="zh-TW" altLang="en-US"/>
               <a:t>按一下以編輯母片文字樣式</a:t>
             </a:r>
           </a:p>
@@ -2749,7 +2774,7 @@
           <a:p>
             <a:fld id="{5BBEAD13-0566-4C6C-97E7-55F17F24B09F}" type="datetimeFigureOut">
               <a:rPr lang="zh-TW" altLang="en-US" smtClean="0"/>
-              <a:t>2018/5/25</a:t>
+              <a:t>2018/5/26</a:t>
             </a:fld>
             <a:endParaRPr lang="zh-TW" altLang="en-US"/>
           </a:p>
@@ -2989,7 +3014,7 @@
           </a:lstStyle>
           <a:p>
             <a:r>
-              <a:rPr kumimoji="0" lang="zh-TW" altLang="en-US" smtClean="0"/>
+              <a:rPr kumimoji="0" lang="zh-TW" altLang="en-US"/>
               <a:t>按一下圖示以新增圖片</a:t>
             </a:r>
             <a:endParaRPr kumimoji="0" lang="en-US" dirty="0"/>
@@ -3146,7 +3171,7 @@
           <a:lstStyle/>
           <a:p>
             <a:r>
-              <a:rPr kumimoji="0" lang="zh-TW" altLang="en-US" smtClean="0"/>
+              <a:rPr kumimoji="0" lang="zh-TW" altLang="en-US"/>
               <a:t>按一下以編輯母片標題樣式</a:t>
             </a:r>
             <a:endParaRPr kumimoji="0" lang="en-US"/>
@@ -3180,35 +3205,35 @@
           <a:p>
             <a:pPr lvl="0" eaLnBrk="1" latinLnBrk="0" hangingPunct="1"/>
             <a:r>
-              <a:rPr kumimoji="0" lang="zh-TW" altLang="en-US" smtClean="0"/>
+              <a:rPr kumimoji="0" lang="zh-TW" altLang="en-US"/>
               <a:t>按一下以編輯母片文字樣式</a:t>
             </a:r>
           </a:p>
           <a:p>
             <a:pPr lvl="1" eaLnBrk="1" latinLnBrk="0" hangingPunct="1"/>
             <a:r>
-              <a:rPr kumimoji="0" lang="zh-TW" altLang="en-US" smtClean="0"/>
+              <a:rPr kumimoji="0" lang="zh-TW" altLang="en-US"/>
               <a:t>第二層</a:t>
             </a:r>
           </a:p>
           <a:p>
             <a:pPr lvl="2" eaLnBrk="1" latinLnBrk="0" hangingPunct="1"/>
             <a:r>
-              <a:rPr kumimoji="0" lang="zh-TW" altLang="en-US" smtClean="0"/>
+              <a:rPr kumimoji="0" lang="zh-TW" altLang="en-US"/>
               <a:t>第三層</a:t>
             </a:r>
           </a:p>
           <a:p>
             <a:pPr lvl="3" eaLnBrk="1" latinLnBrk="0" hangingPunct="1"/>
             <a:r>
-              <a:rPr kumimoji="0" lang="zh-TW" altLang="en-US" smtClean="0"/>
+              <a:rPr kumimoji="0" lang="zh-TW" altLang="en-US"/>
               <a:t>第四層</a:t>
             </a:r>
           </a:p>
           <a:p>
             <a:pPr lvl="4" eaLnBrk="1" latinLnBrk="0" hangingPunct="1"/>
             <a:r>
-              <a:rPr kumimoji="0" lang="zh-TW" altLang="en-US" smtClean="0"/>
+              <a:rPr kumimoji="0" lang="zh-TW" altLang="en-US"/>
               <a:t>第五層</a:t>
             </a:r>
             <a:endParaRPr kumimoji="0" lang="en-US"/>
@@ -3248,7 +3273,7 @@
           <a:p>
             <a:fld id="{5BBEAD13-0566-4C6C-97E7-55F17F24B09F}" type="datetimeFigureOut">
               <a:rPr lang="zh-TW" altLang="en-US" smtClean="0"/>
-              <a:t>2018/5/25</a:t>
+              <a:t>2018/5/26</a:t>
             </a:fld>
             <a:endParaRPr lang="zh-TW" altLang="en-US"/>
           </a:p>
@@ -3689,14 +3714,13 @@
           <a:lstStyle/>
           <a:p>
             <a:r>
-              <a:rPr lang="en-US" altLang="zh-TW" sz="6000" dirty="0" smtClean="0"/>
+              <a:rPr lang="en-US" altLang="zh-TW" sz="6000" dirty="0"/>
               <a:t>Spring JPA</a:t>
             </a:r>
             <a:r>
-              <a:rPr lang="zh-TW" altLang="en-US" sz="6000" dirty="0" smtClean="0"/>
+              <a:rPr lang="zh-TW" altLang="en-US" sz="6000" dirty="0"/>
               <a:t>配置</a:t>
             </a:r>
-            <a:endParaRPr lang="zh-TW" altLang="en-US" sz="6000" dirty="0"/>
           </a:p>
         </p:txBody>
       </p:sp>
@@ -3746,12 +3770,8 @@
           <a:lstStyle/>
           <a:p>
             <a:r>
-              <a:rPr lang="en-US" altLang="zh-TW" dirty="0" smtClean="0"/>
-              <a:t>Hibernate</a:t>
-            </a:r>
-            <a:r>
-              <a:rPr lang="zh-TW" altLang="en-US" dirty="0" smtClean="0"/>
-              <a:t>參數說明</a:t>
+              <a:rPr lang="en-US" altLang="zh-TW" dirty="0"/>
+              <a:t>@Id-1</a:t>
             </a:r>
             <a:endParaRPr lang="zh-TW" altLang="en-US" dirty="0"/>
           </a:p>
@@ -3767,49 +3787,172 @@
             <p:ph sz="quarter" idx="1"/>
           </p:nvPr>
         </p:nvSpPr>
-        <p:spPr/>
-        <p:txBody>
-          <a:bodyPr/>
+        <p:spPr>
+          <a:xfrm>
+            <a:off x="914400" y="1447800"/>
+            <a:ext cx="7772400" cy="4572000"/>
+          </a:xfrm>
+        </p:spPr>
+        <p:txBody>
+          <a:bodyPr>
+            <a:normAutofit/>
+          </a:bodyPr>
+          <a:lstStyle/>
+          <a:p>
+            <a:r>
+              <a:rPr lang="en-US" altLang="zh-TW" dirty="0"/>
+              <a:t>@Id </a:t>
+            </a:r>
+            <a:r>
+              <a:rPr lang="zh-TW" altLang="en-US" dirty="0"/>
+              <a:t>標註用於聲明一個實體類的屬性映射為資料庫的主鍵列。該屬性通常置於屬性聲明語句之前，可與聲明語句同行，也可寫在單獨行上。</a:t>
+            </a:r>
+            <a:endParaRPr lang="en-US" altLang="zh-TW" dirty="0"/>
+          </a:p>
+          <a:p>
+            <a:r>
+              <a:rPr lang="en-US" altLang="zh-TW" dirty="0"/>
+              <a:t>@Id</a:t>
+            </a:r>
+            <a:r>
+              <a:rPr lang="zh-TW" altLang="en-US" dirty="0"/>
+              <a:t>標註也可置於屬性的</a:t>
+            </a:r>
+            <a:r>
+              <a:rPr lang="en-US" altLang="zh-TW" dirty="0"/>
+              <a:t>getter</a:t>
+            </a:r>
+            <a:r>
+              <a:rPr lang="zh-TW" altLang="en-US" dirty="0"/>
+              <a:t>方法之前。</a:t>
+            </a:r>
+            <a:endParaRPr lang="en-US" altLang="zh-TW" dirty="0"/>
+          </a:p>
+        </p:txBody>
+      </p:sp>
+      <p:sp>
+        <p:nvSpPr>
+          <p:cNvPr id="8" name="文字方塊 7">
+            <a:extLst>
+              <a:ext uri="{FF2B5EF4-FFF2-40B4-BE49-F238E27FC236}">
+                <a16:creationId xmlns:a16="http://schemas.microsoft.com/office/drawing/2014/main" id="{B79EABA9-4637-4E81-8FC9-8741129CD05C}"/>
+              </a:ext>
+            </a:extLst>
+          </p:cNvPr>
+          <p:cNvSpPr txBox="1"/>
+          <p:nvPr/>
+        </p:nvSpPr>
+        <p:spPr>
+          <a:xfrm>
+            <a:off x="1488232" y="5301208"/>
+            <a:ext cx="6624736" cy="923330"/>
+          </a:xfrm>
+          <a:prstGeom prst="rect">
+            <a:avLst/>
+          </a:prstGeom>
+          <a:noFill/>
+        </p:spPr>
+        <p:txBody>
+          <a:bodyPr wrap="square" rtlCol="0">
+            <a:spAutoFit/>
+          </a:bodyPr>
           <a:lstStyle/>
           <a:p>
             <a:r>
               <a:rPr lang="en-US" altLang="zh-TW" dirty="0">
-                <a:hlinkClick r:id="rId2"/>
-              </a:rPr>
-              <a:t>https://</a:t>
-            </a:r>
-            <a:r>
-              <a:rPr lang="en-US" altLang="zh-TW" dirty="0" smtClean="0">
-                <a:hlinkClick r:id="rId2"/>
-              </a:rPr>
-              <a:t>docs.jboss.org/hibernate/orm/3.3/reference/en-US/html/session-configuration.html</a:t>
-            </a:r>
-            <a:endParaRPr lang="en-US" altLang="zh-TW" dirty="0" smtClean="0"/>
-          </a:p>
-          <a:p>
-            <a:r>
-              <a:rPr lang="en-US" altLang="zh-TW" dirty="0">
-                <a:hlinkClick r:id="rId3"/>
-              </a:rPr>
-              <a:t>https://</a:t>
-            </a:r>
-            <a:r>
-              <a:rPr lang="en-US" altLang="zh-TW" dirty="0" smtClean="0">
-                <a:hlinkClick r:id="rId3"/>
-              </a:rPr>
-              <a:t>sites.google.com/a/mis.nsysu.edu.tw/cheng-shi-zi-xun-wang/java-ee-jin-jie-pian/hibernate-ji-shu/ji-chu-ru-men/jian-dan-fan-li/di-yi-gehibernate-cheng-shi</a:t>
-            </a:r>
-            <a:endParaRPr lang="en-US" altLang="zh-TW" dirty="0" smtClean="0"/>
-          </a:p>
-          <a:p>
+                <a:solidFill>
+                  <a:srgbClr val="FF0000"/>
+                </a:solidFill>
+              </a:rPr>
+              <a:t>@Id</a:t>
+            </a:r>
+          </a:p>
+          <a:p>
+            <a:r>
+              <a:rPr lang="en-US" altLang="zh-TW" dirty="0"/>
+              <a:t>@</a:t>
+            </a:r>
+            <a:r>
+              <a:rPr lang="en-US" altLang="zh-TW" dirty="0" err="1"/>
+              <a:t>GeneratedValue</a:t>
+            </a:r>
+            <a:r>
+              <a:rPr lang="en-US" altLang="zh-TW" dirty="0"/>
+              <a:t>(strategy = </a:t>
+            </a:r>
+            <a:r>
+              <a:rPr lang="en-US" altLang="zh-TW" dirty="0" err="1"/>
+              <a:t>GenerationType.</a:t>
+            </a:r>
+            <a:r>
+              <a:rPr lang="en-US" altLang="zh-TW" b="1" i="1" dirty="0" err="1"/>
+              <a:t>IDENTITY</a:t>
+            </a:r>
+            <a:r>
+              <a:rPr lang="en-US" altLang="zh-TW" b="1" i="1" dirty="0"/>
+              <a:t>)</a:t>
+            </a:r>
+          </a:p>
+          <a:p>
+            <a:r>
+              <a:rPr lang="en-US" altLang="zh-TW" b="1" dirty="0"/>
+              <a:t>private Integer id;</a:t>
+            </a:r>
             <a:endParaRPr lang="zh-TW" altLang="en-US" dirty="0"/>
           </a:p>
         </p:txBody>
       </p:sp>
+      <p:pic>
+        <p:nvPicPr>
+          <p:cNvPr id="2050" name="Picture 2" descr="https://i1.kknews.cc/SIG=kj2np2/r4s000423r9n4o2413q.jpg">
+            <a:extLst>
+              <a:ext uri="{FF2B5EF4-FFF2-40B4-BE49-F238E27FC236}">
+                <a16:creationId xmlns:a16="http://schemas.microsoft.com/office/drawing/2014/main" id="{A7187FC0-47AE-4ED4-A400-B3F3D20FC173}"/>
+              </a:ext>
+            </a:extLst>
+          </p:cNvPr>
+          <p:cNvPicPr>
+            <a:picLocks noChangeAspect="1" noChangeArrowheads="1"/>
+          </p:cNvPicPr>
+          <p:nvPr/>
+        </p:nvPicPr>
+        <p:blipFill>
+          <a:blip r:embed="rId2">
+            <a:extLst>
+              <a:ext uri="{28A0092B-C50C-407E-A947-70E740481C1C}">
+                <a14:useLocalDpi xmlns:a14="http://schemas.microsoft.com/office/drawing/2010/main" val="0"/>
+              </a:ext>
+            </a:extLst>
+          </a:blip>
+          <a:srcRect/>
+          <a:stretch>
+            <a:fillRect/>
+          </a:stretch>
+        </p:blipFill>
+        <p:spPr bwMode="auto">
+          <a:xfrm>
+            <a:off x="1259632" y="3429000"/>
+            <a:ext cx="5210175" cy="1409700"/>
+          </a:xfrm>
+          <a:prstGeom prst="rect">
+            <a:avLst/>
+          </a:prstGeom>
+          <a:noFill/>
+          <a:extLst>
+            <a:ext uri="{909E8E84-426E-40DD-AFC4-6F175D3DCCD1}">
+              <a14:hiddenFill xmlns:a14="http://schemas.microsoft.com/office/drawing/2010/main">
+                <a:solidFill>
+                  <a:srgbClr val="FFFFFF"/>
+                </a:solidFill>
+              </a14:hiddenFill>
+            </a:ext>
+          </a:extLst>
+        </p:spPr>
+      </p:pic>
     </p:spTree>
     <p:extLst>
       <p:ext uri="{BB962C8B-B14F-4D97-AF65-F5344CB8AC3E}">
-        <p14:creationId xmlns:p14="http://schemas.microsoft.com/office/powerpoint/2010/main" val="2390053485"/>
+        <p14:creationId xmlns:p14="http://schemas.microsoft.com/office/powerpoint/2010/main" val="2312864062"/>
       </p:ext>
     </p:extLst>
   </p:cSld>
@@ -3838,7 +3981,13 @@
       </p:grpSpPr>
       <p:sp>
         <p:nvSpPr>
-          <p:cNvPr id="2" name="標題 1"/>
+          <p:cNvPr id="2" name="標題 1">
+            <a:extLst>
+              <a:ext uri="{FF2B5EF4-FFF2-40B4-BE49-F238E27FC236}">
+                <a16:creationId xmlns:a16="http://schemas.microsoft.com/office/drawing/2014/main" id="{7C5EBA7E-79C8-48AE-B921-8DD59E19A3FB}"/>
+              </a:ext>
+            </a:extLst>
+          </p:cNvPr>
           <p:cNvSpPr>
             <a:spLocks noGrp="1"/>
           </p:cNvSpPr>
@@ -3852,16 +4001,8 @@
           <a:lstStyle/>
           <a:p>
             <a:r>
-              <a:rPr lang="en-US" altLang="zh-TW" dirty="0" smtClean="0"/>
-              <a:t>JPA</a:t>
-            </a:r>
-            <a:r>
-              <a:rPr lang="zh-TW" altLang="en-US" dirty="0" smtClean="0"/>
-              <a:t> </a:t>
-            </a:r>
-            <a:r>
-              <a:rPr lang="en-US" altLang="zh-TW" dirty="0" smtClean="0"/>
-              <a:t>annotation</a:t>
+              <a:rPr lang="en-US" altLang="zh-TW" dirty="0"/>
+              <a:t>@Id-2</a:t>
             </a:r>
             <a:endParaRPr lang="zh-TW" altLang="en-US" dirty="0"/>
           </a:p>
@@ -3869,7 +4010,13 @@
       </p:sp>
       <p:sp>
         <p:nvSpPr>
-          <p:cNvPr id="3" name="內容版面配置區 2"/>
+          <p:cNvPr id="3" name="內容版面配置區 2">
+            <a:extLst>
+              <a:ext uri="{FF2B5EF4-FFF2-40B4-BE49-F238E27FC236}">
+                <a16:creationId xmlns:a16="http://schemas.microsoft.com/office/drawing/2014/main" id="{6D5557D9-42B1-48AE-B949-A71AA52E7FBD}"/>
+              </a:ext>
+            </a:extLst>
+          </p:cNvPr>
           <p:cNvSpPr>
             <a:spLocks noGrp="1"/>
           </p:cNvSpPr>
@@ -3883,116 +4030,1505 @@
           <a:lstStyle/>
           <a:p>
             <a:r>
-              <a:rPr lang="en-US" altLang="zh-TW" dirty="0">
-                <a:hlinkClick r:id="rId2"/>
-              </a:rPr>
-              <a:t>http://</a:t>
-            </a:r>
-            <a:r>
-              <a:rPr lang="en-US" altLang="zh-TW" dirty="0" smtClean="0">
-                <a:hlinkClick r:id="rId2"/>
-              </a:rPr>
-              <a:t>www.blogjava.net/zJun/archive/2007/01/24/95747.html</a:t>
-            </a:r>
-            <a:r>
-              <a:rPr lang="zh-TW" altLang="en-US" dirty="0" smtClean="0"/>
-              <a:t> </a:t>
-            </a:r>
-            <a:r>
-              <a:rPr lang="en-US" altLang="zh-TW" dirty="0" smtClean="0"/>
-              <a:t>~</a:t>
-            </a:r>
-            <a:r>
               <a:rPr lang="zh-TW" altLang="en-US" dirty="0"/>
-              <a:t>★</a:t>
-            </a:r>
-            <a:endParaRPr lang="en-US" altLang="zh-TW" dirty="0" smtClean="0"/>
-          </a:p>
-          <a:p>
-            <a:r>
-              <a:rPr lang="en-US" altLang="zh-TW" dirty="0">
-                <a:hlinkClick r:id="rId3"/>
-              </a:rPr>
-              <a:t>http://</a:t>
-            </a:r>
-            <a:r>
-              <a:rPr lang="en-US" altLang="zh-TW" dirty="0" smtClean="0">
-                <a:hlinkClick r:id="rId3"/>
-              </a:rPr>
-              <a:t>www.techferry.com/articles/hibernate-jpa-annotations.html</a:t>
-            </a:r>
-            <a:r>
-              <a:rPr lang="en-US" altLang="zh-TW" dirty="0"/>
-              <a:t> ~</a:t>
-            </a:r>
-            <a:r>
-              <a:rPr lang="zh-TW" altLang="en-US" dirty="0" smtClean="0"/>
-              <a:t>★</a:t>
-            </a:r>
-            <a:endParaRPr lang="en-US" altLang="zh-TW" dirty="0" smtClean="0"/>
-          </a:p>
-          <a:p>
-            <a:r>
-              <a:rPr lang="en-US" altLang="zh-TW" dirty="0">
-                <a:hlinkClick r:id="rId4"/>
-              </a:rPr>
-              <a:t>https://</a:t>
-            </a:r>
-            <a:r>
-              <a:rPr lang="en-US" altLang="zh-TW" dirty="0" smtClean="0">
-                <a:hlinkClick r:id="rId4"/>
-              </a:rPr>
-              <a:t>kknews.cc/zh-tw/other/5nnye2.html</a:t>
-            </a:r>
-            <a:r>
-              <a:rPr lang="en-US" altLang="zh-TW" dirty="0"/>
-              <a:t> ~</a:t>
-            </a:r>
-            <a:r>
-              <a:rPr lang="zh-TW" altLang="en-US" dirty="0"/>
-              <a:t>★</a:t>
-            </a:r>
-            <a:endParaRPr lang="en-US" altLang="zh-TW" dirty="0" smtClean="0"/>
-          </a:p>
-          <a:p>
-            <a:r>
-              <a:rPr lang="en-US" altLang="zh-TW" dirty="0">
-                <a:hlinkClick r:id="rId5"/>
-              </a:rPr>
-              <a:t>https://</a:t>
-            </a:r>
-            <a:r>
-              <a:rPr lang="en-US" altLang="zh-TW" dirty="0" smtClean="0">
-                <a:hlinkClick r:id="rId5"/>
-              </a:rPr>
-              <a:t>www.objectdb.com/api/java/jpa/annotations</a:t>
-            </a:r>
-            <a:endParaRPr lang="en-US" altLang="zh-TW" dirty="0" smtClean="0"/>
-          </a:p>
-          <a:p>
-            <a:r>
-              <a:rPr lang="en-US" altLang="zh-TW" dirty="0">
-                <a:hlinkClick r:id="rId6"/>
-              </a:rPr>
-              <a:t>http://</a:t>
-            </a:r>
-            <a:r>
-              <a:rPr lang="en-US" altLang="zh-TW" dirty="0" smtClean="0">
-                <a:hlinkClick r:id="rId6"/>
-              </a:rPr>
-              <a:t>www.oracle.com/technetwork/middleware/ias/toplink-jpa-annotations-096251.html</a:t>
-            </a:r>
-            <a:endParaRPr lang="en-US" altLang="zh-TW" dirty="0" smtClean="0"/>
-          </a:p>
-          <a:p>
-            <a:endParaRPr lang="zh-TW" altLang="en-US" dirty="0"/>
+              <a:t>實體類別最好有主鍵列，並有對應的</a:t>
+            </a:r>
+            <a:r>
+              <a:rPr lang="en-US" altLang="zh-TW" dirty="0" err="1"/>
+              <a:t>getter,setter</a:t>
+            </a:r>
+            <a:r>
+              <a:rPr lang="zh-CN" altLang="en-US" dirty="0"/>
+              <a:t>方法，這是</a:t>
+            </a:r>
+            <a:r>
+              <a:rPr lang="en-US" altLang="zh-CN" dirty="0"/>
+              <a:t>Hibernate</a:t>
+            </a:r>
+            <a:r>
+              <a:rPr lang="zh-CN" altLang="en-US" dirty="0"/>
+              <a:t>推薦的。</a:t>
+            </a:r>
+            <a:endParaRPr lang="en-US" altLang="zh-CN" dirty="0"/>
+          </a:p>
+          <a:p>
+            <a:r>
+              <a:rPr lang="zh-CN" altLang="en-US" dirty="0"/>
+              <a:t>主鍵盡量使用可以為</a:t>
+            </a:r>
+            <a:r>
+              <a:rPr lang="en-US" altLang="zh-CN" dirty="0"/>
+              <a:t>null</a:t>
+            </a:r>
+            <a:r>
+              <a:rPr lang="zh-CN" altLang="en-US" dirty="0"/>
+              <a:t>值的類型，例如</a:t>
+            </a:r>
+            <a:r>
+              <a:rPr lang="en-US" altLang="zh-CN" dirty="0" err="1"/>
+              <a:t>Integer,Long,String</a:t>
+            </a:r>
+            <a:r>
+              <a:rPr lang="zh-CN" altLang="en-US" dirty="0"/>
+              <a:t>等，而不要使用</a:t>
+            </a:r>
+            <a:r>
+              <a:rPr lang="en-US" altLang="zh-CN" dirty="0" err="1"/>
+              <a:t>int,long</a:t>
+            </a:r>
+            <a:r>
+              <a:rPr lang="zh-CN" altLang="en-US" dirty="0"/>
+              <a:t>等因為如果主鍵為</a:t>
+            </a:r>
+            <a:r>
+              <a:rPr lang="en-US" altLang="zh-CN" dirty="0"/>
+              <a:t>null</a:t>
+            </a:r>
+            <a:r>
+              <a:rPr lang="zh-CN" altLang="en-US" dirty="0"/>
+              <a:t>，則表示該實體類別還沒有儲存到資料庫，是一個臨時狀態</a:t>
+            </a:r>
+            <a:r>
+              <a:rPr lang="en-US" altLang="zh-CN" dirty="0"/>
+              <a:t>(Transient),</a:t>
+            </a:r>
+            <a:r>
+              <a:rPr lang="zh-CN" altLang="en-US" dirty="0"/>
+              <a:t>而</a:t>
+            </a:r>
+            <a:r>
+              <a:rPr lang="en-US" altLang="zh-CN" dirty="0" err="1"/>
+              <a:t>int,long</a:t>
+            </a:r>
+            <a:r>
+              <a:rPr lang="zh-CN" altLang="en-US" dirty="0"/>
+              <a:t>等原始類型則不具備該功能。</a:t>
+            </a:r>
+            <a:endParaRPr lang="en-US" altLang="zh-CN" dirty="0"/>
           </a:p>
         </p:txBody>
       </p:sp>
     </p:spTree>
     <p:extLst>
       <p:ext uri="{BB962C8B-B14F-4D97-AF65-F5344CB8AC3E}">
-        <p14:creationId xmlns:p14="http://schemas.microsoft.com/office/powerpoint/2010/main" val="2714022634"/>
+        <p14:creationId xmlns:p14="http://schemas.microsoft.com/office/powerpoint/2010/main" val="2971768308"/>
+      </p:ext>
+    </p:extLst>
+  </p:cSld>
+  <p:clrMapOvr>
+    <a:masterClrMapping/>
+  </p:clrMapOvr>
+</p:sld>
+</file>
+
+<file path=ppt/slides/slide12.xml><?xml version="1.0" encoding="utf-8"?>
+<p:sld xmlns:a="http://schemas.openxmlformats.org/drawingml/2006/main" xmlns:r="http://schemas.openxmlformats.org/officeDocument/2006/relationships" xmlns:p="http://schemas.openxmlformats.org/presentationml/2006/main">
+  <p:cSld>
+    <p:spTree>
+      <p:nvGrpSpPr>
+        <p:cNvPr id="1" name=""/>
+        <p:cNvGrpSpPr/>
+        <p:nvPr/>
+      </p:nvGrpSpPr>
+      <p:grpSpPr>
+        <a:xfrm>
+          <a:off x="0" y="0"/>
+          <a:ext cx="0" cy="0"/>
+          <a:chOff x="0" y="0"/>
+          <a:chExt cx="0" cy="0"/>
+        </a:xfrm>
+      </p:grpSpPr>
+      <p:sp>
+        <p:nvSpPr>
+          <p:cNvPr id="2" name="標題 1"/>
+          <p:cNvSpPr>
+            <a:spLocks noGrp="1"/>
+          </p:cNvSpPr>
+          <p:nvPr>
+            <p:ph type="title"/>
+          </p:nvPr>
+        </p:nvSpPr>
+        <p:spPr/>
+        <p:txBody>
+          <a:bodyPr/>
+          <a:lstStyle/>
+          <a:p>
+            <a:r>
+              <a:rPr lang="en-US" altLang="zh-TW" dirty="0"/>
+              <a:t>@</a:t>
+            </a:r>
+            <a:r>
+              <a:rPr lang="en-US" altLang="zh-TW" dirty="0" err="1"/>
+              <a:t>GeneratedValue</a:t>
+            </a:r>
+            <a:endParaRPr lang="zh-TW" altLang="en-US" dirty="0"/>
+          </a:p>
+        </p:txBody>
+      </p:sp>
+      <p:sp>
+        <p:nvSpPr>
+          <p:cNvPr id="3" name="內容版面配置區 2"/>
+          <p:cNvSpPr>
+            <a:spLocks noGrp="1"/>
+          </p:cNvSpPr>
+          <p:nvPr>
+            <p:ph sz="quarter" idx="1"/>
+          </p:nvPr>
+        </p:nvSpPr>
+        <p:spPr>
+          <a:xfrm>
+            <a:off x="914400" y="1447800"/>
+            <a:ext cx="7772400" cy="4572000"/>
+          </a:xfrm>
+        </p:spPr>
+        <p:txBody>
+          <a:bodyPr>
+            <a:normAutofit/>
+          </a:bodyPr>
+          <a:lstStyle/>
+          <a:p>
+            <a:r>
+              <a:rPr lang="en-US" altLang="zh-TW" dirty="0"/>
+              <a:t>@</a:t>
+            </a:r>
+            <a:r>
+              <a:rPr lang="en-US" altLang="zh-TW" dirty="0" err="1"/>
+              <a:t>GeneratedValue</a:t>
+            </a:r>
+            <a:r>
+              <a:rPr lang="en-US" altLang="zh-TW" dirty="0"/>
+              <a:t> </a:t>
+            </a:r>
+            <a:r>
+              <a:rPr lang="zh-TW" altLang="en-US" dirty="0"/>
+              <a:t>用於標註主鍵的生成策略，通過 </a:t>
+            </a:r>
+            <a:r>
+              <a:rPr lang="en-US" altLang="zh-TW" dirty="0"/>
+              <a:t>strategy </a:t>
+            </a:r>
+            <a:r>
+              <a:rPr lang="zh-TW" altLang="en-US" dirty="0"/>
+              <a:t>屬性指定。默認情況下，</a:t>
+            </a:r>
+            <a:r>
+              <a:rPr lang="en-US" altLang="zh-TW" dirty="0"/>
+              <a:t>JPA </a:t>
+            </a:r>
+            <a:r>
+              <a:rPr lang="zh-TW" altLang="en-US" dirty="0"/>
+              <a:t>自動選擇一個最適合底層資料庫的主鍵生成策略：</a:t>
+            </a:r>
+            <a:r>
+              <a:rPr lang="en-US" altLang="zh-TW" dirty="0" err="1"/>
+              <a:t>SqlServer</a:t>
+            </a:r>
+            <a:r>
+              <a:rPr lang="en-US" altLang="zh-TW" dirty="0"/>
+              <a:t> </a:t>
+            </a:r>
+            <a:r>
+              <a:rPr lang="zh-TW" altLang="en-US" dirty="0"/>
+              <a:t>對應 </a:t>
+            </a:r>
+            <a:r>
+              <a:rPr lang="en-US" altLang="zh-TW" dirty="0"/>
+              <a:t>identity</a:t>
+            </a:r>
+            <a:r>
+              <a:rPr lang="zh-TW" altLang="en-US" dirty="0"/>
+              <a:t>，</a:t>
+            </a:r>
+            <a:r>
+              <a:rPr lang="en-US" altLang="zh-TW" dirty="0"/>
+              <a:t>MySQL </a:t>
+            </a:r>
+            <a:r>
+              <a:rPr lang="zh-TW" altLang="en-US" dirty="0"/>
+              <a:t>對應 </a:t>
+            </a:r>
+            <a:r>
+              <a:rPr lang="en-US" altLang="zh-TW" dirty="0"/>
+              <a:t>auto increment</a:t>
+            </a:r>
+            <a:r>
+              <a:rPr lang="zh-TW" altLang="en-US" dirty="0"/>
+              <a:t>。</a:t>
+            </a:r>
+            <a:endParaRPr lang="en-US" altLang="zh-TW" dirty="0"/>
+          </a:p>
+          <a:p>
+            <a:endParaRPr lang="en-US" altLang="zh-TW" dirty="0"/>
+          </a:p>
+        </p:txBody>
+      </p:sp>
+      <p:sp>
+        <p:nvSpPr>
+          <p:cNvPr id="8" name="文字方塊 7">
+            <a:extLst>
+              <a:ext uri="{FF2B5EF4-FFF2-40B4-BE49-F238E27FC236}">
+                <a16:creationId xmlns:a16="http://schemas.microsoft.com/office/drawing/2014/main" id="{B79EABA9-4637-4E81-8FC9-8741129CD05C}"/>
+              </a:ext>
+            </a:extLst>
+          </p:cNvPr>
+          <p:cNvSpPr txBox="1"/>
+          <p:nvPr/>
+        </p:nvSpPr>
+        <p:spPr>
+          <a:xfrm>
+            <a:off x="1488232" y="5301208"/>
+            <a:ext cx="6624736" cy="923330"/>
+          </a:xfrm>
+          <a:prstGeom prst="rect">
+            <a:avLst/>
+          </a:prstGeom>
+          <a:noFill/>
+        </p:spPr>
+        <p:txBody>
+          <a:bodyPr wrap="square" rtlCol="0">
+            <a:spAutoFit/>
+          </a:bodyPr>
+          <a:lstStyle/>
+          <a:p>
+            <a:r>
+              <a:rPr lang="en-US" altLang="zh-TW" dirty="0">
+                <a:solidFill>
+                  <a:srgbClr val="FF0000"/>
+                </a:solidFill>
+              </a:rPr>
+              <a:t>@Id</a:t>
+            </a:r>
+          </a:p>
+          <a:p>
+            <a:r>
+              <a:rPr lang="en-US" altLang="zh-TW" dirty="0">
+                <a:solidFill>
+                  <a:srgbClr val="FF0000"/>
+                </a:solidFill>
+              </a:rPr>
+              <a:t>@</a:t>
+            </a:r>
+            <a:r>
+              <a:rPr lang="en-US" altLang="zh-TW" dirty="0" err="1">
+                <a:solidFill>
+                  <a:srgbClr val="FF0000"/>
+                </a:solidFill>
+              </a:rPr>
+              <a:t>GeneratedValue</a:t>
+            </a:r>
+            <a:r>
+              <a:rPr lang="en-US" altLang="zh-TW" dirty="0"/>
+              <a:t>(strategy = </a:t>
+            </a:r>
+            <a:r>
+              <a:rPr lang="en-US" altLang="zh-TW" dirty="0" err="1"/>
+              <a:t>GenerationType.</a:t>
+            </a:r>
+            <a:r>
+              <a:rPr lang="en-US" altLang="zh-TW" b="1" i="1" dirty="0" err="1"/>
+              <a:t>IDENTITY</a:t>
+            </a:r>
+            <a:r>
+              <a:rPr lang="en-US" altLang="zh-TW" b="1" i="1" dirty="0"/>
+              <a:t>)</a:t>
+            </a:r>
+          </a:p>
+          <a:p>
+            <a:r>
+              <a:rPr lang="en-US" altLang="zh-TW" b="1" dirty="0"/>
+              <a:t>private Integer id;</a:t>
+            </a:r>
+            <a:endParaRPr lang="zh-TW" altLang="en-US" dirty="0"/>
+          </a:p>
+        </p:txBody>
+      </p:sp>
+      <p:pic>
+        <p:nvPicPr>
+          <p:cNvPr id="2050" name="Picture 2" descr="https://i1.kknews.cc/SIG=kj2np2/r4s000423r9n4o2413q.jpg">
+            <a:extLst>
+              <a:ext uri="{FF2B5EF4-FFF2-40B4-BE49-F238E27FC236}">
+                <a16:creationId xmlns:a16="http://schemas.microsoft.com/office/drawing/2014/main" id="{A7187FC0-47AE-4ED4-A400-B3F3D20FC173}"/>
+              </a:ext>
+            </a:extLst>
+          </p:cNvPr>
+          <p:cNvPicPr>
+            <a:picLocks noChangeAspect="1" noChangeArrowheads="1"/>
+          </p:cNvPicPr>
+          <p:nvPr/>
+        </p:nvPicPr>
+        <p:blipFill>
+          <a:blip r:embed="rId2">
+            <a:extLst>
+              <a:ext uri="{28A0092B-C50C-407E-A947-70E740481C1C}">
+                <a14:useLocalDpi xmlns:a14="http://schemas.microsoft.com/office/drawing/2010/main" val="0"/>
+              </a:ext>
+            </a:extLst>
+          </a:blip>
+          <a:srcRect/>
+          <a:stretch>
+            <a:fillRect/>
+          </a:stretch>
+        </p:blipFill>
+        <p:spPr bwMode="auto">
+          <a:xfrm>
+            <a:off x="1259632" y="3284984"/>
+            <a:ext cx="5210175" cy="1409700"/>
+          </a:xfrm>
+          <a:prstGeom prst="rect">
+            <a:avLst/>
+          </a:prstGeom>
+          <a:noFill/>
+          <a:extLst>
+            <a:ext uri="{909E8E84-426E-40DD-AFC4-6F175D3DCCD1}">
+              <a14:hiddenFill xmlns:a14="http://schemas.microsoft.com/office/drawing/2010/main">
+                <a:solidFill>
+                  <a:srgbClr val="FFFFFF"/>
+                </a:solidFill>
+              </a14:hiddenFill>
+            </a:ext>
+          </a:extLst>
+        </p:spPr>
+      </p:pic>
+    </p:spTree>
+    <p:extLst>
+      <p:ext uri="{BB962C8B-B14F-4D97-AF65-F5344CB8AC3E}">
+        <p14:creationId xmlns:p14="http://schemas.microsoft.com/office/powerpoint/2010/main" val="3859371642"/>
+      </p:ext>
+    </p:extLst>
+  </p:cSld>
+  <p:clrMapOvr>
+    <a:masterClrMapping/>
+  </p:clrMapOvr>
+</p:sld>
+</file>
+
+<file path=ppt/slides/slide13.xml><?xml version="1.0" encoding="utf-8"?>
+<p:sld xmlns:a="http://schemas.openxmlformats.org/drawingml/2006/main" xmlns:r="http://schemas.openxmlformats.org/officeDocument/2006/relationships" xmlns:p="http://schemas.openxmlformats.org/presentationml/2006/main">
+  <p:cSld>
+    <p:spTree>
+      <p:nvGrpSpPr>
+        <p:cNvPr id="1" name=""/>
+        <p:cNvGrpSpPr/>
+        <p:nvPr/>
+      </p:nvGrpSpPr>
+      <p:grpSpPr>
+        <a:xfrm>
+          <a:off x="0" y="0"/>
+          <a:ext cx="0" cy="0"/>
+          <a:chOff x="0" y="0"/>
+          <a:chExt cx="0" cy="0"/>
+        </a:xfrm>
+      </p:grpSpPr>
+      <p:sp>
+        <p:nvSpPr>
+          <p:cNvPr id="2" name="標題 1">
+            <a:extLst>
+              <a:ext uri="{FF2B5EF4-FFF2-40B4-BE49-F238E27FC236}">
+                <a16:creationId xmlns:a16="http://schemas.microsoft.com/office/drawing/2014/main" id="{143647CB-3870-419B-8612-1BFC123B3AC4}"/>
+              </a:ext>
+            </a:extLst>
+          </p:cNvPr>
+          <p:cNvSpPr>
+            <a:spLocks noGrp="1"/>
+          </p:cNvSpPr>
+          <p:nvPr>
+            <p:ph type="title"/>
+          </p:nvPr>
+        </p:nvSpPr>
+        <p:spPr/>
+        <p:txBody>
+          <a:bodyPr/>
+          <a:lstStyle/>
+          <a:p>
+            <a:r>
+              <a:rPr lang="zh-TW" altLang="en-US" dirty="0"/>
+              <a:t>主鍵產生規則</a:t>
+            </a:r>
+            <a:r>
+              <a:rPr lang="en-US" altLang="zh-TW" dirty="0"/>
+              <a:t>-1</a:t>
+            </a:r>
+            <a:endParaRPr lang="zh-TW" altLang="en-US" dirty="0"/>
+          </a:p>
+        </p:txBody>
+      </p:sp>
+      <p:sp>
+        <p:nvSpPr>
+          <p:cNvPr id="3" name="內容版面配置區 2">
+            <a:extLst>
+              <a:ext uri="{FF2B5EF4-FFF2-40B4-BE49-F238E27FC236}">
+                <a16:creationId xmlns:a16="http://schemas.microsoft.com/office/drawing/2014/main" id="{C279740F-2988-4C57-86F6-DAFD9158EC29}"/>
+              </a:ext>
+            </a:extLst>
+          </p:cNvPr>
+          <p:cNvSpPr>
+            <a:spLocks noGrp="1"/>
+          </p:cNvSpPr>
+          <p:nvPr>
+            <p:ph sz="quarter" idx="1"/>
+          </p:nvPr>
+        </p:nvSpPr>
+        <p:spPr/>
+        <p:txBody>
+          <a:bodyPr/>
+          <a:lstStyle/>
+          <a:p>
+            <a:r>
+              <a:rPr lang="en-US" altLang="zh-TW" dirty="0"/>
+              <a:t>@Id</a:t>
+            </a:r>
+            <a:r>
+              <a:rPr lang="zh-CN" altLang="en-US" dirty="0"/>
+              <a:t>設定主鍵的同時，也要用</a:t>
+            </a:r>
+            <a:r>
+              <a:rPr lang="en-US" altLang="zh-CN" dirty="0"/>
+              <a:t>@</a:t>
+            </a:r>
+            <a:r>
+              <a:rPr lang="en-US" altLang="zh-CN" dirty="0" err="1"/>
+              <a:t>GeneratedValue</a:t>
+            </a:r>
+            <a:r>
+              <a:rPr lang="zh-CN" altLang="en-US" dirty="0"/>
+              <a:t>設定主鍵產生規則</a:t>
+            </a:r>
+            <a:endParaRPr lang="en-US" altLang="zh-CN" dirty="0"/>
+          </a:p>
+          <a:p>
+            <a:r>
+              <a:rPr lang="zh-CN" altLang="en-US" dirty="0"/>
+              <a:t>主鍵產生規則也稱為主鍵產生策略，負責維護新實體的主鍵值。用得最多的策略是自增長策略。</a:t>
+            </a:r>
+            <a:endParaRPr lang="en-US" altLang="zh-CN" dirty="0"/>
+          </a:p>
+          <a:p>
+            <a:r>
+              <a:rPr lang="en-US" altLang="zh-CN" dirty="0"/>
+              <a:t>Hibernate</a:t>
+            </a:r>
+            <a:r>
+              <a:rPr lang="zh-CN" altLang="en-US" dirty="0"/>
+              <a:t>還支援其他的多種主鍵產生規則，這些產生規則有些是資料庫提供的，有些是</a:t>
+            </a:r>
+            <a:r>
+              <a:rPr lang="en-US" altLang="zh-CN" dirty="0"/>
+              <a:t>Hibernate</a:t>
+            </a:r>
+            <a:r>
+              <a:rPr lang="zh-CN" altLang="en-US" dirty="0"/>
+              <a:t>提供的</a:t>
+            </a:r>
+            <a:endParaRPr lang="zh-TW" altLang="en-US" dirty="0"/>
+          </a:p>
+        </p:txBody>
+      </p:sp>
+    </p:spTree>
+    <p:extLst>
+      <p:ext uri="{BB962C8B-B14F-4D97-AF65-F5344CB8AC3E}">
+        <p14:creationId xmlns:p14="http://schemas.microsoft.com/office/powerpoint/2010/main" val="206138359"/>
+      </p:ext>
+    </p:extLst>
+  </p:cSld>
+  <p:clrMapOvr>
+    <a:masterClrMapping/>
+  </p:clrMapOvr>
+</p:sld>
+</file>
+
+<file path=ppt/slides/slide14.xml><?xml version="1.0" encoding="utf-8"?>
+<p:sld xmlns:a="http://schemas.openxmlformats.org/drawingml/2006/main" xmlns:r="http://schemas.openxmlformats.org/officeDocument/2006/relationships" xmlns:p="http://schemas.openxmlformats.org/presentationml/2006/main">
+  <p:cSld>
+    <p:spTree>
+      <p:nvGrpSpPr>
+        <p:cNvPr id="1" name=""/>
+        <p:cNvGrpSpPr/>
+        <p:nvPr/>
+      </p:nvGrpSpPr>
+      <p:grpSpPr>
+        <a:xfrm>
+          <a:off x="0" y="0"/>
+          <a:ext cx="0" cy="0"/>
+          <a:chOff x="0" y="0"/>
+          <a:chExt cx="0" cy="0"/>
+        </a:xfrm>
+      </p:grpSpPr>
+      <p:sp>
+        <p:nvSpPr>
+          <p:cNvPr id="2" name="標題 1">
+            <a:extLst>
+              <a:ext uri="{FF2B5EF4-FFF2-40B4-BE49-F238E27FC236}">
+                <a16:creationId xmlns:a16="http://schemas.microsoft.com/office/drawing/2014/main" id="{143647CB-3870-419B-8612-1BFC123B3AC4}"/>
+              </a:ext>
+            </a:extLst>
+          </p:cNvPr>
+          <p:cNvSpPr>
+            <a:spLocks noGrp="1"/>
+          </p:cNvSpPr>
+          <p:nvPr>
+            <p:ph type="title"/>
+          </p:nvPr>
+        </p:nvSpPr>
+        <p:spPr/>
+        <p:txBody>
+          <a:bodyPr/>
+          <a:lstStyle/>
+          <a:p>
+            <a:r>
+              <a:rPr lang="zh-TW" altLang="en-US" dirty="0"/>
+              <a:t>主鍵產生規則</a:t>
+            </a:r>
+            <a:r>
+              <a:rPr lang="en-US" altLang="zh-TW" dirty="0"/>
+              <a:t>-2</a:t>
+            </a:r>
+            <a:endParaRPr lang="zh-TW" altLang="en-US" dirty="0"/>
+          </a:p>
+        </p:txBody>
+      </p:sp>
+      <p:sp>
+        <p:nvSpPr>
+          <p:cNvPr id="3" name="內容版面配置區 2">
+            <a:extLst>
+              <a:ext uri="{FF2B5EF4-FFF2-40B4-BE49-F238E27FC236}">
+                <a16:creationId xmlns:a16="http://schemas.microsoft.com/office/drawing/2014/main" id="{C279740F-2988-4C57-86F6-DAFD9158EC29}"/>
+              </a:ext>
+            </a:extLst>
+          </p:cNvPr>
+          <p:cNvSpPr>
+            <a:spLocks noGrp="1"/>
+          </p:cNvSpPr>
+          <p:nvPr>
+            <p:ph sz="quarter" idx="1"/>
+          </p:nvPr>
+        </p:nvSpPr>
+        <p:spPr/>
+        <p:txBody>
+          <a:bodyPr>
+            <a:normAutofit fontScale="92500" lnSpcReduction="10000"/>
+          </a:bodyPr>
+          <a:lstStyle/>
+          <a:p>
+            <a:r>
+              <a:rPr lang="en-US" altLang="zh-TW" dirty="0" err="1"/>
+              <a:t>GenerationType</a:t>
+            </a:r>
+            <a:r>
+              <a:rPr lang="en-US" altLang="zh-TW" dirty="0"/>
+              <a:t> </a:t>
+            </a:r>
+            <a:r>
+              <a:rPr lang="zh-TW" altLang="en-US" dirty="0"/>
+              <a:t>中定義了以下</a:t>
+            </a:r>
+            <a:r>
+              <a:rPr lang="en-US" altLang="zh-TW" dirty="0"/>
+              <a:t>4</a:t>
+            </a:r>
+            <a:r>
+              <a:rPr lang="zh-TW" altLang="en-US" dirty="0"/>
+              <a:t>種可供選擇的策略</a:t>
+            </a:r>
+            <a:endParaRPr lang="en-US" altLang="zh-TW" dirty="0"/>
+          </a:p>
+          <a:p>
+            <a:pPr lvl="1"/>
+            <a:r>
+              <a:rPr lang="en-US" altLang="zh-TW" dirty="0" err="1"/>
+              <a:t>GenerationType.AUTO</a:t>
+            </a:r>
+            <a:r>
+              <a:rPr lang="en-US" altLang="zh-TW" dirty="0"/>
+              <a:t>:</a:t>
+            </a:r>
+            <a:r>
+              <a:rPr lang="zh-CN" altLang="en-US" dirty="0"/>
+              <a:t>自動方式，根據底層資料庫自動選擇。</a:t>
+            </a:r>
+            <a:r>
+              <a:rPr lang="en-US" altLang="zh-CN" dirty="0"/>
+              <a:t>EX=&gt;MySQL</a:t>
+            </a:r>
+            <a:r>
+              <a:rPr lang="zh-CN" altLang="en-US" dirty="0"/>
+              <a:t>等支援自增長類型的資料庫則為</a:t>
+            </a:r>
+            <a:r>
+              <a:rPr lang="en-US" altLang="zh-CN" dirty="0"/>
+              <a:t>(</a:t>
+            </a:r>
+            <a:r>
+              <a:rPr lang="en-US" altLang="zh-CN" dirty="0" err="1"/>
+              <a:t>auto_increment</a:t>
+            </a:r>
+            <a:r>
+              <a:rPr lang="en-US" altLang="zh-CN" dirty="0"/>
+              <a:t>)</a:t>
+            </a:r>
+          </a:p>
+          <a:p>
+            <a:pPr lvl="1"/>
+            <a:r>
+              <a:rPr lang="en-US" altLang="zh-TW" dirty="0" err="1"/>
+              <a:t>GenerationType.SEQUENCE</a:t>
+            </a:r>
+            <a:r>
+              <a:rPr lang="en-US" altLang="zh-TW" dirty="0"/>
+              <a:t>:</a:t>
+            </a:r>
+            <a:r>
+              <a:rPr lang="zh-CN" altLang="en-US" dirty="0"/>
+              <a:t>使用</a:t>
+            </a:r>
+            <a:r>
+              <a:rPr lang="en-US" altLang="zh-CN" dirty="0"/>
+              <a:t>Sequence</a:t>
+            </a:r>
+            <a:r>
+              <a:rPr lang="zh-CN" altLang="en-US" dirty="0"/>
+              <a:t>來決定主鍵的取值，適合</a:t>
+            </a:r>
+            <a:r>
+              <a:rPr lang="en-US" altLang="zh-CN" dirty="0"/>
+              <a:t>Oracle</a:t>
+            </a:r>
+            <a:r>
+              <a:rPr lang="zh-CN" altLang="en-US" dirty="0"/>
+              <a:t>、</a:t>
+            </a:r>
+            <a:r>
+              <a:rPr lang="en-US" altLang="zh-CN" dirty="0"/>
+              <a:t>DB2</a:t>
+            </a:r>
+            <a:r>
+              <a:rPr lang="zh-CN" altLang="en-US" dirty="0"/>
+              <a:t>、</a:t>
+            </a:r>
+            <a:r>
+              <a:rPr lang="en-US" altLang="zh-CN" dirty="0"/>
+              <a:t>PostgreSQL</a:t>
+            </a:r>
+            <a:r>
+              <a:rPr lang="zh-CN" altLang="en-US" dirty="0"/>
+              <a:t>、</a:t>
+            </a:r>
+            <a:r>
+              <a:rPr lang="en-US" altLang="zh-CN" dirty="0"/>
+              <a:t>SAP DB</a:t>
+            </a:r>
+            <a:r>
+              <a:rPr lang="zh-CN" altLang="en-US" dirty="0"/>
+              <a:t>等支援</a:t>
+            </a:r>
+            <a:r>
+              <a:rPr lang="en-US" altLang="zh-CN" dirty="0"/>
+              <a:t>Sequence</a:t>
+            </a:r>
+            <a:r>
+              <a:rPr lang="zh-CN" altLang="en-US" dirty="0"/>
+              <a:t>的資料庫，</a:t>
+            </a:r>
+            <a:r>
+              <a:rPr lang="zh-CN" altLang="en-US" dirty="0">
+                <a:hlinkClick r:id="rId2"/>
+              </a:rPr>
+              <a:t>一般結合</a:t>
+            </a:r>
+            <a:r>
+              <a:rPr lang="en-US" altLang="zh-CN" dirty="0">
+                <a:hlinkClick r:id="rId2"/>
+              </a:rPr>
+              <a:t>@</a:t>
+            </a:r>
+            <a:r>
+              <a:rPr lang="en-US" altLang="zh-CN" dirty="0" err="1">
+                <a:hlinkClick r:id="rId2"/>
+              </a:rPr>
+              <a:t>SequenceGenerator</a:t>
+            </a:r>
+            <a:r>
+              <a:rPr lang="zh-CN" altLang="en-US" dirty="0">
+                <a:hlinkClick r:id="rId2"/>
+              </a:rPr>
+              <a:t>使用。注意某些資料庫如</a:t>
+            </a:r>
+            <a:r>
+              <a:rPr lang="en-US" altLang="zh-CN" dirty="0">
+                <a:hlinkClick r:id="rId2"/>
+              </a:rPr>
+              <a:t>Oracle</a:t>
+            </a:r>
+            <a:r>
+              <a:rPr lang="zh-CN" altLang="en-US" dirty="0"/>
+              <a:t>等沒有自增長類型，只能使用</a:t>
+            </a:r>
+            <a:r>
+              <a:rPr lang="en-US" altLang="zh-CN" dirty="0"/>
+              <a:t>Sequence</a:t>
+            </a:r>
+            <a:r>
+              <a:rPr lang="zh-CN" altLang="en-US" dirty="0"/>
+              <a:t>。</a:t>
+            </a:r>
+            <a:endParaRPr lang="en-US" altLang="zh-CN" dirty="0"/>
+          </a:p>
+          <a:p>
+            <a:pPr lvl="1"/>
+            <a:r>
+              <a:rPr lang="en-US" altLang="zh-TW" dirty="0" err="1"/>
+              <a:t>GenerationType.IDENTITY</a:t>
+            </a:r>
+            <a:r>
+              <a:rPr lang="en-US" altLang="zh-TW" dirty="0"/>
+              <a:t>:</a:t>
+            </a:r>
+            <a:r>
+              <a:rPr lang="zh-CN" altLang="en-US" dirty="0"/>
+              <a:t>支援</a:t>
+            </a:r>
+            <a:r>
+              <a:rPr lang="en-US" altLang="zh-CN" dirty="0"/>
+              <a:t>DB2</a:t>
+            </a:r>
+            <a:r>
+              <a:rPr lang="zh-CN" altLang="en-US" dirty="0"/>
+              <a:t> 、</a:t>
+            </a:r>
+            <a:r>
+              <a:rPr lang="en-US" altLang="zh-CN" dirty="0"/>
+              <a:t>MySQL</a:t>
+            </a:r>
+            <a:r>
+              <a:rPr lang="zh-CN" altLang="en-US" dirty="0"/>
+              <a:t> 、</a:t>
+            </a:r>
+            <a:r>
+              <a:rPr lang="en-US" altLang="zh-CN" dirty="0"/>
+              <a:t>MSSQL Server</a:t>
+            </a:r>
+            <a:r>
+              <a:rPr lang="zh-CN" altLang="en-US" dirty="0"/>
+              <a:t> 、</a:t>
+            </a:r>
+            <a:r>
+              <a:rPr lang="en-US" altLang="zh-CN" dirty="0"/>
+              <a:t>Sybase</a:t>
+            </a:r>
+            <a:r>
+              <a:rPr lang="zh-CN" altLang="en-US" dirty="0"/>
+              <a:t>與</a:t>
+            </a:r>
+            <a:r>
+              <a:rPr lang="en-US" altLang="zh-CN" dirty="0" err="1"/>
+              <a:t>HypersonicSQL</a:t>
+            </a:r>
+            <a:r>
+              <a:rPr lang="zh-CN" altLang="en-US" dirty="0"/>
+              <a:t>資料庫的</a:t>
+            </a:r>
+            <a:r>
+              <a:rPr lang="en-US" altLang="zh-CN" dirty="0"/>
+              <a:t>identity</a:t>
+            </a:r>
+            <a:r>
+              <a:rPr lang="zh-CN" altLang="en-US" dirty="0"/>
+              <a:t>類型主鍵</a:t>
+            </a:r>
+            <a:endParaRPr lang="en-US" altLang="zh-CN" dirty="0"/>
+          </a:p>
+          <a:p>
+            <a:pPr lvl="1"/>
+            <a:r>
+              <a:rPr lang="en-US" altLang="zh-TW" dirty="0" err="1"/>
+              <a:t>GenerationType.TABLE</a:t>
+            </a:r>
+            <a:r>
+              <a:rPr lang="en-US" altLang="zh-TW" dirty="0"/>
+              <a:t>:</a:t>
+            </a:r>
+            <a:r>
+              <a:rPr lang="zh-CN" altLang="en-US" dirty="0"/>
+              <a:t>使用指定的表來決定主鍵的取值，一般結合</a:t>
+            </a:r>
+            <a:r>
+              <a:rPr lang="en-US" altLang="zh-CN" dirty="0"/>
+              <a:t>@</a:t>
+            </a:r>
+            <a:r>
+              <a:rPr lang="en-US" altLang="zh-CN" dirty="0" err="1"/>
+              <a:t>TableGenerator</a:t>
+            </a:r>
+            <a:r>
+              <a:rPr lang="zh-CN" altLang="en-US" dirty="0"/>
+              <a:t>使用，</a:t>
+            </a:r>
+            <a:r>
+              <a:rPr lang="zh-TW" altLang="en-US" dirty="0"/>
+              <a:t>使用該策略可以使應用更易於資料庫移植。</a:t>
+            </a:r>
+            <a:endParaRPr lang="en-US" altLang="zh-CN" dirty="0"/>
+          </a:p>
+        </p:txBody>
+      </p:sp>
+    </p:spTree>
+    <p:extLst>
+      <p:ext uri="{BB962C8B-B14F-4D97-AF65-F5344CB8AC3E}">
+        <p14:creationId xmlns:p14="http://schemas.microsoft.com/office/powerpoint/2010/main" val="267081853"/>
+      </p:ext>
+    </p:extLst>
+  </p:cSld>
+  <p:clrMapOvr>
+    <a:masterClrMapping/>
+  </p:clrMapOvr>
+</p:sld>
+</file>
+
+<file path=ppt/slides/slide15.xml><?xml version="1.0" encoding="utf-8"?>
+<p:sld xmlns:a="http://schemas.openxmlformats.org/drawingml/2006/main" xmlns:r="http://schemas.openxmlformats.org/officeDocument/2006/relationships" xmlns:p="http://schemas.openxmlformats.org/presentationml/2006/main">
+  <p:cSld>
+    <p:spTree>
+      <p:nvGrpSpPr>
+        <p:cNvPr id="1" name=""/>
+        <p:cNvGrpSpPr/>
+        <p:nvPr/>
+      </p:nvGrpSpPr>
+      <p:grpSpPr>
+        <a:xfrm>
+          <a:off x="0" y="0"/>
+          <a:ext cx="0" cy="0"/>
+          <a:chOff x="0" y="0"/>
+          <a:chExt cx="0" cy="0"/>
+        </a:xfrm>
+      </p:grpSpPr>
+      <p:sp>
+        <p:nvSpPr>
+          <p:cNvPr id="2" name="標題 1">
+            <a:extLst>
+              <a:ext uri="{FF2B5EF4-FFF2-40B4-BE49-F238E27FC236}">
+                <a16:creationId xmlns:a16="http://schemas.microsoft.com/office/drawing/2014/main" id="{889FC779-00C8-44E7-BF69-CE17D3717732}"/>
+              </a:ext>
+            </a:extLst>
+          </p:cNvPr>
+          <p:cNvSpPr>
+            <a:spLocks noGrp="1"/>
+          </p:cNvSpPr>
+          <p:nvPr>
+            <p:ph type="title"/>
+          </p:nvPr>
+        </p:nvSpPr>
+        <p:spPr/>
+        <p:txBody>
+          <a:bodyPr/>
+          <a:lstStyle/>
+          <a:p>
+            <a:r>
+              <a:rPr lang="en-US" altLang="zh-TW" dirty="0"/>
+              <a:t>@Column (</a:t>
+            </a:r>
+            <a:r>
+              <a:rPr lang="zh-CN" altLang="en-US" dirty="0"/>
+              <a:t>普通屬性</a:t>
+            </a:r>
+            <a:r>
+              <a:rPr lang="en-US" altLang="zh-TW" dirty="0"/>
+              <a:t>)</a:t>
+            </a:r>
+            <a:endParaRPr lang="zh-TW" altLang="en-US" dirty="0"/>
+          </a:p>
+        </p:txBody>
+      </p:sp>
+      <p:sp>
+        <p:nvSpPr>
+          <p:cNvPr id="3" name="內容版面配置區 2">
+            <a:extLst>
+              <a:ext uri="{FF2B5EF4-FFF2-40B4-BE49-F238E27FC236}">
+                <a16:creationId xmlns:a16="http://schemas.microsoft.com/office/drawing/2014/main" id="{E04BB258-55B3-49C7-A4CA-A43FCE0AC422}"/>
+              </a:ext>
+            </a:extLst>
+          </p:cNvPr>
+          <p:cNvSpPr>
+            <a:spLocks noGrp="1"/>
+          </p:cNvSpPr>
+          <p:nvPr>
+            <p:ph sz="quarter" idx="1"/>
+          </p:nvPr>
+        </p:nvSpPr>
+        <p:spPr/>
+        <p:txBody>
+          <a:bodyPr>
+            <a:normAutofit fontScale="85000" lnSpcReduction="20000"/>
+          </a:bodyPr>
+          <a:lstStyle/>
+          <a:p>
+            <a:r>
+              <a:rPr lang="zh-TW" altLang="en-US" dirty="0"/>
+              <a:t>當實體的屬性與其映射的資料庫表的列不同名時需要使用</a:t>
+            </a:r>
+            <a:r>
+              <a:rPr lang="en-US" altLang="zh-TW" dirty="0"/>
+              <a:t>@Column </a:t>
+            </a:r>
+            <a:r>
+              <a:rPr lang="zh-TW" altLang="en-US" dirty="0"/>
+              <a:t>標註說明，該屬性通常置於實體的屬性聲明語句之前，還可與 </a:t>
+            </a:r>
+            <a:r>
+              <a:rPr lang="en-US" altLang="zh-TW" dirty="0"/>
+              <a:t>@Id </a:t>
+            </a:r>
+            <a:r>
+              <a:rPr lang="zh-TW" altLang="en-US" dirty="0"/>
+              <a:t>標註一起使用。</a:t>
+            </a:r>
+            <a:endParaRPr lang="en-US" altLang="zh-TW" dirty="0"/>
+          </a:p>
+          <a:p>
+            <a:r>
+              <a:rPr lang="en-US" altLang="zh-TW" dirty="0"/>
+              <a:t>@Column</a:t>
+            </a:r>
+            <a:r>
+              <a:rPr lang="zh-CN" altLang="en-US" dirty="0"/>
+              <a:t>中可指定</a:t>
+            </a:r>
+            <a:endParaRPr lang="en-US" altLang="zh-CN" dirty="0"/>
+          </a:p>
+          <a:p>
+            <a:pPr lvl="1"/>
+            <a:r>
+              <a:rPr lang="en-US" altLang="zh-CN" dirty="0"/>
+              <a:t>nullable(</a:t>
+            </a:r>
+            <a:r>
+              <a:rPr lang="zh-CN" altLang="en-US" dirty="0"/>
+              <a:t>是否允許為</a:t>
+            </a:r>
+            <a:r>
+              <a:rPr lang="en-US" altLang="zh-CN" dirty="0"/>
+              <a:t>null)</a:t>
+            </a:r>
+          </a:p>
+          <a:p>
+            <a:pPr lvl="1"/>
+            <a:r>
+              <a:rPr lang="en-US" altLang="zh-TW" dirty="0"/>
+              <a:t>unique(</a:t>
+            </a:r>
+            <a:r>
+              <a:rPr lang="zh-CN" altLang="en-US" dirty="0"/>
+              <a:t>是否唯一</a:t>
+            </a:r>
+            <a:r>
+              <a:rPr lang="en-US" altLang="zh-TW" dirty="0"/>
+              <a:t>)</a:t>
+            </a:r>
+          </a:p>
+          <a:p>
+            <a:pPr lvl="1"/>
+            <a:r>
+              <a:rPr lang="en-US" altLang="zh-TW" dirty="0"/>
+              <a:t>insertable(</a:t>
+            </a:r>
+            <a:r>
+              <a:rPr lang="zh-CN" altLang="en-US" dirty="0"/>
+              <a:t>是否允許插入</a:t>
+            </a:r>
+            <a:r>
+              <a:rPr lang="en-US" altLang="zh-TW" dirty="0"/>
+              <a:t>)</a:t>
+            </a:r>
+          </a:p>
+          <a:p>
+            <a:pPr lvl="1"/>
+            <a:r>
+              <a:rPr lang="en-US" altLang="zh-TW" dirty="0" err="1"/>
+              <a:t>updateble</a:t>
+            </a:r>
+            <a:r>
+              <a:rPr lang="en-US" altLang="zh-TW" dirty="0"/>
+              <a:t>(</a:t>
+            </a:r>
+            <a:r>
+              <a:rPr lang="zh-CN" altLang="en-US" dirty="0"/>
+              <a:t>是否允許更新</a:t>
+            </a:r>
+            <a:r>
+              <a:rPr lang="en-US" altLang="zh-TW" dirty="0"/>
+              <a:t>)</a:t>
+            </a:r>
+          </a:p>
+          <a:p>
+            <a:pPr lvl="1"/>
+            <a:r>
+              <a:rPr lang="en-US" altLang="zh-TW" dirty="0"/>
+              <a:t>length(</a:t>
+            </a:r>
+            <a:r>
+              <a:rPr lang="zh-CN" altLang="en-US" dirty="0"/>
+              <a:t>欄位長度</a:t>
+            </a:r>
+            <a:r>
+              <a:rPr lang="en-US" altLang="zh-TW" dirty="0"/>
+              <a:t>)</a:t>
+            </a:r>
+          </a:p>
+          <a:p>
+            <a:pPr lvl="1"/>
+            <a:r>
+              <a:rPr lang="en-US" altLang="zh-TW" dirty="0" err="1"/>
+              <a:t>columnDefinition</a:t>
+            </a:r>
+            <a:r>
+              <a:rPr lang="en-US" altLang="zh-TW" dirty="0"/>
+              <a:t>(</a:t>
+            </a:r>
+            <a:r>
+              <a:rPr lang="zh-CN" altLang="en-US" dirty="0"/>
+              <a:t>欄位型態</a:t>
+            </a:r>
+            <a:r>
+              <a:rPr lang="en-US" altLang="zh-TW" dirty="0"/>
+              <a:t>)</a:t>
+            </a:r>
+          </a:p>
+          <a:p>
+            <a:pPr lvl="1"/>
+            <a:r>
+              <a:rPr lang="en-US" altLang="zh-TW" dirty="0"/>
+              <a:t>scale(</a:t>
+            </a:r>
+            <a:r>
+              <a:rPr lang="zh-CN" altLang="en-US" dirty="0"/>
+              <a:t>整數長度</a:t>
+            </a:r>
+            <a:r>
+              <a:rPr lang="en-US" altLang="zh-TW" dirty="0"/>
+              <a:t>)</a:t>
+            </a:r>
+          </a:p>
+          <a:p>
+            <a:pPr lvl="1"/>
+            <a:r>
+              <a:rPr lang="en-US" altLang="zh-TW" dirty="0"/>
+              <a:t>precision(</a:t>
+            </a:r>
+            <a:r>
+              <a:rPr lang="zh-CN" altLang="en-US" dirty="0"/>
+              <a:t>小數點精度</a:t>
+            </a:r>
+            <a:r>
+              <a:rPr lang="en-US" altLang="zh-TW" dirty="0"/>
+              <a:t>)</a:t>
+            </a:r>
+          </a:p>
+          <a:p>
+            <a:r>
+              <a:rPr lang="zh-CN" altLang="en-US" dirty="0"/>
+              <a:t>這些屬性用於產生</a:t>
+            </a:r>
+            <a:r>
+              <a:rPr lang="en-US" altLang="zh-CN" dirty="0"/>
+              <a:t>DDL</a:t>
+            </a:r>
+            <a:r>
+              <a:rPr lang="zh-CN" altLang="en-US" dirty="0"/>
+              <a:t>建表敘述</a:t>
+            </a:r>
+            <a:endParaRPr lang="en-US" altLang="zh-CN" dirty="0"/>
+          </a:p>
+          <a:p>
+            <a:r>
+              <a:rPr lang="zh-CN" altLang="en-US" dirty="0"/>
+              <a:t>如果屬性對應的列名與屬性名一致，</a:t>
+            </a:r>
+            <a:r>
+              <a:rPr lang="en-US" altLang="zh-CN" dirty="0"/>
+              <a:t>@Column</a:t>
+            </a:r>
+            <a:r>
+              <a:rPr lang="zh-CN" altLang="en-US" dirty="0"/>
+              <a:t>可以省略</a:t>
+            </a:r>
+            <a:endParaRPr lang="zh-TW" altLang="en-US" dirty="0"/>
+          </a:p>
+        </p:txBody>
+      </p:sp>
+    </p:spTree>
+    <p:extLst>
+      <p:ext uri="{BB962C8B-B14F-4D97-AF65-F5344CB8AC3E}">
+        <p14:creationId xmlns:p14="http://schemas.microsoft.com/office/powerpoint/2010/main" val="3024582556"/>
+      </p:ext>
+    </p:extLst>
+  </p:cSld>
+  <p:clrMapOvr>
+    <a:masterClrMapping/>
+  </p:clrMapOvr>
+</p:sld>
+</file>
+
+<file path=ppt/slides/slide16.xml><?xml version="1.0" encoding="utf-8"?>
+<p:sld xmlns:a="http://schemas.openxmlformats.org/drawingml/2006/main" xmlns:r="http://schemas.openxmlformats.org/officeDocument/2006/relationships" xmlns:p="http://schemas.openxmlformats.org/presentationml/2006/main">
+  <p:cSld>
+    <p:spTree>
+      <p:nvGrpSpPr>
+        <p:cNvPr id="1" name=""/>
+        <p:cNvGrpSpPr/>
+        <p:nvPr/>
+      </p:nvGrpSpPr>
+      <p:grpSpPr>
+        <a:xfrm>
+          <a:off x="0" y="0"/>
+          <a:ext cx="0" cy="0"/>
+          <a:chOff x="0" y="0"/>
+          <a:chExt cx="0" cy="0"/>
+        </a:xfrm>
+      </p:grpSpPr>
+      <p:sp>
+        <p:nvSpPr>
+          <p:cNvPr id="2" name="標題 1">
+            <a:extLst>
+              <a:ext uri="{FF2B5EF4-FFF2-40B4-BE49-F238E27FC236}">
+                <a16:creationId xmlns:a16="http://schemas.microsoft.com/office/drawing/2014/main" id="{CF2E329D-3848-4DF9-9894-DB8E9C60DCA9}"/>
+              </a:ext>
+            </a:extLst>
+          </p:cNvPr>
+          <p:cNvSpPr>
+            <a:spLocks noGrp="1"/>
+          </p:cNvSpPr>
+          <p:nvPr>
+            <p:ph type="title"/>
+          </p:nvPr>
+        </p:nvSpPr>
+        <p:spPr/>
+        <p:txBody>
+          <a:bodyPr>
+            <a:normAutofit/>
+          </a:bodyPr>
+          <a:lstStyle/>
+          <a:p>
+            <a:r>
+              <a:rPr lang="en-US" altLang="zh-TW" sz="6000" dirty="0"/>
+              <a:t>JPA</a:t>
+            </a:r>
+            <a:r>
+              <a:rPr lang="zh-CN" altLang="en-US" sz="6000" dirty="0"/>
+              <a:t>的配置</a:t>
+            </a:r>
+            <a:endParaRPr lang="zh-TW" altLang="en-US" sz="6000" dirty="0"/>
+          </a:p>
+        </p:txBody>
+      </p:sp>
+      <p:sp>
+        <p:nvSpPr>
+          <p:cNvPr id="3" name="文字版面配置區 2">
+            <a:extLst>
+              <a:ext uri="{FF2B5EF4-FFF2-40B4-BE49-F238E27FC236}">
+                <a16:creationId xmlns:a16="http://schemas.microsoft.com/office/drawing/2014/main" id="{55923FA7-C953-4F6A-8B81-6BAEF2F89D6A}"/>
+              </a:ext>
+            </a:extLst>
+          </p:cNvPr>
+          <p:cNvSpPr>
+            <a:spLocks noGrp="1"/>
+          </p:cNvSpPr>
+          <p:nvPr>
+            <p:ph type="body" idx="1"/>
+          </p:nvPr>
+        </p:nvSpPr>
+        <p:spPr/>
+        <p:txBody>
+          <a:bodyPr/>
+          <a:lstStyle/>
+          <a:p>
+            <a:endParaRPr lang="zh-TW" altLang="en-US"/>
+          </a:p>
+        </p:txBody>
+      </p:sp>
+    </p:spTree>
+    <p:extLst>
+      <p:ext uri="{BB962C8B-B14F-4D97-AF65-F5344CB8AC3E}">
+        <p14:creationId xmlns:p14="http://schemas.microsoft.com/office/powerpoint/2010/main" val="402189255"/>
+      </p:ext>
+    </p:extLst>
+  </p:cSld>
+  <p:clrMapOvr>
+    <a:masterClrMapping/>
+  </p:clrMapOvr>
+</p:sld>
+</file>
+
+<file path=ppt/slides/slide17.xml><?xml version="1.0" encoding="utf-8"?>
+<p:sld xmlns:a="http://schemas.openxmlformats.org/drawingml/2006/main" xmlns:r="http://schemas.openxmlformats.org/officeDocument/2006/relationships" xmlns:p="http://schemas.openxmlformats.org/presentationml/2006/main">
+  <p:cSld>
+    <p:spTree>
+      <p:nvGrpSpPr>
+        <p:cNvPr id="1" name=""/>
+        <p:cNvGrpSpPr/>
+        <p:nvPr/>
+      </p:nvGrpSpPr>
+      <p:grpSpPr>
+        <a:xfrm>
+          <a:off x="0" y="0"/>
+          <a:ext cx="0" cy="0"/>
+          <a:chOff x="0" y="0"/>
+          <a:chExt cx="0" cy="0"/>
+        </a:xfrm>
+      </p:grpSpPr>
+      <p:sp>
+        <p:nvSpPr>
+          <p:cNvPr id="2" name="標題 1"/>
+          <p:cNvSpPr>
+            <a:spLocks noGrp="1"/>
+          </p:cNvSpPr>
+          <p:nvPr>
+            <p:ph type="title"/>
+          </p:nvPr>
+        </p:nvSpPr>
+        <p:spPr/>
+        <p:txBody>
+          <a:bodyPr>
+            <a:normAutofit/>
+          </a:bodyPr>
+          <a:lstStyle/>
+          <a:p>
+            <a:r>
+              <a:rPr lang="en-US" altLang="zh-TW" sz="6000" dirty="0">
+                <a:latin typeface="Consolas" panose="020B0609020204030204" pitchFamily="49" charset="0"/>
+              </a:rPr>
+              <a:t>Reference</a:t>
+            </a:r>
+            <a:endParaRPr lang="zh-TW" altLang="en-US" sz="6000" dirty="0">
+              <a:latin typeface="Consolas" panose="020B0609020204030204" pitchFamily="49" charset="0"/>
+            </a:endParaRPr>
+          </a:p>
+        </p:txBody>
+      </p:sp>
+      <p:sp>
+        <p:nvSpPr>
+          <p:cNvPr id="3" name="文字版面配置區 2"/>
+          <p:cNvSpPr>
+            <a:spLocks noGrp="1"/>
+          </p:cNvSpPr>
+          <p:nvPr>
+            <p:ph type="body" idx="1"/>
+          </p:nvPr>
+        </p:nvSpPr>
+        <p:spPr/>
+        <p:txBody>
+          <a:bodyPr/>
+          <a:lstStyle/>
+          <a:p>
+            <a:endParaRPr lang="zh-TW" altLang="en-US" dirty="0"/>
+          </a:p>
+        </p:txBody>
+      </p:sp>
+    </p:spTree>
+    <p:extLst>
+      <p:ext uri="{BB962C8B-B14F-4D97-AF65-F5344CB8AC3E}">
+        <p14:creationId xmlns:p14="http://schemas.microsoft.com/office/powerpoint/2010/main" val="2349993791"/>
+      </p:ext>
+    </p:extLst>
+  </p:cSld>
+  <p:clrMapOvr>
+    <a:masterClrMapping/>
+  </p:clrMapOvr>
+</p:sld>
+</file>
+
+<file path=ppt/slides/slide18.xml><?xml version="1.0" encoding="utf-8"?>
+<p:sld xmlns:a="http://schemas.openxmlformats.org/drawingml/2006/main" xmlns:r="http://schemas.openxmlformats.org/officeDocument/2006/relationships" xmlns:p="http://schemas.openxmlformats.org/presentationml/2006/main">
+  <p:cSld>
+    <p:spTree>
+      <p:nvGrpSpPr>
+        <p:cNvPr id="1" name=""/>
+        <p:cNvGrpSpPr/>
+        <p:nvPr/>
+      </p:nvGrpSpPr>
+      <p:grpSpPr>
+        <a:xfrm>
+          <a:off x="0" y="0"/>
+          <a:ext cx="0" cy="0"/>
+          <a:chOff x="0" y="0"/>
+          <a:chExt cx="0" cy="0"/>
+        </a:xfrm>
+      </p:grpSpPr>
+      <p:sp>
+        <p:nvSpPr>
+          <p:cNvPr id="2" name="標題 1"/>
+          <p:cNvSpPr>
+            <a:spLocks noGrp="1"/>
+          </p:cNvSpPr>
+          <p:nvPr>
+            <p:ph type="title"/>
+          </p:nvPr>
+        </p:nvSpPr>
+        <p:spPr/>
+        <p:txBody>
+          <a:bodyPr/>
+          <a:lstStyle/>
+          <a:p>
+            <a:r>
+              <a:rPr lang="en-US" altLang="zh-TW" dirty="0"/>
+              <a:t>Spring JPA </a:t>
+            </a:r>
+            <a:r>
+              <a:rPr lang="zh-TW" altLang="en-US" dirty="0"/>
+              <a:t>配置</a:t>
+            </a:r>
+          </a:p>
+        </p:txBody>
+      </p:sp>
+      <p:sp>
+        <p:nvSpPr>
+          <p:cNvPr id="3" name="內容版面配置區 2"/>
+          <p:cNvSpPr>
+            <a:spLocks noGrp="1"/>
+          </p:cNvSpPr>
+          <p:nvPr>
+            <p:ph sz="quarter" idx="1"/>
+          </p:nvPr>
+        </p:nvSpPr>
+        <p:spPr/>
+        <p:txBody>
+          <a:bodyPr/>
+          <a:lstStyle/>
+          <a:p>
+            <a:r>
+              <a:rPr lang="en-US" altLang="zh-TW" dirty="0">
+                <a:hlinkClick r:id="rId2"/>
+              </a:rPr>
+              <a:t>https://stevenitlife.blogspot.tw/2016/03/hibernate-spring-jpa-configure.html</a:t>
+            </a:r>
+            <a:endParaRPr lang="en-US" altLang="zh-TW" dirty="0"/>
+          </a:p>
+          <a:p>
+            <a:r>
+              <a:rPr lang="en-US" altLang="zh-TW" dirty="0">
+                <a:hlinkClick r:id="rId3"/>
+              </a:rPr>
+              <a:t>http://pro.ctlok.com/blog/2012/07/18/spring-integrate-jpa.html</a:t>
+            </a:r>
+            <a:endParaRPr lang="en-US" altLang="zh-TW" dirty="0"/>
+          </a:p>
+          <a:p>
+            <a:r>
+              <a:rPr lang="en-US" altLang="zh-TW" dirty="0">
+                <a:hlinkClick r:id="rId4"/>
+              </a:rPr>
+              <a:t>https://www.cnblogs.com/dreamroute/p/5173896.html</a:t>
+            </a:r>
+            <a:endParaRPr lang="en-US" altLang="zh-TW" dirty="0"/>
+          </a:p>
+          <a:p>
+            <a:r>
+              <a:rPr lang="en-US" altLang="zh-TW" dirty="0">
+                <a:hlinkClick r:id="rId5"/>
+              </a:rPr>
+              <a:t>https://www.ibm.com/developerworks/cn/opensource/os-cn-spring-jpa/</a:t>
+            </a:r>
+            <a:endParaRPr lang="en-US" altLang="zh-TW" dirty="0"/>
+          </a:p>
+          <a:p>
+            <a:endParaRPr lang="zh-TW" altLang="en-US" dirty="0"/>
+          </a:p>
+        </p:txBody>
+      </p:sp>
+    </p:spTree>
+    <p:extLst>
+      <p:ext uri="{BB962C8B-B14F-4D97-AF65-F5344CB8AC3E}">
+        <p14:creationId xmlns:p14="http://schemas.microsoft.com/office/powerpoint/2010/main" val="2205528178"/>
+      </p:ext>
+    </p:extLst>
+  </p:cSld>
+  <p:clrMapOvr>
+    <a:masterClrMapping/>
+  </p:clrMapOvr>
+</p:sld>
+</file>
+
+<file path=ppt/slides/slide19.xml><?xml version="1.0" encoding="utf-8"?>
+<p:sld xmlns:a="http://schemas.openxmlformats.org/drawingml/2006/main" xmlns:r="http://schemas.openxmlformats.org/officeDocument/2006/relationships" xmlns:p="http://schemas.openxmlformats.org/presentationml/2006/main">
+  <p:cSld>
+    <p:spTree>
+      <p:nvGrpSpPr>
+        <p:cNvPr id="1" name=""/>
+        <p:cNvGrpSpPr/>
+        <p:nvPr/>
+      </p:nvGrpSpPr>
+      <p:grpSpPr>
+        <a:xfrm>
+          <a:off x="0" y="0"/>
+          <a:ext cx="0" cy="0"/>
+          <a:chOff x="0" y="0"/>
+          <a:chExt cx="0" cy="0"/>
+        </a:xfrm>
+      </p:grpSpPr>
+      <p:sp>
+        <p:nvSpPr>
+          <p:cNvPr id="2" name="標題 1"/>
+          <p:cNvSpPr>
+            <a:spLocks noGrp="1"/>
+          </p:cNvSpPr>
+          <p:nvPr>
+            <p:ph type="title"/>
+          </p:nvPr>
+        </p:nvSpPr>
+        <p:spPr/>
+        <p:txBody>
+          <a:bodyPr/>
+          <a:lstStyle/>
+          <a:p>
+            <a:r>
+              <a:rPr lang="en-US" altLang="zh-TW" dirty="0"/>
+              <a:t>Hibernate</a:t>
+            </a:r>
+            <a:r>
+              <a:rPr lang="zh-TW" altLang="en-US" dirty="0"/>
+              <a:t>參數說明</a:t>
+            </a:r>
+          </a:p>
+        </p:txBody>
+      </p:sp>
+      <p:sp>
+        <p:nvSpPr>
+          <p:cNvPr id="3" name="內容版面配置區 2"/>
+          <p:cNvSpPr>
+            <a:spLocks noGrp="1"/>
+          </p:cNvSpPr>
+          <p:nvPr>
+            <p:ph sz="quarter" idx="1"/>
+          </p:nvPr>
+        </p:nvSpPr>
+        <p:spPr/>
+        <p:txBody>
+          <a:bodyPr/>
+          <a:lstStyle/>
+          <a:p>
+            <a:r>
+              <a:rPr lang="en-US" altLang="zh-TW" dirty="0">
+                <a:hlinkClick r:id="rId2"/>
+              </a:rPr>
+              <a:t>https://docs.jboss.org/hibernate/orm/3.3/reference/en-US/html/session-configuration.html</a:t>
+            </a:r>
+            <a:endParaRPr lang="en-US" altLang="zh-TW" dirty="0"/>
+          </a:p>
+          <a:p>
+            <a:r>
+              <a:rPr lang="en-US" altLang="zh-TW" dirty="0">
+                <a:hlinkClick r:id="rId3"/>
+              </a:rPr>
+              <a:t>https://sites.google.com/a/mis.nsysu.edu.tw/cheng-shi-zi-xun-wang/java-ee-jin-jie-pian/hibernate-ji-shu/ji-chu-ru-men/jian-dan-fan-li/di-yi-gehibernate-cheng-shi</a:t>
+            </a:r>
+            <a:endParaRPr lang="en-US" altLang="zh-TW" dirty="0"/>
+          </a:p>
+          <a:p>
+            <a:endParaRPr lang="zh-TW" altLang="en-US" dirty="0"/>
+          </a:p>
+        </p:txBody>
+      </p:sp>
+    </p:spTree>
+    <p:extLst>
+      <p:ext uri="{BB962C8B-B14F-4D97-AF65-F5344CB8AC3E}">
+        <p14:creationId xmlns:p14="http://schemas.microsoft.com/office/powerpoint/2010/main" val="2390053485"/>
       </p:ext>
     </p:extLst>
   </p:cSld>
@@ -4035,7 +5571,7 @@
           <a:lstStyle/>
           <a:p>
             <a:r>
-              <a:rPr lang="en-US" altLang="zh-TW" dirty="0" err="1" smtClean="0"/>
+              <a:rPr lang="en-US" altLang="zh-TW" dirty="0" err="1"/>
               <a:t>OutLine</a:t>
             </a:r>
             <a:endParaRPr lang="zh-TW" altLang="en-US" dirty="0"/>
@@ -4058,48 +5594,48 @@
           <a:lstStyle/>
           <a:p>
             <a:r>
-              <a:rPr lang="en-US" altLang="zh-TW" dirty="0" smtClean="0"/>
+              <a:rPr lang="en-US" altLang="zh-TW" dirty="0"/>
               <a:t>JPA</a:t>
             </a:r>
             <a:r>
-              <a:rPr lang="zh-TW" altLang="en-US" dirty="0" smtClean="0"/>
+              <a:rPr lang="zh-TW" altLang="en-US" dirty="0"/>
               <a:t>簡單介紹</a:t>
             </a:r>
-            <a:endParaRPr lang="en-US" altLang="zh-TW" dirty="0" smtClean="0"/>
-          </a:p>
-          <a:p>
-            <a:r>
-              <a:rPr lang="en-US" altLang="zh-TW" dirty="0" smtClean="0"/>
+            <a:endParaRPr lang="en-US" altLang="zh-TW" dirty="0"/>
+          </a:p>
+          <a:p>
+            <a:r>
+              <a:rPr lang="en-US" altLang="zh-TW" dirty="0"/>
               <a:t>JPA</a:t>
             </a:r>
             <a:r>
-              <a:rPr lang="zh-TW" altLang="en-US" dirty="0" smtClean="0"/>
+              <a:rPr lang="zh-TW" altLang="en-US" dirty="0"/>
               <a:t>的</a:t>
             </a:r>
             <a:r>
-              <a:rPr lang="en-US" altLang="zh-TW" dirty="0" smtClean="0"/>
+              <a:rPr lang="en-US" altLang="zh-TW" dirty="0"/>
               <a:t>@annotation</a:t>
             </a:r>
             <a:r>
-              <a:rPr lang="zh-TW" altLang="en-US" dirty="0" smtClean="0"/>
+              <a:rPr lang="zh-TW" altLang="en-US" dirty="0"/>
               <a:t>介紹</a:t>
             </a:r>
-            <a:endParaRPr lang="en-US" altLang="zh-TW" dirty="0" smtClean="0"/>
-          </a:p>
-          <a:p>
-            <a:r>
-              <a:rPr lang="en-US" altLang="zh-TW" dirty="0" smtClean="0"/>
+            <a:endParaRPr lang="en-US" altLang="zh-TW" dirty="0"/>
+          </a:p>
+          <a:p>
+            <a:r>
+              <a:rPr lang="en-US" altLang="zh-TW" dirty="0"/>
               <a:t>JPA</a:t>
             </a:r>
             <a:r>
-              <a:rPr lang="zh-TW" altLang="en-US" dirty="0" smtClean="0"/>
+              <a:rPr lang="zh-TW" altLang="en-US" dirty="0"/>
               <a:t>的配置</a:t>
             </a:r>
-            <a:endParaRPr lang="en-US" altLang="zh-TW" dirty="0" smtClean="0"/>
-          </a:p>
-          <a:p>
-            <a:r>
-              <a:rPr lang="en-US" altLang="zh-TW" dirty="0" smtClean="0"/>
+            <a:endParaRPr lang="en-US" altLang="zh-TW" dirty="0"/>
+          </a:p>
+          <a:p>
+            <a:r>
+              <a:rPr lang="en-US" altLang="zh-TW" dirty="0"/>
               <a:t>Reference</a:t>
             </a:r>
             <a:endParaRPr lang="zh-TW" altLang="en-US" dirty="0"/>
@@ -4110,6 +5646,159 @@
     <p:extLst>
       <p:ext uri="{BB962C8B-B14F-4D97-AF65-F5344CB8AC3E}">
         <p14:creationId xmlns:p14="http://schemas.microsoft.com/office/powerpoint/2010/main" val="3878837519"/>
+      </p:ext>
+    </p:extLst>
+  </p:cSld>
+  <p:clrMapOvr>
+    <a:masterClrMapping/>
+  </p:clrMapOvr>
+</p:sld>
+</file>
+
+<file path=ppt/slides/slide20.xml><?xml version="1.0" encoding="utf-8"?>
+<p:sld xmlns:a="http://schemas.openxmlformats.org/drawingml/2006/main" xmlns:r="http://schemas.openxmlformats.org/officeDocument/2006/relationships" xmlns:p="http://schemas.openxmlformats.org/presentationml/2006/main">
+  <p:cSld>
+    <p:spTree>
+      <p:nvGrpSpPr>
+        <p:cNvPr id="1" name=""/>
+        <p:cNvGrpSpPr/>
+        <p:nvPr/>
+      </p:nvGrpSpPr>
+      <p:grpSpPr>
+        <a:xfrm>
+          <a:off x="0" y="0"/>
+          <a:ext cx="0" cy="0"/>
+          <a:chOff x="0" y="0"/>
+          <a:chExt cx="0" cy="0"/>
+        </a:xfrm>
+      </p:grpSpPr>
+      <p:sp>
+        <p:nvSpPr>
+          <p:cNvPr id="2" name="標題 1"/>
+          <p:cNvSpPr>
+            <a:spLocks noGrp="1"/>
+          </p:cNvSpPr>
+          <p:nvPr>
+            <p:ph type="title"/>
+          </p:nvPr>
+        </p:nvSpPr>
+        <p:spPr/>
+        <p:txBody>
+          <a:bodyPr/>
+          <a:lstStyle/>
+          <a:p>
+            <a:r>
+              <a:rPr lang="en-US" altLang="zh-TW" dirty="0"/>
+              <a:t>JPA</a:t>
+            </a:r>
+            <a:r>
+              <a:rPr lang="zh-TW" altLang="en-US" dirty="0"/>
+              <a:t> </a:t>
+            </a:r>
+            <a:r>
+              <a:rPr lang="en-US" altLang="zh-TW" dirty="0"/>
+              <a:t>annotation</a:t>
+            </a:r>
+            <a:endParaRPr lang="zh-TW" altLang="en-US" dirty="0"/>
+          </a:p>
+        </p:txBody>
+      </p:sp>
+      <p:sp>
+        <p:nvSpPr>
+          <p:cNvPr id="3" name="內容版面配置區 2"/>
+          <p:cNvSpPr>
+            <a:spLocks noGrp="1"/>
+          </p:cNvSpPr>
+          <p:nvPr>
+            <p:ph sz="quarter" idx="1"/>
+          </p:nvPr>
+        </p:nvSpPr>
+        <p:spPr/>
+        <p:txBody>
+          <a:bodyPr/>
+          <a:lstStyle/>
+          <a:p>
+            <a:r>
+              <a:rPr lang="en-US" altLang="zh-TW" dirty="0">
+                <a:hlinkClick r:id="rId2"/>
+              </a:rPr>
+              <a:t>http://www.blogjava.net/zJun/archive/2007/01/24/95747.html</a:t>
+            </a:r>
+            <a:r>
+              <a:rPr lang="zh-TW" altLang="en-US" dirty="0"/>
+              <a:t> </a:t>
+            </a:r>
+            <a:r>
+              <a:rPr lang="en-US" altLang="zh-TW" dirty="0"/>
+              <a:t>~</a:t>
+            </a:r>
+            <a:r>
+              <a:rPr lang="zh-TW" altLang="en-US" dirty="0"/>
+              <a:t>★</a:t>
+            </a:r>
+            <a:endParaRPr lang="en-US" altLang="zh-TW" dirty="0"/>
+          </a:p>
+          <a:p>
+            <a:r>
+              <a:rPr lang="en-US" altLang="zh-TW" dirty="0">
+                <a:hlinkClick r:id="rId3"/>
+              </a:rPr>
+              <a:t>http://www.techferry.com/articles/hibernate-jpa-annotations.html</a:t>
+            </a:r>
+            <a:r>
+              <a:rPr lang="en-US" altLang="zh-TW" dirty="0"/>
+              <a:t> ~</a:t>
+            </a:r>
+            <a:r>
+              <a:rPr lang="zh-TW" altLang="en-US" dirty="0"/>
+              <a:t>★</a:t>
+            </a:r>
+            <a:endParaRPr lang="en-US" altLang="zh-TW" dirty="0"/>
+          </a:p>
+          <a:p>
+            <a:r>
+              <a:rPr lang="en-US" altLang="zh-TW" dirty="0">
+                <a:hlinkClick r:id="rId4"/>
+              </a:rPr>
+              <a:t>https://kknews.cc/zh-tw/other/5nnye2.html</a:t>
+            </a:r>
+            <a:r>
+              <a:rPr lang="en-US" altLang="zh-TW" dirty="0"/>
+              <a:t> ~</a:t>
+            </a:r>
+            <a:r>
+              <a:rPr lang="zh-TW" altLang="en-US" dirty="0"/>
+              <a:t>★</a:t>
+            </a:r>
+            <a:endParaRPr lang="en-US" altLang="zh-TW" dirty="0"/>
+          </a:p>
+          <a:p>
+            <a:r>
+              <a:rPr lang="en-US" altLang="zh-TW" dirty="0">
+                <a:hlinkClick r:id="rId5"/>
+              </a:rPr>
+              <a:t>https://www.objectdb.com/api/java/jpa/annotations</a:t>
+            </a:r>
+            <a:endParaRPr lang="en-US" altLang="zh-TW" dirty="0"/>
+          </a:p>
+          <a:p>
+            <a:r>
+              <a:rPr lang="en-US" altLang="zh-TW" dirty="0">
+                <a:hlinkClick r:id="rId6"/>
+              </a:rPr>
+              <a:t>http://www.oracle.com/technetwork/middleware/ias/toplink-jpa-annotations-096251.html</a:t>
+            </a:r>
+            <a:endParaRPr lang="en-US" altLang="zh-TW" dirty="0"/>
+          </a:p>
+          <a:p>
+            <a:endParaRPr lang="zh-TW" altLang="en-US" dirty="0"/>
+          </a:p>
+        </p:txBody>
+      </p:sp>
+    </p:spTree>
+    <p:extLst>
+      <p:ext uri="{BB962C8B-B14F-4D97-AF65-F5344CB8AC3E}">
+        <p14:creationId xmlns:p14="http://schemas.microsoft.com/office/powerpoint/2010/main" val="2714022634"/>
       </p:ext>
     </p:extLst>
   </p:cSld>
@@ -4229,7 +5918,7 @@
           <a:lstStyle/>
           <a:p>
             <a:r>
-              <a:rPr lang="en-US" altLang="zh-TW" dirty="0" smtClean="0"/>
+              <a:rPr lang="en-US" altLang="zh-TW" dirty="0"/>
               <a:t>Hibernate</a:t>
             </a:r>
             <a:endParaRPr lang="zh-TW" altLang="en-US" dirty="0"/>
@@ -4256,128 +5945,121 @@
                 <a:latin typeface="微軟正黑體" panose="020B0604030504040204" pitchFamily="34" charset="-120"/>
                 <a:ea typeface="微軟正黑體" panose="020B0604030504040204" pitchFamily="34" charset="-120"/>
               </a:rPr>
-              <a:t>是</a:t>
-            </a:r>
-            <a:r>
-              <a:rPr lang="zh-TW" altLang="en-US" dirty="0" smtClean="0">
+              <a:t>是一種</a:t>
+            </a:r>
+            <a:r>
+              <a:rPr lang="en-US" altLang="zh-TW" dirty="0">
                 <a:latin typeface="微軟正黑體" panose="020B0604030504040204" pitchFamily="34" charset="-120"/>
                 <a:ea typeface="微軟正黑體" panose="020B0604030504040204" pitchFamily="34" charset="-120"/>
               </a:rPr>
-              <a:t>一種</a:t>
-            </a:r>
-            <a:r>
-              <a:rPr lang="en-US" altLang="zh-TW" dirty="0" smtClean="0">
+              <a:t>ORM</a:t>
+            </a:r>
+            <a:r>
+              <a:rPr lang="zh-TW" altLang="en-US" dirty="0">
                 <a:latin typeface="微軟正黑體" panose="020B0604030504040204" pitchFamily="34" charset="-120"/>
                 <a:ea typeface="微軟正黑體" panose="020B0604030504040204" pitchFamily="34" charset="-120"/>
               </a:rPr>
-              <a:t>ORM</a:t>
-            </a:r>
-            <a:r>
-              <a:rPr lang="zh-TW" altLang="en-US" dirty="0" smtClean="0">
+              <a:t> </a:t>
+            </a:r>
+            <a:r>
+              <a:rPr lang="en-US" altLang="zh-TW" dirty="0">
                 <a:latin typeface="微軟正黑體" panose="020B0604030504040204" pitchFamily="34" charset="-120"/>
                 <a:ea typeface="微軟正黑體" panose="020B0604030504040204" pitchFamily="34" charset="-120"/>
               </a:rPr>
-              <a:t> </a:t>
-            </a:r>
-            <a:r>
-              <a:rPr lang="en-US" altLang="zh-TW" dirty="0" smtClean="0">
+              <a:t>Framework</a:t>
+            </a:r>
+            <a:r>
+              <a:rPr lang="zh-TW" altLang="en-US" dirty="0">
                 <a:latin typeface="微軟正黑體" panose="020B0604030504040204" pitchFamily="34" charset="-120"/>
                 <a:ea typeface="微軟正黑體" panose="020B0604030504040204" pitchFamily="34" charset="-120"/>
               </a:rPr>
-              <a:t>Framework</a:t>
-            </a:r>
-            <a:r>
-              <a:rPr lang="zh-TW" altLang="en-US" dirty="0" smtClean="0">
+              <a:t>，與各種資料庫、</a:t>
+            </a:r>
+            <a:r>
+              <a:rPr lang="en-US" altLang="zh-TW" dirty="0">
                 <a:latin typeface="微軟正黑體" panose="020B0604030504040204" pitchFamily="34" charset="-120"/>
                 <a:ea typeface="微軟正黑體" panose="020B0604030504040204" pitchFamily="34" charset="-120"/>
               </a:rPr>
-              <a:t>，與各種資料庫、</a:t>
-            </a:r>
-            <a:r>
-              <a:rPr lang="en-US" altLang="zh-TW" dirty="0" smtClean="0">
+              <a:t>SQL</a:t>
+            </a:r>
+            <a:r>
+              <a:rPr lang="zh-TW" altLang="en-US" dirty="0">
                 <a:latin typeface="微軟正黑體" panose="020B0604030504040204" pitchFamily="34" charset="-120"/>
                 <a:ea typeface="微軟正黑體" panose="020B0604030504040204" pitchFamily="34" charset="-120"/>
               </a:rPr>
-              <a:t>SQL</a:t>
-            </a:r>
-            <a:r>
-              <a:rPr lang="zh-TW" altLang="en-US" dirty="0" smtClean="0">
-                <a:latin typeface="微軟正黑體" panose="020B0604030504040204" pitchFamily="34" charset="-120"/>
-                <a:ea typeface="微軟正黑體" panose="020B0604030504040204" pitchFamily="34" charset="-120"/>
-              </a:rPr>
               <a:t>敘述打交道，是資料持久化的一種解決方式</a:t>
             </a:r>
-            <a:endParaRPr lang="en-US" altLang="zh-TW" dirty="0" smtClean="0">
+            <a:endParaRPr lang="en-US" altLang="zh-TW" dirty="0">
               <a:latin typeface="微軟正黑體" panose="020B0604030504040204" pitchFamily="34" charset="-120"/>
               <a:ea typeface="微軟正黑體" panose="020B0604030504040204" pitchFamily="34" charset="-120"/>
             </a:endParaRPr>
           </a:p>
           <a:p>
             <a:r>
-              <a:rPr lang="zh-TW" altLang="en-US" dirty="0" smtClean="0">
+              <a:rPr lang="zh-TW" altLang="en-US" dirty="0">
                 <a:latin typeface="微軟正黑體" panose="020B0604030504040204" pitchFamily="34" charset="-120"/>
                 <a:ea typeface="微軟正黑體" panose="020B0604030504040204" pitchFamily="34" charset="-120"/>
               </a:rPr>
               <a:t>在</a:t>
             </a:r>
             <a:r>
-              <a:rPr lang="en-US" altLang="zh-TW" dirty="0" smtClean="0">
+              <a:rPr lang="en-US" altLang="zh-TW" dirty="0">
                 <a:latin typeface="微軟正黑體" panose="020B0604030504040204" pitchFamily="34" charset="-120"/>
                 <a:ea typeface="微軟正黑體" panose="020B0604030504040204" pitchFamily="34" charset="-120"/>
               </a:rPr>
               <a:t>Java</a:t>
             </a:r>
             <a:r>
-              <a:rPr lang="zh-TW" altLang="en-US" dirty="0" smtClean="0">
+              <a:rPr lang="zh-TW" altLang="en-US" dirty="0">
                 <a:latin typeface="微軟正黑體" panose="020B0604030504040204" pitchFamily="34" charset="-120"/>
                 <a:ea typeface="微軟正黑體" panose="020B0604030504040204" pitchFamily="34" charset="-120"/>
               </a:rPr>
               <a:t>物件與關聯式資料庫之間建立某種</a:t>
             </a:r>
             <a:r>
-              <a:rPr lang="en-US" altLang="zh-TW" dirty="0" smtClean="0">
+              <a:rPr lang="en-US" altLang="zh-TW" dirty="0">
                 <a:latin typeface="微軟正黑體" panose="020B0604030504040204" pitchFamily="34" charset="-120"/>
                 <a:ea typeface="微軟正黑體" panose="020B0604030504040204" pitchFamily="34" charset="-120"/>
               </a:rPr>
               <a:t>Mapping(</a:t>
             </a:r>
             <a:r>
-              <a:rPr lang="zh-TW" altLang="en-US" dirty="0" smtClean="0">
+              <a:rPr lang="zh-TW" altLang="en-US" dirty="0">
                 <a:latin typeface="微軟正黑體" panose="020B0604030504040204" pitchFamily="34" charset="-120"/>
                 <a:ea typeface="微軟正黑體" panose="020B0604030504040204" pitchFamily="34" charset="-120"/>
               </a:rPr>
               <a:t>映射</a:t>
             </a:r>
             <a:r>
-              <a:rPr lang="en-US" altLang="zh-TW" dirty="0" smtClean="0">
+              <a:rPr lang="en-US" altLang="zh-TW" dirty="0">
                 <a:latin typeface="微軟正黑體" panose="020B0604030504040204" pitchFamily="34" charset="-120"/>
                 <a:ea typeface="微軟正黑體" panose="020B0604030504040204" pitchFamily="34" charset="-120"/>
               </a:rPr>
               <a:t>)</a:t>
             </a:r>
             <a:r>
-              <a:rPr lang="zh-TW" altLang="en-US" dirty="0" smtClean="0">
+              <a:rPr lang="zh-TW" altLang="en-US" dirty="0">
                 <a:latin typeface="微軟正黑體" panose="020B0604030504040204" pitchFamily="34" charset="-120"/>
                 <a:ea typeface="微軟正黑體" panose="020B0604030504040204" pitchFamily="34" charset="-120"/>
               </a:rPr>
               <a:t>，以實現直接存取</a:t>
             </a:r>
             <a:r>
-              <a:rPr lang="en-US" altLang="zh-TW" dirty="0" smtClean="0">
+              <a:rPr lang="en-US" altLang="zh-TW" dirty="0">
                 <a:latin typeface="微軟正黑體" panose="020B0604030504040204" pitchFamily="34" charset="-120"/>
                 <a:ea typeface="微軟正黑體" panose="020B0604030504040204" pitchFamily="34" charset="-120"/>
               </a:rPr>
               <a:t>Java</a:t>
             </a:r>
             <a:r>
-              <a:rPr lang="zh-TW" altLang="en-US" dirty="0" smtClean="0">
+              <a:rPr lang="zh-TW" altLang="en-US" dirty="0">
                 <a:latin typeface="微軟正黑體" panose="020B0604030504040204" pitchFamily="34" charset="-120"/>
                 <a:ea typeface="微軟正黑體" panose="020B0604030504040204" pitchFamily="34" charset="-120"/>
               </a:rPr>
               <a:t>物件</a:t>
             </a:r>
             <a:r>
-              <a:rPr lang="en-US" altLang="zh-TW" dirty="0" smtClean="0">
+              <a:rPr lang="en-US" altLang="zh-TW" dirty="0">
                 <a:latin typeface="微軟正黑體" panose="020B0604030504040204" pitchFamily="34" charset="-120"/>
                 <a:ea typeface="微軟正黑體" panose="020B0604030504040204" pitchFamily="34" charset="-120"/>
               </a:rPr>
@@ -4386,84 +6068,84 @@
           </a:p>
           <a:p>
             <a:r>
-              <a:rPr lang="zh-TW" altLang="en-US" dirty="0" smtClean="0">
+              <a:rPr lang="zh-TW" altLang="en-US" dirty="0">
                 <a:latin typeface="微軟正黑體" panose="020B0604030504040204" pitchFamily="34" charset="-120"/>
                 <a:ea typeface="微軟正黑體" panose="020B0604030504040204" pitchFamily="34" charset="-120"/>
               </a:rPr>
               <a:t>簡單來說就是把</a:t>
             </a:r>
             <a:r>
-              <a:rPr lang="en-US" altLang="zh-TW" dirty="0" smtClean="0">
+              <a:rPr lang="en-US" altLang="zh-TW" dirty="0">
                 <a:latin typeface="微軟正黑體" panose="020B0604030504040204" pitchFamily="34" charset="-120"/>
                 <a:ea typeface="微軟正黑體" panose="020B0604030504040204" pitchFamily="34" charset="-120"/>
               </a:rPr>
               <a:t>POJO</a:t>
             </a:r>
             <a:r>
-              <a:rPr lang="zh-TW" altLang="en-US" dirty="0" smtClean="0">
+              <a:rPr lang="zh-TW" altLang="en-US" dirty="0">
                 <a:latin typeface="微軟正黑體" panose="020B0604030504040204" pitchFamily="34" charset="-120"/>
                 <a:ea typeface="微軟正黑體" panose="020B0604030504040204" pitchFamily="34" charset="-120"/>
               </a:rPr>
               <a:t>拆分成各種屬性然後拼裝為</a:t>
             </a:r>
             <a:r>
-              <a:rPr lang="en-US" altLang="zh-TW" dirty="0" smtClean="0">
+              <a:rPr lang="en-US" altLang="zh-TW" dirty="0">
                 <a:latin typeface="微軟正黑體" panose="020B0604030504040204" pitchFamily="34" charset="-120"/>
                 <a:ea typeface="微軟正黑體" panose="020B0604030504040204" pitchFamily="34" charset="-120"/>
               </a:rPr>
               <a:t>SQL</a:t>
             </a:r>
             <a:r>
-              <a:rPr lang="zh-TW" altLang="en-US" dirty="0" smtClean="0">
+              <a:rPr lang="zh-TW" altLang="en-US" dirty="0">
                 <a:latin typeface="微軟正黑體" panose="020B0604030504040204" pitchFamily="34" charset="-120"/>
                 <a:ea typeface="微軟正黑體" panose="020B0604030504040204" pitchFamily="34" charset="-120"/>
               </a:rPr>
               <a:t>敘述，儲存到資料庫</a:t>
             </a:r>
             <a:r>
-              <a:rPr lang="en-US" altLang="zh-TW" dirty="0" smtClean="0">
+              <a:rPr lang="en-US" altLang="zh-TW" dirty="0">
                 <a:latin typeface="微軟正黑體" panose="020B0604030504040204" pitchFamily="34" charset="-120"/>
                 <a:ea typeface="微軟正黑體" panose="020B0604030504040204" pitchFamily="34" charset="-120"/>
               </a:rPr>
               <a:t>;</a:t>
             </a:r>
             <a:r>
-              <a:rPr lang="zh-TW" altLang="en-US" dirty="0" smtClean="0">
+              <a:rPr lang="zh-TW" altLang="en-US" dirty="0">
                 <a:latin typeface="微軟正黑體" panose="020B0604030504040204" pitchFamily="34" charset="-120"/>
                 <a:ea typeface="微軟正黑體" panose="020B0604030504040204" pitchFamily="34" charset="-120"/>
               </a:rPr>
               <a:t>讀取資料也適用</a:t>
             </a:r>
             <a:r>
-              <a:rPr lang="en-US" altLang="zh-TW" dirty="0" smtClean="0">
+              <a:rPr lang="en-US" altLang="zh-TW" dirty="0">
                 <a:latin typeface="微軟正黑體" panose="020B0604030504040204" pitchFamily="34" charset="-120"/>
                 <a:ea typeface="微軟正黑體" panose="020B0604030504040204" pitchFamily="34" charset="-120"/>
               </a:rPr>
               <a:t>SQL</a:t>
             </a:r>
             <a:r>
-              <a:rPr lang="zh-TW" altLang="en-US" dirty="0" smtClean="0">
+              <a:rPr lang="zh-TW" altLang="en-US" dirty="0">
                 <a:latin typeface="微軟正黑體" panose="020B0604030504040204" pitchFamily="34" charset="-120"/>
                 <a:ea typeface="微軟正黑體" panose="020B0604030504040204" pitchFamily="34" charset="-120"/>
               </a:rPr>
               <a:t>把</a:t>
             </a:r>
             <a:r>
-              <a:rPr lang="en-US" altLang="zh-TW" dirty="0" smtClean="0">
+              <a:rPr lang="en-US" altLang="zh-TW" dirty="0">
                 <a:latin typeface="微軟正黑體" panose="020B0604030504040204" pitchFamily="34" charset="-120"/>
                 <a:ea typeface="微軟正黑體" panose="020B0604030504040204" pitchFamily="34" charset="-120"/>
               </a:rPr>
               <a:t>POJO</a:t>
             </a:r>
             <a:r>
-              <a:rPr lang="zh-TW" altLang="en-US" dirty="0" smtClean="0">
+              <a:rPr lang="zh-TW" altLang="en-US" dirty="0">
                 <a:latin typeface="微軟正黑體" panose="020B0604030504040204" pitchFamily="34" charset="-120"/>
                 <a:ea typeface="微軟正黑體" panose="020B0604030504040204" pitchFamily="34" charset="-120"/>
               </a:rPr>
               <a:t>的各種屬性從資料庫讀出來，再拼裝為</a:t>
             </a:r>
             <a:r>
-              <a:rPr lang="en-US" altLang="zh-TW" dirty="0" smtClean="0">
+              <a:rPr lang="en-US" altLang="zh-TW" dirty="0">
                 <a:latin typeface="微軟正黑體" panose="020B0604030504040204" pitchFamily="34" charset="-120"/>
                 <a:ea typeface="微軟正黑體" panose="020B0604030504040204" pitchFamily="34" charset="-120"/>
               </a:rPr>
@@ -4524,7 +6206,7 @@
           <a:lstStyle/>
           <a:p>
             <a:r>
-              <a:rPr lang="en-US" altLang="zh-TW" dirty="0" smtClean="0"/>
+              <a:rPr lang="en-US" altLang="zh-TW" dirty="0"/>
               <a:t>JPA</a:t>
             </a:r>
             <a:endParaRPr lang="zh-TW" altLang="en-US" dirty="0"/>
@@ -4546,200 +6228,193 @@
           <a:bodyPr/>
           <a:lstStyle/>
           <a:p>
-            <a:r>
-              <a:rPr lang="zh-TW" altLang="en-US" dirty="0" smtClean="0">
-                <a:latin typeface="微軟正黑體" panose="020B0604030504040204" pitchFamily="34" charset="-120"/>
-                <a:ea typeface="微軟正黑體" panose="020B0604030504040204" pitchFamily="34" charset="-120"/>
-              </a:rPr>
-              <a:t>早期的</a:t>
-            </a:r>
-            <a:r>
-              <a:rPr lang="en-US" altLang="zh-TW" dirty="0" smtClean="0">
-                <a:latin typeface="微軟正黑體" panose="020B0604030504040204" pitchFamily="34" charset="-120"/>
-                <a:ea typeface="微軟正黑體" panose="020B0604030504040204" pitchFamily="34" charset="-120"/>
-              </a:rPr>
-              <a:t>Hibernate</a:t>
-            </a:r>
-            <a:r>
-              <a:rPr lang="zh-TW" altLang="en-US" dirty="0" smtClean="0">
-                <a:latin typeface="微軟正黑體" panose="020B0604030504040204" pitchFamily="34" charset="-120"/>
-                <a:ea typeface="微軟正黑體" panose="020B0604030504040204" pitchFamily="34" charset="-120"/>
-              </a:rPr>
-              <a:t>使用</a:t>
-            </a:r>
-            <a:r>
-              <a:rPr lang="en-US" altLang="zh-TW" dirty="0" smtClean="0">
-                <a:latin typeface="微軟正黑體" panose="020B0604030504040204" pitchFamily="34" charset="-120"/>
-                <a:ea typeface="微軟正黑體" panose="020B0604030504040204" pitchFamily="34" charset="-120"/>
-              </a:rPr>
-              <a:t>XML(hbm.xml)</a:t>
-            </a:r>
-            <a:r>
-              <a:rPr lang="zh-TW" altLang="en-US" dirty="0" smtClean="0">
-                <a:latin typeface="微軟正黑體" panose="020B0604030504040204" pitchFamily="34" charset="-120"/>
-                <a:ea typeface="微軟正黑體" panose="020B0604030504040204" pitchFamily="34" charset="-120"/>
-              </a:rPr>
-              <a:t>設定</a:t>
-            </a:r>
-            <a:r>
-              <a:rPr lang="en-US" altLang="zh-TW" dirty="0" smtClean="0">
-                <a:latin typeface="微軟正黑體" panose="020B0604030504040204" pitchFamily="34" charset="-120"/>
-                <a:ea typeface="微軟正黑體" panose="020B0604030504040204" pitchFamily="34" charset="-120"/>
-              </a:rPr>
-              <a:t>POJO</a:t>
-            </a:r>
             <a:r>
               <a:rPr lang="zh-TW" altLang="en-US" dirty="0">
                 <a:latin typeface="微軟正黑體" panose="020B0604030504040204" pitchFamily="34" charset="-120"/>
                 <a:ea typeface="微軟正黑體" panose="020B0604030504040204" pitchFamily="34" charset="-120"/>
               </a:rPr>
-              <a:t>與資料庫間</a:t>
-            </a:r>
-            <a:r>
-              <a:rPr lang="zh-TW" altLang="en-US" dirty="0" smtClean="0">
+              <a:t>早期的</a:t>
+            </a:r>
+            <a:r>
+              <a:rPr lang="en-US" altLang="zh-TW" dirty="0">
                 <a:latin typeface="微軟正黑體" panose="020B0604030504040204" pitchFamily="34" charset="-120"/>
                 <a:ea typeface="微軟正黑體" panose="020B0604030504040204" pitchFamily="34" charset="-120"/>
               </a:rPr>
-              <a:t>的</a:t>
-            </a:r>
-            <a:r>
-              <a:rPr lang="en-US" altLang="zh-TW" dirty="0" smtClean="0">
+              <a:t>Hibernate</a:t>
+            </a:r>
+            <a:r>
+              <a:rPr lang="zh-TW" altLang="en-US" dirty="0">
                 <a:latin typeface="微軟正黑體" panose="020B0604030504040204" pitchFamily="34" charset="-120"/>
                 <a:ea typeface="微軟正黑體" panose="020B0604030504040204" pitchFamily="34" charset="-120"/>
               </a:rPr>
-              <a:t>Mapping(</a:t>
-            </a:r>
-            <a:r>
-              <a:rPr lang="zh-TW" altLang="en-US" dirty="0" smtClean="0">
+              <a:t>使用</a:t>
+            </a:r>
+            <a:r>
+              <a:rPr lang="en-US" altLang="zh-TW" dirty="0">
                 <a:latin typeface="微軟正黑體" panose="020B0604030504040204" pitchFamily="34" charset="-120"/>
                 <a:ea typeface="微軟正黑體" panose="020B0604030504040204" pitchFamily="34" charset="-120"/>
               </a:rPr>
-              <a:t>映射</a:t>
-            </a:r>
-            <a:r>
-              <a:rPr lang="en-US" altLang="zh-TW" dirty="0" smtClean="0">
+              <a:t>XML(hbm.xml)</a:t>
+            </a:r>
+            <a:r>
+              <a:rPr lang="zh-TW" altLang="en-US" dirty="0">
                 <a:latin typeface="微軟正黑體" panose="020B0604030504040204" pitchFamily="34" charset="-120"/>
                 <a:ea typeface="微軟正黑體" panose="020B0604030504040204" pitchFamily="34" charset="-120"/>
               </a:rPr>
-              <a:t>)</a:t>
-            </a:r>
-          </a:p>
-          <a:p>
-            <a:r>
-              <a:rPr lang="zh-TW" altLang="en-US" dirty="0" smtClean="0">
+              <a:t>設定</a:t>
+            </a:r>
+            <a:r>
+              <a:rPr lang="en-US" altLang="zh-TW" dirty="0">
                 <a:latin typeface="微軟正黑體" panose="020B0604030504040204" pitchFamily="34" charset="-120"/>
                 <a:ea typeface="微軟正黑體" panose="020B0604030504040204" pitchFamily="34" charset="-120"/>
               </a:rPr>
-              <a:t>現在</a:t>
-            </a:r>
-            <a:r>
-              <a:rPr lang="en-US" altLang="zh-TW" dirty="0" smtClean="0">
+              <a:t>POJO</a:t>
+            </a:r>
+            <a:r>
+              <a:rPr lang="zh-TW" altLang="en-US" dirty="0">
                 <a:latin typeface="微軟正黑體" panose="020B0604030504040204" pitchFamily="34" charset="-120"/>
                 <a:ea typeface="微軟正黑體" panose="020B0604030504040204" pitchFamily="34" charset="-120"/>
               </a:rPr>
-              <a:t>Sun</a:t>
-            </a:r>
-            <a:r>
-              <a:rPr lang="zh-TW" altLang="en-US" dirty="0" smtClean="0">
+              <a:t>與資料庫間的</a:t>
+            </a:r>
+            <a:r>
+              <a:rPr lang="en-US" altLang="zh-TW" dirty="0">
                 <a:latin typeface="微軟正黑體" panose="020B0604030504040204" pitchFamily="34" charset="-120"/>
                 <a:ea typeface="微軟正黑體" panose="020B0604030504040204" pitchFamily="34" charset="-120"/>
               </a:rPr>
-              <a:t>推出了</a:t>
-            </a:r>
-            <a:r>
-              <a:rPr lang="en-US" altLang="zh-TW" dirty="0" smtClean="0">
+              <a:t>Mapping(</a:t>
+            </a:r>
+            <a:r>
+              <a:rPr lang="zh-TW" altLang="en-US" dirty="0">
                 <a:latin typeface="微軟正黑體" panose="020B0604030504040204" pitchFamily="34" charset="-120"/>
                 <a:ea typeface="微軟正黑體" panose="020B0604030504040204" pitchFamily="34" charset="-120"/>
               </a:rPr>
-              <a:t>JPA(Java Persistence API)</a:t>
-            </a:r>
-            <a:r>
-              <a:rPr lang="zh-TW" altLang="en-US" dirty="0" smtClean="0">
+              <a:t>映射</a:t>
+            </a:r>
+            <a:r>
+              <a:rPr lang="en-US" altLang="zh-TW" dirty="0">
                 <a:latin typeface="微軟正黑體" panose="020B0604030504040204" pitchFamily="34" charset="-120"/>
                 <a:ea typeface="微軟正黑體" panose="020B0604030504040204" pitchFamily="34" charset="-120"/>
               </a:rPr>
-              <a:t>，也可以用註釋</a:t>
-            </a:r>
-            <a:r>
-              <a:rPr lang="en-US" altLang="zh-TW" dirty="0" smtClean="0">
+              <a:t>)</a:t>
+            </a:r>
+          </a:p>
+          <a:p>
+            <a:r>
+              <a:rPr lang="zh-TW" altLang="en-US" dirty="0">
                 <a:latin typeface="微軟正黑體" panose="020B0604030504040204" pitchFamily="34" charset="-120"/>
                 <a:ea typeface="微軟正黑體" panose="020B0604030504040204" pitchFamily="34" charset="-120"/>
               </a:rPr>
-              <a:t>@(Annotation)</a:t>
-            </a:r>
-            <a:r>
-              <a:rPr lang="zh-TW" altLang="en-US" dirty="0" smtClean="0">
+              <a:t>現在</a:t>
+            </a:r>
+            <a:r>
+              <a:rPr lang="en-US" altLang="zh-TW" dirty="0">
                 <a:latin typeface="微軟正黑體" panose="020B0604030504040204" pitchFamily="34" charset="-120"/>
                 <a:ea typeface="微軟正黑體" panose="020B0604030504040204" pitchFamily="34" charset="-120"/>
               </a:rPr>
-              <a:t>來設定</a:t>
-            </a:r>
-            <a:r>
-              <a:rPr lang="en-US" altLang="zh-TW" dirty="0" smtClean="0">
+              <a:t>Sun</a:t>
+            </a:r>
+            <a:r>
+              <a:rPr lang="zh-TW" altLang="en-US" dirty="0">
                 <a:latin typeface="微軟正黑體" panose="020B0604030504040204" pitchFamily="34" charset="-120"/>
                 <a:ea typeface="微軟正黑體" panose="020B0604030504040204" pitchFamily="34" charset="-120"/>
               </a:rPr>
-              <a:t>Mapping(</a:t>
-            </a:r>
-            <a:r>
-              <a:rPr lang="zh-TW" altLang="en-US" dirty="0" smtClean="0">
+              <a:t>推出了</a:t>
+            </a:r>
+            <a:r>
+              <a:rPr lang="en-US" altLang="zh-TW" dirty="0">
                 <a:latin typeface="微軟正黑體" panose="020B0604030504040204" pitchFamily="34" charset="-120"/>
                 <a:ea typeface="微軟正黑體" panose="020B0604030504040204" pitchFamily="34" charset="-120"/>
               </a:rPr>
-              <a:t>映射</a:t>
-            </a:r>
-            <a:r>
-              <a:rPr lang="en-US" altLang="zh-TW" dirty="0" smtClean="0">
+              <a:t>JPA(Java Persistence API)</a:t>
+            </a:r>
+            <a:r>
+              <a:rPr lang="zh-TW" altLang="en-US" dirty="0">
                 <a:latin typeface="微軟正黑體" panose="020B0604030504040204" pitchFamily="34" charset="-120"/>
                 <a:ea typeface="微軟正黑體" panose="020B0604030504040204" pitchFamily="34" charset="-120"/>
               </a:rPr>
-              <a:t>)</a:t>
-            </a:r>
-          </a:p>
-          <a:p>
-            <a:r>
-              <a:rPr lang="en-US" altLang="zh-TW" dirty="0" smtClean="0">
+              <a:t>，也可以用註釋</a:t>
+            </a:r>
+            <a:r>
+              <a:rPr lang="en-US" altLang="zh-TW" dirty="0">
                 <a:latin typeface="微軟正黑體" panose="020B0604030504040204" pitchFamily="34" charset="-120"/>
                 <a:ea typeface="微軟正黑體" panose="020B0604030504040204" pitchFamily="34" charset="-120"/>
               </a:rPr>
-              <a:t>Hibernate</a:t>
-            </a:r>
-            <a:r>
-              <a:rPr lang="zh-TW" altLang="en-US" dirty="0" smtClean="0">
+              <a:t>@(Annotation)</a:t>
+            </a:r>
+            <a:r>
+              <a:rPr lang="zh-TW" altLang="en-US" dirty="0">
                 <a:latin typeface="微軟正黑體" panose="020B0604030504040204" pitchFamily="34" charset="-120"/>
                 <a:ea typeface="微軟正黑體" panose="020B0604030504040204" pitchFamily="34" charset="-120"/>
               </a:rPr>
-              <a:t>現在支援</a:t>
-            </a:r>
-            <a:r>
-              <a:rPr lang="en-US" altLang="zh-TW" dirty="0" smtClean="0">
+              <a:t>來設定</a:t>
+            </a:r>
+            <a:r>
+              <a:rPr lang="en-US" altLang="zh-TW" dirty="0">
                 <a:latin typeface="微軟正黑體" panose="020B0604030504040204" pitchFamily="34" charset="-120"/>
                 <a:ea typeface="微軟正黑體" panose="020B0604030504040204" pitchFamily="34" charset="-120"/>
               </a:rPr>
-              <a:t>XML</a:t>
-            </a:r>
-            <a:r>
-              <a:rPr lang="zh-TW" altLang="en-US" dirty="0" smtClean="0">
+              <a:t>Mapping(</a:t>
+            </a:r>
+            <a:r>
+              <a:rPr lang="zh-TW" altLang="en-US" dirty="0">
                 <a:latin typeface="微軟正黑體" panose="020B0604030504040204" pitchFamily="34" charset="-120"/>
                 <a:ea typeface="微軟正黑體" panose="020B0604030504040204" pitchFamily="34" charset="-120"/>
               </a:rPr>
-              <a:t>設定檔與</a:t>
-            </a:r>
-            <a:r>
-              <a:rPr lang="en-US" altLang="zh-TW" dirty="0" smtClean="0">
+              <a:t>映射</a:t>
+            </a:r>
+            <a:r>
+              <a:rPr lang="en-US" altLang="zh-TW" dirty="0">
                 <a:latin typeface="微軟正黑體" panose="020B0604030504040204" pitchFamily="34" charset="-120"/>
                 <a:ea typeface="微軟正黑體" panose="020B0604030504040204" pitchFamily="34" charset="-120"/>
               </a:rPr>
-              <a:t>@</a:t>
-            </a:r>
-            <a:r>
-              <a:rPr lang="zh-TW" altLang="en-US" dirty="0" smtClean="0">
+              <a:t>)</a:t>
+            </a:r>
+          </a:p>
+          <a:p>
+            <a:r>
+              <a:rPr lang="en-US" altLang="zh-TW" dirty="0">
                 <a:latin typeface="微軟正黑體" panose="020B0604030504040204" pitchFamily="34" charset="-120"/>
                 <a:ea typeface="微軟正黑體" panose="020B0604030504040204" pitchFamily="34" charset="-120"/>
               </a:rPr>
+              <a:t>Hibernate</a:t>
+            </a:r>
+            <a:r>
+              <a:rPr lang="zh-TW" altLang="en-US" dirty="0">
+                <a:latin typeface="微軟正黑體" panose="020B0604030504040204" pitchFamily="34" charset="-120"/>
+                <a:ea typeface="微軟正黑體" panose="020B0604030504040204" pitchFamily="34" charset="-120"/>
+              </a:rPr>
+              <a:t>現在支援</a:t>
+            </a:r>
+            <a:r>
+              <a:rPr lang="en-US" altLang="zh-TW" dirty="0">
+                <a:latin typeface="微軟正黑體" panose="020B0604030504040204" pitchFamily="34" charset="-120"/>
+                <a:ea typeface="微軟正黑體" panose="020B0604030504040204" pitchFamily="34" charset="-120"/>
+              </a:rPr>
+              <a:t>XML</a:t>
+            </a:r>
+            <a:r>
+              <a:rPr lang="zh-TW" altLang="en-US" dirty="0">
+                <a:latin typeface="微軟正黑體" panose="020B0604030504040204" pitchFamily="34" charset="-120"/>
+                <a:ea typeface="微軟正黑體" panose="020B0604030504040204" pitchFamily="34" charset="-120"/>
+              </a:rPr>
+              <a:t>設定檔與</a:t>
+            </a:r>
+            <a:r>
+              <a:rPr lang="en-US" altLang="zh-TW" dirty="0">
+                <a:latin typeface="微軟正黑體" panose="020B0604030504040204" pitchFamily="34" charset="-120"/>
+                <a:ea typeface="微軟正黑體" panose="020B0604030504040204" pitchFamily="34" charset="-120"/>
+              </a:rPr>
+              <a:t>@</a:t>
+            </a:r>
+            <a:r>
+              <a:rPr lang="zh-TW" altLang="en-US" dirty="0">
+                <a:latin typeface="微軟正黑體" panose="020B0604030504040204" pitchFamily="34" charset="-120"/>
+                <a:ea typeface="微軟正黑體" panose="020B0604030504040204" pitchFamily="34" charset="-120"/>
+              </a:rPr>
               <a:t>註釋設定兩種</a:t>
             </a:r>
-            <a:endParaRPr lang="en-US" altLang="zh-TW" dirty="0" smtClean="0">
+            <a:endParaRPr lang="en-US" altLang="zh-TW" dirty="0">
               <a:latin typeface="微軟正黑體" panose="020B0604030504040204" pitchFamily="34" charset="-120"/>
               <a:ea typeface="微軟正黑體" panose="020B0604030504040204" pitchFamily="34" charset="-120"/>
             </a:endParaRPr>
@@ -4883,33 +6558,146 @@
           <a:lstStyle/>
           <a:p>
             <a:r>
-              <a:rPr lang="en-US" altLang="zh-TW" dirty="0" smtClean="0"/>
+              <a:rPr lang="en-US" altLang="zh-TW" dirty="0"/>
               <a:t>@</a:t>
             </a:r>
             <a:r>
-              <a:rPr lang="zh-TW" altLang="en-US" dirty="0" smtClean="0"/>
+              <a:rPr lang="zh-TW" altLang="en-US" dirty="0"/>
               <a:t>註釋</a:t>
             </a:r>
+          </a:p>
+        </p:txBody>
+      </p:sp>
+      <p:sp>
+        <p:nvSpPr>
+          <p:cNvPr id="3" name="內容版面配置區 2"/>
+          <p:cNvSpPr>
+            <a:spLocks noGrp="1"/>
+          </p:cNvSpPr>
+          <p:nvPr>
+            <p:ph sz="quarter" idx="1"/>
+          </p:nvPr>
+        </p:nvSpPr>
+        <p:spPr/>
+        <p:txBody>
+          <a:bodyPr/>
+          <a:lstStyle/>
+          <a:p>
+            <a:r>
+              <a:rPr lang="zh-TW" altLang="en-US" dirty="0"/>
+              <a:t>實體類別一般</a:t>
+            </a:r>
+            <a:r>
+              <a:rPr lang="zh-CN" altLang="en-US" dirty="0"/>
+              <a:t>有</a:t>
+            </a:r>
+            <a:r>
+              <a:rPr lang="en-US" altLang="zh-CN" dirty="0"/>
+              <a:t>id</a:t>
+            </a:r>
+            <a:r>
+              <a:rPr lang="zh-CN" altLang="en-US" dirty="0"/>
+              <a:t>、普通屬性、集合屬性等，分別對應資料庫的主鍵、普通列、外鍵。</a:t>
+            </a:r>
+            <a:endParaRPr lang="en-US" altLang="zh-CN" dirty="0"/>
+          </a:p>
+          <a:p>
+            <a:r>
+              <a:rPr lang="en-US" altLang="zh-TW" dirty="0"/>
+              <a:t>@</a:t>
+            </a:r>
+            <a:r>
+              <a:rPr lang="zh-CN" altLang="en-US" dirty="0"/>
+              <a:t>註釋設定中、實體類別用</a:t>
+            </a:r>
+            <a:r>
+              <a:rPr lang="en-US" altLang="zh-CN" dirty="0"/>
+              <a:t>@Entity</a:t>
+            </a:r>
+            <a:r>
+              <a:rPr lang="zh-CN" altLang="en-US" dirty="0"/>
+              <a:t>註釋、用</a:t>
+            </a:r>
+            <a:r>
+              <a:rPr lang="en-US" altLang="zh-CN" dirty="0"/>
+              <a:t>@Table</a:t>
+            </a:r>
+            <a:r>
+              <a:rPr lang="zh-CN" altLang="en-US" dirty="0"/>
+              <a:t>指定對應的資料表，用</a:t>
+            </a:r>
+            <a:r>
+              <a:rPr lang="en-US" altLang="zh-CN" dirty="0"/>
+              <a:t>@Id</a:t>
+            </a:r>
+            <a:r>
+              <a:rPr lang="zh-TW" altLang="en-US" dirty="0"/>
+              <a:t>設定主鍵、</a:t>
+            </a:r>
+            <a:r>
+              <a:rPr lang="en-US" altLang="zh-TW" dirty="0"/>
+              <a:t>@Column</a:t>
+            </a:r>
+            <a:r>
+              <a:rPr lang="zh-CN" altLang="en-US" dirty="0"/>
+              <a:t>設定普通屬性</a:t>
+            </a:r>
+            <a:endParaRPr lang="en-US" altLang="zh-CN" dirty="0"/>
+          </a:p>
+          <a:p>
+            <a:r>
+              <a:rPr lang="zh-CN" altLang="en-US" dirty="0"/>
+              <a:t>用</a:t>
+            </a:r>
+            <a:r>
+              <a:rPr lang="en-US" altLang="zh-CN" dirty="0"/>
+              <a:t>@</a:t>
+            </a:r>
+            <a:r>
+              <a:rPr lang="en-US" altLang="zh-CN" dirty="0" err="1"/>
+              <a:t>OneToMany</a:t>
+            </a:r>
+            <a:r>
+              <a:rPr lang="zh-CN" altLang="en-US" dirty="0"/>
+              <a:t>、</a:t>
+            </a:r>
+            <a:r>
+              <a:rPr lang="en-US" altLang="zh-CN" dirty="0"/>
+              <a:t>@</a:t>
+            </a:r>
+            <a:r>
+              <a:rPr lang="en-US" altLang="zh-CN" dirty="0" err="1"/>
+              <a:t>MaynToOne</a:t>
+            </a:r>
+            <a:r>
+              <a:rPr lang="zh-CN" altLang="en-US" dirty="0"/>
+              <a:t>、</a:t>
+            </a:r>
+            <a:r>
+              <a:rPr lang="en-US" altLang="zh-CN" dirty="0"/>
+              <a:t>@</a:t>
+            </a:r>
+            <a:r>
+              <a:rPr lang="en-US" altLang="zh-CN" dirty="0" err="1"/>
+              <a:t>MaynToMany</a:t>
+            </a:r>
+            <a:r>
+              <a:rPr lang="zh-CN" altLang="en-US" dirty="0"/>
+              <a:t>、</a:t>
+            </a:r>
+            <a:r>
+              <a:rPr lang="en-US" altLang="zh-CN" dirty="0"/>
+              <a:t>@</a:t>
+            </a:r>
+            <a:r>
+              <a:rPr lang="en-US" altLang="zh-CN" dirty="0" err="1"/>
+              <a:t>OneToOne</a:t>
+            </a:r>
+            <a:r>
+              <a:rPr lang="zh-CN" altLang="en-US" dirty="0"/>
+              <a:t>設定實體間的關係等。</a:t>
+            </a:r>
             <a:endParaRPr lang="zh-TW" altLang="en-US" dirty="0"/>
-          </a:p>
-        </p:txBody>
-      </p:sp>
-      <p:sp>
-        <p:nvSpPr>
-          <p:cNvPr id="3" name="內容版面配置區 2"/>
-          <p:cNvSpPr>
-            <a:spLocks noGrp="1"/>
-          </p:cNvSpPr>
-          <p:nvPr>
-            <p:ph sz="quarter" idx="1"/>
-          </p:nvPr>
-        </p:nvSpPr>
-        <p:spPr/>
-        <p:txBody>
-          <a:bodyPr/>
-          <a:lstStyle/>
-          <a:p>
-            <a:endParaRPr lang="zh-TW" altLang="en-US"/>
           </a:p>
         </p:txBody>
       </p:sp>
@@ -4955,38 +6743,147 @@
         </p:nvSpPr>
         <p:spPr/>
         <p:txBody>
-          <a:bodyPr>
-            <a:normAutofit/>
+          <a:bodyPr/>
+          <a:lstStyle/>
+          <a:p>
+            <a:r>
+              <a:rPr lang="en-US" altLang="zh-TW" dirty="0"/>
+              <a:t>@Entity</a:t>
+            </a:r>
+            <a:endParaRPr lang="zh-TW" altLang="en-US" dirty="0"/>
+          </a:p>
+        </p:txBody>
+      </p:sp>
+      <p:sp>
+        <p:nvSpPr>
+          <p:cNvPr id="3" name="內容版面配置區 2"/>
+          <p:cNvSpPr>
+            <a:spLocks noGrp="1"/>
+          </p:cNvSpPr>
+          <p:nvPr>
+            <p:ph sz="quarter" idx="1"/>
+          </p:nvPr>
+        </p:nvSpPr>
+        <p:spPr/>
+        <p:txBody>
+          <a:bodyPr/>
+          <a:lstStyle/>
+          <a:p>
+            <a:r>
+              <a:rPr lang="en-US" altLang="zh-TW" dirty="0"/>
+              <a:t>@Entity </a:t>
+            </a:r>
+            <a:r>
+              <a:rPr lang="zh-TW" altLang="en-US" dirty="0"/>
+              <a:t>標註用於實體類聲明語句之前，指出該</a:t>
+            </a:r>
+            <a:r>
+              <a:rPr lang="en-US" altLang="zh-TW" dirty="0"/>
+              <a:t>Java </a:t>
+            </a:r>
+            <a:r>
+              <a:rPr lang="zh-TW" altLang="en-US" dirty="0"/>
+              <a:t>類為實體類，將映射到指定的資料庫表。如聲明一個實體類 </a:t>
+            </a:r>
+            <a:r>
+              <a:rPr lang="en-US" altLang="zh-TW" dirty="0"/>
+              <a:t>User</a:t>
+            </a:r>
+            <a:r>
+              <a:rPr lang="zh-TW" altLang="en-US" dirty="0"/>
+              <a:t>，它將映射到資料庫中的 </a:t>
+            </a:r>
+            <a:r>
+              <a:rPr lang="en-US" altLang="zh-TW" dirty="0"/>
+              <a:t>user </a:t>
+            </a:r>
+            <a:r>
+              <a:rPr lang="zh-TW" altLang="en-US" dirty="0"/>
+              <a:t>表上。</a:t>
+            </a:r>
+          </a:p>
+          <a:p>
+            <a:endParaRPr lang="zh-TW" altLang="en-US" dirty="0"/>
+          </a:p>
+        </p:txBody>
+      </p:sp>
+      <p:sp>
+        <p:nvSpPr>
+          <p:cNvPr id="4" name="文字方塊 3">
+            <a:extLst>
+              <a:ext uri="{FF2B5EF4-FFF2-40B4-BE49-F238E27FC236}">
+                <a16:creationId xmlns:a16="http://schemas.microsoft.com/office/drawing/2014/main" id="{E07E1D28-D75A-4B89-98DC-13C5ACD292C9}"/>
+              </a:ext>
+            </a:extLst>
+          </p:cNvPr>
+          <p:cNvSpPr txBox="1"/>
+          <p:nvPr/>
+        </p:nvSpPr>
+        <p:spPr>
+          <a:xfrm>
+            <a:off x="1043608" y="3272135"/>
+            <a:ext cx="6624736" cy="923330"/>
+          </a:xfrm>
+          <a:prstGeom prst="rect">
+            <a:avLst/>
+          </a:prstGeom>
+          <a:noFill/>
+        </p:spPr>
+        <p:txBody>
+          <a:bodyPr wrap="square" rtlCol="0">
+            <a:spAutoFit/>
           </a:bodyPr>
           <a:lstStyle/>
           <a:p>
             <a:r>
-              <a:rPr lang="en-US" altLang="zh-TW" sz="6000" dirty="0" smtClean="0">
-                <a:latin typeface="Consolas" panose="020B0609020204030204" pitchFamily="49" charset="0"/>
-              </a:rPr>
-              <a:t>Reference</a:t>
-            </a:r>
-            <a:endParaRPr lang="zh-TW" altLang="en-US" sz="6000" dirty="0">
-              <a:latin typeface="Consolas" panose="020B0609020204030204" pitchFamily="49" charset="0"/>
+              <a:rPr lang="en-US" altLang="zh-TW" dirty="0">
+                <a:solidFill>
+                  <a:srgbClr val="FF0000"/>
+                </a:solidFill>
+              </a:rPr>
+              <a:t>@</a:t>
+            </a:r>
+            <a:r>
+              <a:rPr lang="en-US" altLang="zh-TW" dirty="0" err="1">
+                <a:solidFill>
+                  <a:srgbClr val="FF0000"/>
+                </a:solidFill>
+              </a:rPr>
+              <a:t>javax.persistence.Entity</a:t>
+            </a:r>
+            <a:endParaRPr lang="en-US" altLang="zh-TW" dirty="0">
+              <a:solidFill>
+                <a:srgbClr val="FF0000"/>
+              </a:solidFill>
             </a:endParaRPr>
           </a:p>
-        </p:txBody>
-      </p:sp>
-      <p:sp>
-        <p:nvSpPr>
-          <p:cNvPr id="3" name="文字版面配置區 2"/>
-          <p:cNvSpPr>
-            <a:spLocks noGrp="1"/>
-          </p:cNvSpPr>
-          <p:nvPr>
-            <p:ph type="body" idx="1"/>
-          </p:nvPr>
-        </p:nvSpPr>
-        <p:spPr/>
-        <p:txBody>
-          <a:bodyPr/>
-          <a:lstStyle/>
-          <a:p>
+          <a:p>
+            <a:r>
+              <a:rPr lang="en-US" altLang="zh-TW" dirty="0"/>
+              <a:t>@Table(name = "</a:t>
+            </a:r>
+            <a:r>
+              <a:rPr lang="en-US" altLang="zh-TW" dirty="0" err="1"/>
+              <a:t>Dim_Store</a:t>
+            </a:r>
+            <a:r>
+              <a:rPr lang="en-US" altLang="zh-TW" dirty="0"/>
+              <a:t>")</a:t>
+            </a:r>
+          </a:p>
+          <a:p>
+            <a:r>
+              <a:rPr lang="en-US" altLang="zh-TW" b="1" dirty="0"/>
+              <a:t>public class </a:t>
+            </a:r>
+            <a:r>
+              <a:rPr lang="en-US" altLang="zh-TW" b="1" dirty="0" err="1"/>
+              <a:t>DimStore</a:t>
+            </a:r>
+            <a:r>
+              <a:rPr lang="en-US" altLang="zh-TW" b="1" dirty="0"/>
+              <a:t> extends Entity {</a:t>
+            </a:r>
             <a:endParaRPr lang="zh-TW" altLang="en-US" dirty="0"/>
           </a:p>
         </p:txBody>
@@ -4994,7 +6891,7 @@
     </p:spTree>
     <p:extLst>
       <p:ext uri="{BB962C8B-B14F-4D97-AF65-F5344CB8AC3E}">
-        <p14:creationId xmlns:p14="http://schemas.microsoft.com/office/powerpoint/2010/main" val="2349993791"/>
+        <p14:creationId xmlns:p14="http://schemas.microsoft.com/office/powerpoint/2010/main" val="2019996532"/>
       </p:ext>
     </p:extLst>
   </p:cSld>
@@ -5037,12 +6934,8 @@
           <a:lstStyle/>
           <a:p>
             <a:r>
-              <a:rPr lang="en-US" altLang="zh-TW" dirty="0" smtClean="0"/>
-              <a:t>Spring JPA </a:t>
-            </a:r>
-            <a:r>
-              <a:rPr lang="zh-TW" altLang="en-US" dirty="0" smtClean="0"/>
-              <a:t>配置</a:t>
+              <a:rPr lang="en-US" altLang="zh-TW" dirty="0"/>
+              <a:t>@Table</a:t>
             </a:r>
             <a:endParaRPr lang="zh-TW" altLang="en-US" dirty="0"/>
           </a:p>
@@ -5058,71 +6951,192 @@
             <p:ph sz="quarter" idx="1"/>
           </p:nvPr>
         </p:nvSpPr>
-        <p:spPr/>
-        <p:txBody>
-          <a:bodyPr/>
+        <p:spPr>
+          <a:xfrm>
+            <a:off x="914400" y="1447800"/>
+            <a:ext cx="7772400" cy="4572000"/>
+          </a:xfrm>
+        </p:spPr>
+        <p:txBody>
+          <a:bodyPr>
+            <a:normAutofit lnSpcReduction="10000"/>
+          </a:bodyPr>
+          <a:lstStyle/>
+          <a:p>
+            <a:r>
+              <a:rPr lang="zh-TW" altLang="en-US" dirty="0"/>
+              <a:t>當實體類與其映射的資料庫表名不同名時需要使用</a:t>
+            </a:r>
+            <a:r>
+              <a:rPr lang="en-US" altLang="zh-TW" dirty="0"/>
+              <a:t>@Table </a:t>
+            </a:r>
+            <a:r>
+              <a:rPr lang="zh-TW" altLang="en-US" dirty="0"/>
+              <a:t>標註說明，該標註與 </a:t>
+            </a:r>
+            <a:r>
+              <a:rPr lang="en-US" altLang="zh-TW" dirty="0"/>
+              <a:t>@Entity </a:t>
+            </a:r>
+            <a:r>
+              <a:rPr lang="zh-TW" altLang="en-US" dirty="0"/>
+              <a:t>標註並列使用，置於實體類聲明語句之前，可寫於單獨語句行，也可與聲明語句同行。</a:t>
+            </a:r>
+            <a:endParaRPr lang="en-US" altLang="zh-TW" dirty="0"/>
+          </a:p>
+          <a:p>
+            <a:r>
+              <a:rPr lang="en-US" altLang="zh-TW" dirty="0"/>
+              <a:t>@Table </a:t>
+            </a:r>
+            <a:r>
+              <a:rPr lang="zh-TW" altLang="en-US" dirty="0"/>
+              <a:t>標註的常用選項是 </a:t>
+            </a:r>
+            <a:r>
+              <a:rPr lang="en-US" altLang="zh-TW" b="1" dirty="0"/>
+              <a:t>name</a:t>
+            </a:r>
+            <a:r>
+              <a:rPr lang="zh-TW" altLang="en-US" dirty="0"/>
+              <a:t>，用於指明資料庫的表名</a:t>
+            </a:r>
+            <a:endParaRPr lang="en-US" altLang="zh-TW" dirty="0"/>
+          </a:p>
+          <a:p>
+            <a:r>
+              <a:rPr lang="en-US" altLang="zh-TW" dirty="0"/>
+              <a:t>@Table</a:t>
+            </a:r>
+            <a:r>
+              <a:rPr lang="zh-TW" altLang="en-US" dirty="0"/>
+              <a:t>標註還有一個兩個選項 </a:t>
+            </a:r>
+            <a:r>
+              <a:rPr lang="en-US" altLang="zh-TW" dirty="0"/>
+              <a:t>catalog </a:t>
+            </a:r>
+            <a:r>
+              <a:rPr lang="zh-TW" altLang="en-US" dirty="0"/>
+              <a:t>和 </a:t>
+            </a:r>
+            <a:r>
+              <a:rPr lang="en-US" altLang="zh-TW" dirty="0"/>
+              <a:t>schema </a:t>
+            </a:r>
+            <a:r>
+              <a:rPr lang="zh-TW" altLang="en-US" dirty="0"/>
+              <a:t>用於設置表所屬的資料庫目錄或模式，通常為資料庫名。</a:t>
+            </a:r>
+            <a:r>
+              <a:rPr lang="en-US" altLang="zh-TW" dirty="0" err="1"/>
+              <a:t>uniqueConstraints</a:t>
+            </a:r>
+            <a:r>
+              <a:rPr lang="en-US" altLang="zh-TW" dirty="0"/>
+              <a:t> </a:t>
+            </a:r>
+            <a:r>
+              <a:rPr lang="zh-TW" altLang="en-US" dirty="0"/>
+              <a:t>選項用於設置約束條件，通常不須設置。</a:t>
+            </a:r>
+            <a:br>
+              <a:rPr lang="zh-TW" altLang="en-US" dirty="0"/>
+            </a:br>
+            <a:endParaRPr lang="zh-TW" altLang="en-US" dirty="0"/>
+          </a:p>
+        </p:txBody>
+      </p:sp>
+      <p:sp>
+        <p:nvSpPr>
+          <p:cNvPr id="8" name="文字方塊 7">
+            <a:extLst>
+              <a:ext uri="{FF2B5EF4-FFF2-40B4-BE49-F238E27FC236}">
+                <a16:creationId xmlns:a16="http://schemas.microsoft.com/office/drawing/2014/main" id="{B79EABA9-4637-4E81-8FC9-8741129CD05C}"/>
+              </a:ext>
+            </a:extLst>
+          </p:cNvPr>
+          <p:cNvSpPr txBox="1"/>
+          <p:nvPr/>
+        </p:nvSpPr>
+        <p:spPr>
+          <a:xfrm>
+            <a:off x="1488232" y="5301208"/>
+            <a:ext cx="6624736" cy="923330"/>
+          </a:xfrm>
+          <a:prstGeom prst="rect">
+            <a:avLst/>
+          </a:prstGeom>
+          <a:noFill/>
+        </p:spPr>
+        <p:txBody>
+          <a:bodyPr wrap="square" rtlCol="0">
+            <a:spAutoFit/>
+          </a:bodyPr>
           <a:lstStyle/>
           <a:p>
             <a:r>
               <a:rPr lang="en-US" altLang="zh-TW" dirty="0">
-                <a:hlinkClick r:id="rId2"/>
-              </a:rPr>
-              <a:t>https://</a:t>
-            </a:r>
-            <a:r>
-              <a:rPr lang="en-US" altLang="zh-TW" dirty="0" smtClean="0">
-                <a:hlinkClick r:id="rId2"/>
-              </a:rPr>
-              <a:t>stevenitlife.blogspot.tw/2016/03/hibernate-spring-jpa-configure.html</a:t>
-            </a:r>
-            <a:endParaRPr lang="en-US" altLang="zh-TW" dirty="0" smtClean="0"/>
+                <a:solidFill>
+                  <a:srgbClr val="FF0000"/>
+                </a:solidFill>
+              </a:rPr>
+              <a:t>@</a:t>
+            </a:r>
+            <a:r>
+              <a:rPr lang="en-US" altLang="zh-TW" dirty="0" err="1">
+                <a:solidFill>
+                  <a:srgbClr val="FF0000"/>
+                </a:solidFill>
+              </a:rPr>
+              <a:t>javax.persistence.Entity</a:t>
+            </a:r>
+            <a:endParaRPr lang="en-US" altLang="zh-TW" dirty="0">
+              <a:solidFill>
+                <a:srgbClr val="FF0000"/>
+              </a:solidFill>
+            </a:endParaRPr>
           </a:p>
           <a:p>
             <a:r>
               <a:rPr lang="en-US" altLang="zh-TW" dirty="0">
-                <a:hlinkClick r:id="rId3"/>
-              </a:rPr>
-              <a:t>http://</a:t>
-            </a:r>
-            <a:r>
-              <a:rPr lang="en-US" altLang="zh-TW" dirty="0" smtClean="0">
-                <a:hlinkClick r:id="rId3"/>
-              </a:rPr>
-              <a:t>pro.ctlok.com/blog/2012/07/18/spring-integrate-jpa.html</a:t>
-            </a:r>
-            <a:endParaRPr lang="en-US" altLang="zh-TW" dirty="0" smtClean="0"/>
-          </a:p>
-          <a:p>
+                <a:solidFill>
+                  <a:srgbClr val="FF0000"/>
+                </a:solidFill>
+              </a:rPr>
+              <a:t>@Table(name = "</a:t>
+            </a:r>
+            <a:r>
+              <a:rPr lang="en-US" altLang="zh-TW" dirty="0" err="1">
+                <a:solidFill>
+                  <a:srgbClr val="FF0000"/>
+                </a:solidFill>
+              </a:rPr>
+              <a:t>Dim_Store</a:t>
+            </a:r>
             <a:r>
               <a:rPr lang="en-US" altLang="zh-TW" dirty="0">
-                <a:hlinkClick r:id="rId4"/>
-              </a:rPr>
-              <a:t>https://</a:t>
-            </a:r>
-            <a:r>
-              <a:rPr lang="en-US" altLang="zh-TW" dirty="0" smtClean="0">
-                <a:hlinkClick r:id="rId4"/>
-              </a:rPr>
-              <a:t>www.cnblogs.com/dreamroute/p/5173896.html</a:t>
-            </a:r>
-            <a:endParaRPr lang="en-US" altLang="zh-TW" dirty="0" smtClean="0"/>
-          </a:p>
-          <a:p>
-            <a:r>
-              <a:rPr lang="en-US" altLang="zh-TW" dirty="0">
-                <a:hlinkClick r:id="rId5"/>
-              </a:rPr>
-              <a:t>https://www.ibm.com/developerworks/cn/opensource/os-cn-spring-jpa</a:t>
-            </a:r>
-            <a:r>
-              <a:rPr lang="en-US" altLang="zh-TW" dirty="0" smtClean="0">
-                <a:hlinkClick r:id="rId5"/>
-              </a:rPr>
-              <a:t>/</a:t>
-            </a:r>
-            <a:endParaRPr lang="en-US" altLang="zh-TW" dirty="0" smtClean="0"/>
-          </a:p>
-          <a:p>
+                <a:solidFill>
+                  <a:srgbClr val="FF0000"/>
+                </a:solidFill>
+              </a:rPr>
+              <a:t>")</a:t>
+            </a:r>
+          </a:p>
+          <a:p>
+            <a:r>
+              <a:rPr lang="en-US" altLang="zh-TW" b="1" dirty="0"/>
+              <a:t>public class </a:t>
+            </a:r>
+            <a:r>
+              <a:rPr lang="en-US" altLang="zh-TW" b="1" dirty="0" err="1"/>
+              <a:t>DimStore</a:t>
+            </a:r>
+            <a:r>
+              <a:rPr lang="en-US" altLang="zh-TW" b="1" dirty="0"/>
+              <a:t> extends Entity {</a:t>
+            </a:r>
             <a:endParaRPr lang="zh-TW" altLang="en-US" dirty="0"/>
           </a:p>
         </p:txBody>
@@ -5130,7 +7144,7 @@
     </p:spTree>
     <p:extLst>
       <p:ext uri="{BB962C8B-B14F-4D97-AF65-F5344CB8AC3E}">
-        <p14:creationId xmlns:p14="http://schemas.microsoft.com/office/powerpoint/2010/main" val="2205528178"/>
+        <p14:creationId xmlns:p14="http://schemas.microsoft.com/office/powerpoint/2010/main" val="3884606000"/>
       </p:ext>
     </p:extLst>
   </p:cSld>

--- a/doc/Spring JPA配置.pptx
+++ b/doc/Spring JPA配置.pptx
@@ -20,11 +20,12 @@
     <p:sldId id="271" r:id="rId14"/>
     <p:sldId id="272" r:id="rId15"/>
     <p:sldId id="274" r:id="rId16"/>
-    <p:sldId id="275" r:id="rId17"/>
-    <p:sldId id="259" r:id="rId18"/>
-    <p:sldId id="258" r:id="rId19"/>
-    <p:sldId id="260" r:id="rId20"/>
-    <p:sldId id="261" r:id="rId21"/>
+    <p:sldId id="276" r:id="rId17"/>
+    <p:sldId id="275" r:id="rId18"/>
+    <p:sldId id="259" r:id="rId19"/>
+    <p:sldId id="258" r:id="rId20"/>
+    <p:sldId id="260" r:id="rId21"/>
+    <p:sldId id="261" r:id="rId22"/>
   </p:sldIdLst>
   <p:sldSz cx="9144000" cy="6858000" type="screen4x3"/>
   <p:notesSz cx="6858000" cy="9144000"/>
@@ -336,7 +337,7 @@
           <a:p>
             <a:fld id="{5BBEAD13-0566-4C6C-97E7-55F17F24B09F}" type="datetimeFigureOut">
               <a:rPr lang="zh-TW" altLang="en-US" smtClean="0"/>
-              <a:t>2018/5/26</a:t>
+              <a:t>2018/5/27</a:t>
             </a:fld>
             <a:endParaRPr lang="zh-TW" altLang="en-US"/>
           </a:p>
@@ -689,7 +690,7 @@
           <a:p>
             <a:fld id="{5BBEAD13-0566-4C6C-97E7-55F17F24B09F}" type="datetimeFigureOut">
               <a:rPr lang="zh-TW" altLang="en-US" smtClean="0"/>
-              <a:t>2018/5/26</a:t>
+              <a:t>2018/5/27</a:t>
             </a:fld>
             <a:endParaRPr lang="zh-TW" altLang="en-US"/>
           </a:p>
@@ -864,7 +865,7 @@
           <a:p>
             <a:fld id="{5BBEAD13-0566-4C6C-97E7-55F17F24B09F}" type="datetimeFigureOut">
               <a:rPr lang="zh-TW" altLang="en-US" smtClean="0"/>
-              <a:t>2018/5/26</a:t>
+              <a:t>2018/5/27</a:t>
             </a:fld>
             <a:endParaRPr lang="zh-TW" altLang="en-US"/>
           </a:p>
@@ -977,7 +978,7 @@
           <a:p>
             <a:fld id="{5BBEAD13-0566-4C6C-97E7-55F17F24B09F}" type="datetimeFigureOut">
               <a:rPr lang="zh-TW" altLang="en-US" smtClean="0"/>
-              <a:t>2018/5/26</a:t>
+              <a:t>2018/5/27</a:t>
             </a:fld>
             <a:endParaRPr lang="zh-TW" altLang="en-US"/>
           </a:p>
@@ -1335,7 +1336,7 @@
           <a:p>
             <a:fld id="{5BBEAD13-0566-4C6C-97E7-55F17F24B09F}" type="datetimeFigureOut">
               <a:rPr lang="zh-TW" altLang="en-US" smtClean="0"/>
-              <a:t>2018/5/26</a:t>
+              <a:t>2018/5/27</a:t>
             </a:fld>
             <a:endParaRPr lang="zh-TW" altLang="en-US"/>
           </a:p>
@@ -1600,7 +1601,7 @@
           <a:p>
             <a:fld id="{5BBEAD13-0566-4C6C-97E7-55F17F24B09F}" type="datetimeFigureOut">
               <a:rPr lang="zh-TW" altLang="en-US" smtClean="0"/>
-              <a:t>2018/5/26</a:t>
+              <a:t>2018/5/27</a:t>
             </a:fld>
             <a:endParaRPr lang="zh-TW" altLang="en-US"/>
           </a:p>
@@ -1962,7 +1963,7 @@
           <a:p>
             <a:fld id="{5BBEAD13-0566-4C6C-97E7-55F17F24B09F}" type="datetimeFigureOut">
               <a:rPr lang="zh-TW" altLang="en-US" smtClean="0"/>
-              <a:t>2018/5/26</a:t>
+              <a:t>2018/5/27</a:t>
             </a:fld>
             <a:endParaRPr lang="zh-TW" altLang="en-US"/>
           </a:p>
@@ -2189,7 +2190,7 @@
           <a:p>
             <a:fld id="{5BBEAD13-0566-4C6C-97E7-55F17F24B09F}" type="datetimeFigureOut">
               <a:rPr lang="zh-TW" altLang="en-US" smtClean="0"/>
-              <a:t>2018/5/26</a:t>
+              <a:t>2018/5/27</a:t>
             </a:fld>
             <a:endParaRPr lang="zh-TW" altLang="en-US"/>
           </a:p>
@@ -2279,7 +2280,7 @@
           <a:p>
             <a:fld id="{5BBEAD13-0566-4C6C-97E7-55F17F24B09F}" type="datetimeFigureOut">
               <a:rPr lang="zh-TW" altLang="en-US" smtClean="0"/>
-              <a:t>2018/5/26</a:t>
+              <a:t>2018/5/27</a:t>
             </a:fld>
             <a:endParaRPr lang="zh-TW" altLang="en-US"/>
           </a:p>
@@ -2546,7 +2547,7 @@
           <a:p>
             <a:fld id="{5BBEAD13-0566-4C6C-97E7-55F17F24B09F}" type="datetimeFigureOut">
               <a:rPr lang="zh-TW" altLang="en-US" smtClean="0"/>
-              <a:t>2018/5/26</a:t>
+              <a:t>2018/5/27</a:t>
             </a:fld>
             <a:endParaRPr lang="zh-TW" altLang="en-US"/>
           </a:p>
@@ -2774,7 +2775,7 @@
           <a:p>
             <a:fld id="{5BBEAD13-0566-4C6C-97E7-55F17F24B09F}" type="datetimeFigureOut">
               <a:rPr lang="zh-TW" altLang="en-US" smtClean="0"/>
-              <a:t>2018/5/26</a:t>
+              <a:t>2018/5/27</a:t>
             </a:fld>
             <a:endParaRPr lang="zh-TW" altLang="en-US"/>
           </a:p>
@@ -3273,7 +3274,7 @@
           <a:p>
             <a:fld id="{5BBEAD13-0566-4C6C-97E7-55F17F24B09F}" type="datetimeFigureOut">
               <a:rPr lang="zh-TW" altLang="en-US" smtClean="0"/>
-              <a:t>2018/5/26</a:t>
+              <a:t>2018/5/27</a:t>
             </a:fld>
             <a:endParaRPr lang="zh-TW" altLang="en-US"/>
           </a:p>
@@ -5188,7 +5189,7 @@
           <p:cNvPr id="2" name="標題 1">
             <a:extLst>
               <a:ext uri="{FF2B5EF4-FFF2-40B4-BE49-F238E27FC236}">
-                <a16:creationId xmlns:a16="http://schemas.microsoft.com/office/drawing/2014/main" id="{CF2E329D-3848-4DF9-9894-DB8E9C60DCA9}"/>
+                <a16:creationId xmlns:a16="http://schemas.microsoft.com/office/drawing/2014/main" id="{889FC779-00C8-44E7-BF69-CE17D3717732}"/>
               </a:ext>
             </a:extLst>
           </p:cNvPr>
@@ -5201,52 +5202,67 @@
         </p:nvSpPr>
         <p:spPr/>
         <p:txBody>
+          <a:bodyPr/>
+          <a:lstStyle/>
+          <a:p>
+            <a:r>
+              <a:rPr lang="en-US" altLang="zh-TW" dirty="0"/>
+              <a:t>@</a:t>
+            </a:r>
+            <a:r>
+              <a:rPr lang="en-US" altLang="zh-TW" dirty="0" err="1"/>
+              <a:t>OneToMany</a:t>
+            </a:r>
+            <a:r>
+              <a:rPr lang="en-US" altLang="zh-TW" dirty="0"/>
+              <a:t> (</a:t>
+            </a:r>
+            <a:r>
+              <a:rPr lang="zh-CN" altLang="en-US" dirty="0"/>
+              <a:t>一對多關聯性</a:t>
+            </a:r>
+            <a:r>
+              <a:rPr lang="en-US" altLang="zh-TW" dirty="0"/>
+              <a:t>)</a:t>
+            </a:r>
+            <a:endParaRPr lang="zh-TW" altLang="en-US" dirty="0"/>
+          </a:p>
+        </p:txBody>
+      </p:sp>
+      <p:sp>
+        <p:nvSpPr>
+          <p:cNvPr id="3" name="內容版面配置區 2">
+            <a:extLst>
+              <a:ext uri="{FF2B5EF4-FFF2-40B4-BE49-F238E27FC236}">
+                <a16:creationId xmlns:a16="http://schemas.microsoft.com/office/drawing/2014/main" id="{E04BB258-55B3-49C7-A4CA-A43FCE0AC422}"/>
+              </a:ext>
+            </a:extLst>
+          </p:cNvPr>
+          <p:cNvSpPr>
+            <a:spLocks noGrp="1"/>
+          </p:cNvSpPr>
+          <p:nvPr>
+            <p:ph sz="quarter" idx="1"/>
+          </p:nvPr>
+        </p:nvSpPr>
+        <p:spPr/>
+        <p:txBody>
           <a:bodyPr>
             <a:normAutofit/>
           </a:bodyPr>
           <a:lstStyle/>
           <a:p>
             <a:r>
-              <a:rPr lang="en-US" altLang="zh-TW" sz="6000" dirty="0"/>
-              <a:t>JPA</a:t>
-            </a:r>
-            <a:r>
-              <a:rPr lang="zh-CN" altLang="en-US" sz="6000" dirty="0"/>
-              <a:t>的配置</a:t>
-            </a:r>
-            <a:endParaRPr lang="zh-TW" altLang="en-US" sz="6000" dirty="0"/>
-          </a:p>
-        </p:txBody>
-      </p:sp>
-      <p:sp>
-        <p:nvSpPr>
-          <p:cNvPr id="3" name="文字版面配置區 2">
-            <a:extLst>
-              <a:ext uri="{FF2B5EF4-FFF2-40B4-BE49-F238E27FC236}">
-                <a16:creationId xmlns:a16="http://schemas.microsoft.com/office/drawing/2014/main" id="{55923FA7-C953-4F6A-8B81-6BAEF2F89D6A}"/>
-              </a:ext>
-            </a:extLst>
-          </p:cNvPr>
-          <p:cNvSpPr>
-            <a:spLocks noGrp="1"/>
-          </p:cNvSpPr>
-          <p:nvPr>
-            <p:ph type="body" idx="1"/>
-          </p:nvPr>
-        </p:nvSpPr>
-        <p:spPr/>
-        <p:txBody>
-          <a:bodyPr/>
-          <a:lstStyle/>
-          <a:p>
-            <a:endParaRPr lang="zh-TW" altLang="en-US"/>
+              <a:rPr lang="zh-TW" altLang="en-US" dirty="0"/>
+              <a:t>單邊的一對多關聯性是指一方有集合屬性，包含多個多方，而多方沒有一方的參考</a:t>
+            </a:r>
           </a:p>
         </p:txBody>
       </p:sp>
     </p:spTree>
     <p:extLst>
       <p:ext uri="{BB962C8B-B14F-4D97-AF65-F5344CB8AC3E}">
-        <p14:creationId xmlns:p14="http://schemas.microsoft.com/office/powerpoint/2010/main" val="402189255"/>
+        <p14:creationId xmlns:p14="http://schemas.microsoft.com/office/powerpoint/2010/main" val="3793197950"/>
       </p:ext>
     </p:extLst>
   </p:cSld>
@@ -5275,7 +5291,13 @@
       </p:grpSpPr>
       <p:sp>
         <p:nvSpPr>
-          <p:cNvPr id="2" name="標題 1"/>
+          <p:cNvPr id="2" name="標題 1">
+            <a:extLst>
+              <a:ext uri="{FF2B5EF4-FFF2-40B4-BE49-F238E27FC236}">
+                <a16:creationId xmlns:a16="http://schemas.microsoft.com/office/drawing/2014/main" id="{CF2E329D-3848-4DF9-9894-DB8E9C60DCA9}"/>
+              </a:ext>
+            </a:extLst>
+          </p:cNvPr>
           <p:cNvSpPr>
             <a:spLocks noGrp="1"/>
           </p:cNvSpPr>
@@ -5291,20 +5313,26 @@
           <a:lstStyle/>
           <a:p>
             <a:r>
-              <a:rPr lang="en-US" altLang="zh-TW" sz="6000" dirty="0">
-                <a:latin typeface="Consolas" panose="020B0609020204030204" pitchFamily="49" charset="0"/>
-              </a:rPr>
-              <a:t>Reference</a:t>
-            </a:r>
-            <a:endParaRPr lang="zh-TW" altLang="en-US" sz="6000" dirty="0">
-              <a:latin typeface="Consolas" panose="020B0609020204030204" pitchFamily="49" charset="0"/>
-            </a:endParaRPr>
-          </a:p>
-        </p:txBody>
-      </p:sp>
-      <p:sp>
-        <p:nvSpPr>
-          <p:cNvPr id="3" name="文字版面配置區 2"/>
+              <a:rPr lang="en-US" altLang="zh-TW" sz="6000" dirty="0"/>
+              <a:t>JPA</a:t>
+            </a:r>
+            <a:r>
+              <a:rPr lang="zh-CN" altLang="en-US" sz="6000" dirty="0"/>
+              <a:t>的配置</a:t>
+            </a:r>
+            <a:endParaRPr lang="zh-TW" altLang="en-US" sz="6000" dirty="0"/>
+          </a:p>
+        </p:txBody>
+      </p:sp>
+      <p:sp>
+        <p:nvSpPr>
+          <p:cNvPr id="3" name="文字版面配置區 2">
+            <a:extLst>
+              <a:ext uri="{FF2B5EF4-FFF2-40B4-BE49-F238E27FC236}">
+                <a16:creationId xmlns:a16="http://schemas.microsoft.com/office/drawing/2014/main" id="{55923FA7-C953-4F6A-8B81-6BAEF2F89D6A}"/>
+              </a:ext>
+            </a:extLst>
+          </p:cNvPr>
           <p:cNvSpPr>
             <a:spLocks noGrp="1"/>
           </p:cNvSpPr>
@@ -5317,14 +5345,14 @@
           <a:bodyPr/>
           <a:lstStyle/>
           <a:p>
-            <a:endParaRPr lang="zh-TW" altLang="en-US" dirty="0"/>
+            <a:endParaRPr lang="zh-TW" altLang="en-US"/>
           </a:p>
         </p:txBody>
       </p:sp>
     </p:spTree>
     <p:extLst>
       <p:ext uri="{BB962C8B-B14F-4D97-AF65-F5344CB8AC3E}">
-        <p14:creationId xmlns:p14="http://schemas.microsoft.com/office/powerpoint/2010/main" val="2349993791"/>
+        <p14:creationId xmlns:p14="http://schemas.microsoft.com/office/powerpoint/2010/main" val="402189255"/>
       </p:ext>
     </p:extLst>
   </p:cSld>
@@ -5363,70 +5391,37 @@
         </p:nvSpPr>
         <p:spPr/>
         <p:txBody>
+          <a:bodyPr>
+            <a:normAutofit/>
+          </a:bodyPr>
+          <a:lstStyle/>
+          <a:p>
+            <a:r>
+              <a:rPr lang="en-US" altLang="zh-TW" sz="6000" dirty="0">
+                <a:latin typeface="Consolas" panose="020B0609020204030204" pitchFamily="49" charset="0"/>
+              </a:rPr>
+              <a:t>Reference</a:t>
+            </a:r>
+            <a:endParaRPr lang="zh-TW" altLang="en-US" sz="6000" dirty="0">
+              <a:latin typeface="Consolas" panose="020B0609020204030204" pitchFamily="49" charset="0"/>
+            </a:endParaRPr>
+          </a:p>
+        </p:txBody>
+      </p:sp>
+      <p:sp>
+        <p:nvSpPr>
+          <p:cNvPr id="3" name="文字版面配置區 2"/>
+          <p:cNvSpPr>
+            <a:spLocks noGrp="1"/>
+          </p:cNvSpPr>
+          <p:nvPr>
+            <p:ph type="body" idx="1"/>
+          </p:nvPr>
+        </p:nvSpPr>
+        <p:spPr/>
+        <p:txBody>
           <a:bodyPr/>
           <a:lstStyle/>
-          <a:p>
-            <a:r>
-              <a:rPr lang="en-US" altLang="zh-TW" dirty="0"/>
-              <a:t>Spring JPA </a:t>
-            </a:r>
-            <a:r>
-              <a:rPr lang="zh-TW" altLang="en-US" dirty="0"/>
-              <a:t>配置</a:t>
-            </a:r>
-          </a:p>
-        </p:txBody>
-      </p:sp>
-      <p:sp>
-        <p:nvSpPr>
-          <p:cNvPr id="3" name="內容版面配置區 2"/>
-          <p:cNvSpPr>
-            <a:spLocks noGrp="1"/>
-          </p:cNvSpPr>
-          <p:nvPr>
-            <p:ph sz="quarter" idx="1"/>
-          </p:nvPr>
-        </p:nvSpPr>
-        <p:spPr/>
-        <p:txBody>
-          <a:bodyPr/>
-          <a:lstStyle/>
-          <a:p>
-            <a:r>
-              <a:rPr lang="en-US" altLang="zh-TW" dirty="0">
-                <a:hlinkClick r:id="rId2"/>
-              </a:rPr>
-              <a:t>https://stevenitlife.blogspot.tw/2016/03/hibernate-spring-jpa-configure.html</a:t>
-            </a:r>
-            <a:endParaRPr lang="en-US" altLang="zh-TW" dirty="0"/>
-          </a:p>
-          <a:p>
-            <a:r>
-              <a:rPr lang="en-US" altLang="zh-TW" dirty="0">
-                <a:hlinkClick r:id="rId3"/>
-              </a:rPr>
-              <a:t>http://pro.ctlok.com/blog/2012/07/18/spring-integrate-jpa.html</a:t>
-            </a:r>
-            <a:endParaRPr lang="en-US" altLang="zh-TW" dirty="0"/>
-          </a:p>
-          <a:p>
-            <a:r>
-              <a:rPr lang="en-US" altLang="zh-TW" dirty="0">
-                <a:hlinkClick r:id="rId4"/>
-              </a:rPr>
-              <a:t>https://www.cnblogs.com/dreamroute/p/5173896.html</a:t>
-            </a:r>
-            <a:endParaRPr lang="en-US" altLang="zh-TW" dirty="0"/>
-          </a:p>
-          <a:p>
-            <a:r>
-              <a:rPr lang="en-US" altLang="zh-TW" dirty="0">
-                <a:hlinkClick r:id="rId5"/>
-              </a:rPr>
-              <a:t>https://www.ibm.com/developerworks/cn/opensource/os-cn-spring-jpa/</a:t>
-            </a:r>
-            <a:endParaRPr lang="en-US" altLang="zh-TW" dirty="0"/>
-          </a:p>
           <a:p>
             <a:endParaRPr lang="zh-TW" altLang="en-US" dirty="0"/>
           </a:p>
@@ -5435,7 +5430,7 @@
     </p:spTree>
     <p:extLst>
       <p:ext uri="{BB962C8B-B14F-4D97-AF65-F5344CB8AC3E}">
-        <p14:creationId xmlns:p14="http://schemas.microsoft.com/office/powerpoint/2010/main" val="2205528178"/>
+        <p14:creationId xmlns:p14="http://schemas.microsoft.com/office/powerpoint/2010/main" val="2349993791"/>
       </p:ext>
     </p:extLst>
   </p:cSld>
@@ -5479,11 +5474,11 @@
           <a:p>
             <a:r>
               <a:rPr lang="en-US" altLang="zh-TW" dirty="0"/>
-              <a:t>Hibernate</a:t>
+              <a:t>Spring JPA </a:t>
             </a:r>
             <a:r>
               <a:rPr lang="zh-TW" altLang="en-US" dirty="0"/>
-              <a:t>參數說明</a:t>
+              <a:t>配置</a:t>
             </a:r>
           </a:p>
         </p:txBody>
@@ -5507,7 +5502,7 @@
               <a:rPr lang="en-US" altLang="zh-TW" dirty="0">
                 <a:hlinkClick r:id="rId2"/>
               </a:rPr>
-              <a:t>https://docs.jboss.org/hibernate/orm/3.3/reference/en-US/html/session-configuration.html</a:t>
+              <a:t>https://stevenitlife.blogspot.tw/2016/03/hibernate-spring-jpa-configure.html</a:t>
             </a:r>
             <a:endParaRPr lang="en-US" altLang="zh-TW" dirty="0"/>
           </a:p>
@@ -5516,7 +5511,25 @@
               <a:rPr lang="en-US" altLang="zh-TW" dirty="0">
                 <a:hlinkClick r:id="rId3"/>
               </a:rPr>
-              <a:t>https://sites.google.com/a/mis.nsysu.edu.tw/cheng-shi-zi-xun-wang/java-ee-jin-jie-pian/hibernate-ji-shu/ji-chu-ru-men/jian-dan-fan-li/di-yi-gehibernate-cheng-shi</a:t>
+              <a:t>http://pro.ctlok.com/blog/2012/07/18/spring-integrate-jpa.html</a:t>
+            </a:r>
+            <a:endParaRPr lang="en-US" altLang="zh-TW" dirty="0"/>
+          </a:p>
+          <a:p>
+            <a:r>
+              <a:rPr lang="en-US" altLang="zh-TW" dirty="0">
+                <a:hlinkClick r:id="rId4"/>
+              </a:rPr>
+              <a:t>https://www.cnblogs.com/dreamroute/p/5173896.html</a:t>
+            </a:r>
+            <a:endParaRPr lang="en-US" altLang="zh-TW" dirty="0"/>
+          </a:p>
+          <a:p>
+            <a:r>
+              <a:rPr lang="en-US" altLang="zh-TW" dirty="0">
+                <a:hlinkClick r:id="rId5"/>
+              </a:rPr>
+              <a:t>https://www.ibm.com/developerworks/cn/opensource/os-cn-spring-jpa/</a:t>
             </a:r>
             <a:endParaRPr lang="en-US" altLang="zh-TW" dirty="0"/>
           </a:p>
@@ -5528,7 +5541,7 @@
     </p:spTree>
     <p:extLst>
       <p:ext uri="{BB962C8B-B14F-4D97-AF65-F5344CB8AC3E}">
-        <p14:creationId xmlns:p14="http://schemas.microsoft.com/office/powerpoint/2010/main" val="2390053485"/>
+        <p14:creationId xmlns:p14="http://schemas.microsoft.com/office/powerpoint/2010/main" val="2205528178"/>
       </p:ext>
     </p:extLst>
   </p:cSld>
@@ -5656,6 +5669,99 @@
 </file>
 
 <file path=ppt/slides/slide20.xml><?xml version="1.0" encoding="utf-8"?>
+<p:sld xmlns:a="http://schemas.openxmlformats.org/drawingml/2006/main" xmlns:r="http://schemas.openxmlformats.org/officeDocument/2006/relationships" xmlns:p="http://schemas.openxmlformats.org/presentationml/2006/main">
+  <p:cSld>
+    <p:spTree>
+      <p:nvGrpSpPr>
+        <p:cNvPr id="1" name=""/>
+        <p:cNvGrpSpPr/>
+        <p:nvPr/>
+      </p:nvGrpSpPr>
+      <p:grpSpPr>
+        <a:xfrm>
+          <a:off x="0" y="0"/>
+          <a:ext cx="0" cy="0"/>
+          <a:chOff x="0" y="0"/>
+          <a:chExt cx="0" cy="0"/>
+        </a:xfrm>
+      </p:grpSpPr>
+      <p:sp>
+        <p:nvSpPr>
+          <p:cNvPr id="2" name="標題 1"/>
+          <p:cNvSpPr>
+            <a:spLocks noGrp="1"/>
+          </p:cNvSpPr>
+          <p:nvPr>
+            <p:ph type="title"/>
+          </p:nvPr>
+        </p:nvSpPr>
+        <p:spPr/>
+        <p:txBody>
+          <a:bodyPr/>
+          <a:lstStyle/>
+          <a:p>
+            <a:r>
+              <a:rPr lang="en-US" altLang="zh-TW" dirty="0"/>
+              <a:t>Hibernate</a:t>
+            </a:r>
+            <a:r>
+              <a:rPr lang="zh-TW" altLang="en-US" dirty="0"/>
+              <a:t>參數說明</a:t>
+            </a:r>
+          </a:p>
+        </p:txBody>
+      </p:sp>
+      <p:sp>
+        <p:nvSpPr>
+          <p:cNvPr id="3" name="內容版面配置區 2"/>
+          <p:cNvSpPr>
+            <a:spLocks noGrp="1"/>
+          </p:cNvSpPr>
+          <p:nvPr>
+            <p:ph sz="quarter" idx="1"/>
+          </p:nvPr>
+        </p:nvSpPr>
+        <p:spPr/>
+        <p:txBody>
+          <a:bodyPr/>
+          <a:lstStyle/>
+          <a:p>
+            <a:r>
+              <a:rPr lang="en-US" altLang="zh-TW" dirty="0">
+                <a:hlinkClick r:id="rId2"/>
+              </a:rPr>
+              <a:t>https://docs.jboss.org/hibernate/orm/3.3/reference/en-US/html/session-configuration.html</a:t>
+            </a:r>
+            <a:endParaRPr lang="en-US" altLang="zh-TW" dirty="0"/>
+          </a:p>
+          <a:p>
+            <a:r>
+              <a:rPr lang="en-US" altLang="zh-TW" dirty="0">
+                <a:hlinkClick r:id="rId3"/>
+              </a:rPr>
+              <a:t>https://sites.google.com/a/mis.nsysu.edu.tw/cheng-shi-zi-xun-wang/java-ee-jin-jie-pian/hibernate-ji-shu/ji-chu-ru-men/jian-dan-fan-li/di-yi-gehibernate-cheng-shi</a:t>
+            </a:r>
+            <a:endParaRPr lang="en-US" altLang="zh-TW" dirty="0"/>
+          </a:p>
+          <a:p>
+            <a:endParaRPr lang="zh-TW" altLang="en-US" dirty="0"/>
+          </a:p>
+        </p:txBody>
+      </p:sp>
+    </p:spTree>
+    <p:extLst>
+      <p:ext uri="{BB962C8B-B14F-4D97-AF65-F5344CB8AC3E}">
+        <p14:creationId xmlns:p14="http://schemas.microsoft.com/office/powerpoint/2010/main" val="2390053485"/>
+      </p:ext>
+    </p:extLst>
+  </p:cSld>
+  <p:clrMapOvr>
+    <a:masterClrMapping/>
+  </p:clrMapOvr>
+</p:sld>
+</file>
+
+<file path=ppt/slides/slide21.xml><?xml version="1.0" encoding="utf-8"?>
 <p:sld xmlns:a="http://schemas.openxmlformats.org/drawingml/2006/main" xmlns:r="http://schemas.openxmlformats.org/officeDocument/2006/relationships" xmlns:p="http://schemas.openxmlformats.org/presentationml/2006/main">
   <p:cSld>
     <p:spTree>

--- a/doc/Spring JPA配置.pptx
+++ b/doc/Spring JPA配置.pptx
@@ -20,12 +20,16 @@
     <p:sldId id="271" r:id="rId14"/>
     <p:sldId id="272" r:id="rId15"/>
     <p:sldId id="274" r:id="rId16"/>
-    <p:sldId id="276" r:id="rId17"/>
-    <p:sldId id="275" r:id="rId18"/>
-    <p:sldId id="259" r:id="rId19"/>
-    <p:sldId id="258" r:id="rId20"/>
-    <p:sldId id="260" r:id="rId21"/>
-    <p:sldId id="261" r:id="rId22"/>
+    <p:sldId id="280" r:id="rId17"/>
+    <p:sldId id="276" r:id="rId18"/>
+    <p:sldId id="279" r:id="rId19"/>
+    <p:sldId id="277" r:id="rId20"/>
+    <p:sldId id="278" r:id="rId21"/>
+    <p:sldId id="275" r:id="rId22"/>
+    <p:sldId id="259" r:id="rId23"/>
+    <p:sldId id="258" r:id="rId24"/>
+    <p:sldId id="260" r:id="rId25"/>
+    <p:sldId id="261" r:id="rId26"/>
   </p:sldIdLst>
   <p:sldSz cx="9144000" cy="6858000" type="screen4x3"/>
   <p:notesSz cx="6858000" cy="9144000"/>
@@ -337,7 +341,7 @@
           <a:p>
             <a:fld id="{5BBEAD13-0566-4C6C-97E7-55F17F24B09F}" type="datetimeFigureOut">
               <a:rPr lang="zh-TW" altLang="en-US" smtClean="0"/>
-              <a:t>2018/5/27</a:t>
+              <a:t>2018/5/29</a:t>
             </a:fld>
             <a:endParaRPr lang="zh-TW" altLang="en-US"/>
           </a:p>
@@ -690,7 +694,7 @@
           <a:p>
             <a:fld id="{5BBEAD13-0566-4C6C-97E7-55F17F24B09F}" type="datetimeFigureOut">
               <a:rPr lang="zh-TW" altLang="en-US" smtClean="0"/>
-              <a:t>2018/5/27</a:t>
+              <a:t>2018/5/29</a:t>
             </a:fld>
             <a:endParaRPr lang="zh-TW" altLang="en-US"/>
           </a:p>
@@ -865,7 +869,7 @@
           <a:p>
             <a:fld id="{5BBEAD13-0566-4C6C-97E7-55F17F24B09F}" type="datetimeFigureOut">
               <a:rPr lang="zh-TW" altLang="en-US" smtClean="0"/>
-              <a:t>2018/5/27</a:t>
+              <a:t>2018/5/29</a:t>
             </a:fld>
             <a:endParaRPr lang="zh-TW" altLang="en-US"/>
           </a:p>
@@ -978,7 +982,7 @@
           <a:p>
             <a:fld id="{5BBEAD13-0566-4C6C-97E7-55F17F24B09F}" type="datetimeFigureOut">
               <a:rPr lang="zh-TW" altLang="en-US" smtClean="0"/>
-              <a:t>2018/5/27</a:t>
+              <a:t>2018/5/29</a:t>
             </a:fld>
             <a:endParaRPr lang="zh-TW" altLang="en-US"/>
           </a:p>
@@ -1336,7 +1340,7 @@
           <a:p>
             <a:fld id="{5BBEAD13-0566-4C6C-97E7-55F17F24B09F}" type="datetimeFigureOut">
               <a:rPr lang="zh-TW" altLang="en-US" smtClean="0"/>
-              <a:t>2018/5/27</a:t>
+              <a:t>2018/5/29</a:t>
             </a:fld>
             <a:endParaRPr lang="zh-TW" altLang="en-US"/>
           </a:p>
@@ -1601,7 +1605,7 @@
           <a:p>
             <a:fld id="{5BBEAD13-0566-4C6C-97E7-55F17F24B09F}" type="datetimeFigureOut">
               <a:rPr lang="zh-TW" altLang="en-US" smtClean="0"/>
-              <a:t>2018/5/27</a:t>
+              <a:t>2018/5/29</a:t>
             </a:fld>
             <a:endParaRPr lang="zh-TW" altLang="en-US"/>
           </a:p>
@@ -1963,7 +1967,7 @@
           <a:p>
             <a:fld id="{5BBEAD13-0566-4C6C-97E7-55F17F24B09F}" type="datetimeFigureOut">
               <a:rPr lang="zh-TW" altLang="en-US" smtClean="0"/>
-              <a:t>2018/5/27</a:t>
+              <a:t>2018/5/29</a:t>
             </a:fld>
             <a:endParaRPr lang="zh-TW" altLang="en-US"/>
           </a:p>
@@ -2190,7 +2194,7 @@
           <a:p>
             <a:fld id="{5BBEAD13-0566-4C6C-97E7-55F17F24B09F}" type="datetimeFigureOut">
               <a:rPr lang="zh-TW" altLang="en-US" smtClean="0"/>
-              <a:t>2018/5/27</a:t>
+              <a:t>2018/5/29</a:t>
             </a:fld>
             <a:endParaRPr lang="zh-TW" altLang="en-US"/>
           </a:p>
@@ -2280,7 +2284,7 @@
           <a:p>
             <a:fld id="{5BBEAD13-0566-4C6C-97E7-55F17F24B09F}" type="datetimeFigureOut">
               <a:rPr lang="zh-TW" altLang="en-US" smtClean="0"/>
-              <a:t>2018/5/27</a:t>
+              <a:t>2018/5/29</a:t>
             </a:fld>
             <a:endParaRPr lang="zh-TW" altLang="en-US"/>
           </a:p>
@@ -2547,7 +2551,7 @@
           <a:p>
             <a:fld id="{5BBEAD13-0566-4C6C-97E7-55F17F24B09F}" type="datetimeFigureOut">
               <a:rPr lang="zh-TW" altLang="en-US" smtClean="0"/>
-              <a:t>2018/5/27</a:t>
+              <a:t>2018/5/29</a:t>
             </a:fld>
             <a:endParaRPr lang="zh-TW" altLang="en-US"/>
           </a:p>
@@ -2775,7 +2779,7 @@
           <a:p>
             <a:fld id="{5BBEAD13-0566-4C6C-97E7-55F17F24B09F}" type="datetimeFigureOut">
               <a:rPr lang="zh-TW" altLang="en-US" smtClean="0"/>
-              <a:t>2018/5/27</a:t>
+              <a:t>2018/5/29</a:t>
             </a:fld>
             <a:endParaRPr lang="zh-TW" altLang="en-US"/>
           </a:p>
@@ -3274,7 +3278,7 @@
           <a:p>
             <a:fld id="{5BBEAD13-0566-4C6C-97E7-55F17F24B09F}" type="datetimeFigureOut">
               <a:rPr lang="zh-TW" altLang="en-US" smtClean="0"/>
-              <a:t>2018/5/27</a:t>
+              <a:t>2018/5/29</a:t>
             </a:fld>
             <a:endParaRPr lang="zh-TW" altLang="en-US"/>
           </a:p>
@@ -5207,19 +5211,11 @@
           <a:p>
             <a:r>
               <a:rPr lang="en-US" altLang="zh-TW" dirty="0"/>
-              <a:t>@</a:t>
-            </a:r>
-            <a:r>
-              <a:rPr lang="en-US" altLang="zh-TW" dirty="0" err="1"/>
-              <a:t>OneToMany</a:t>
-            </a:r>
-            <a:r>
-              <a:rPr lang="en-US" altLang="zh-TW" dirty="0"/>
-              <a:t> (</a:t>
+              <a:t>@Temporal (</a:t>
             </a:r>
             <a:r>
               <a:rPr lang="zh-CN" altLang="en-US" dirty="0"/>
-              <a:t>一對多關聯性</a:t>
+              <a:t>日期屬性</a:t>
             </a:r>
             <a:r>
               <a:rPr lang="en-US" altLang="zh-TW" dirty="0"/>
@@ -5253,16 +5249,207 @@
           <a:lstStyle/>
           <a:p>
             <a:r>
-              <a:rPr lang="zh-TW" altLang="en-US" dirty="0"/>
-              <a:t>單邊的一對多關聯性是指一方有集合屬性，包含多個多方，而多方沒有一方的參考</a:t>
-            </a:r>
+              <a:rPr lang="zh-CN" altLang="en-US" dirty="0"/>
+              <a:t>日期屬性也屬於普通屬性，普通屬性的設定規則也適用於日期屬性。日期屬性又包括只有日期沒有時間</a:t>
+            </a:r>
+            <a:r>
+              <a:rPr lang="en-US" altLang="zh-CN" dirty="0"/>
+              <a:t>(</a:t>
+            </a:r>
+            <a:r>
+              <a:rPr lang="zh-CN" altLang="en-US" dirty="0"/>
+              <a:t>即</a:t>
+            </a:r>
+            <a:r>
+              <a:rPr lang="en-US" altLang="zh-CN" dirty="0" err="1"/>
+              <a:t>java.sql.Date</a:t>
+            </a:r>
+            <a:r>
+              <a:rPr lang="en-US" altLang="zh-CN" dirty="0"/>
+              <a:t>)</a:t>
+            </a:r>
+            <a:r>
+              <a:rPr lang="zh-CN" altLang="en-US" dirty="0"/>
+              <a:t>、沒有日期只有時間</a:t>
+            </a:r>
+            <a:r>
+              <a:rPr lang="en-US" altLang="zh-CN" dirty="0"/>
+              <a:t>(</a:t>
+            </a:r>
+            <a:r>
+              <a:rPr lang="zh-CN" altLang="en-US" dirty="0"/>
+              <a:t>即</a:t>
+            </a:r>
+            <a:r>
+              <a:rPr lang="en-US" altLang="zh-CN" dirty="0" err="1"/>
+              <a:t>java.sql.Time</a:t>
+            </a:r>
+            <a:r>
+              <a:rPr lang="en-US" altLang="zh-CN" dirty="0"/>
+              <a:t>)</a:t>
+            </a:r>
+            <a:r>
+              <a:rPr lang="zh-CN" altLang="en-US" dirty="0"/>
+              <a:t>、既有日期也有時間</a:t>
+            </a:r>
+            <a:r>
+              <a:rPr lang="en-US" altLang="zh-CN" dirty="0"/>
+              <a:t>(</a:t>
+            </a:r>
+            <a:r>
+              <a:rPr lang="zh-CN" altLang="en-US" dirty="0"/>
+              <a:t>既</a:t>
+            </a:r>
+            <a:r>
+              <a:rPr lang="en-US" altLang="zh-CN" dirty="0" err="1"/>
+              <a:t>java.sql.Timestamp</a:t>
+            </a:r>
+            <a:r>
+              <a:rPr lang="en-US" altLang="zh-CN" dirty="0"/>
+              <a:t>)</a:t>
+            </a:r>
+            <a:r>
+              <a:rPr lang="zh-CN" altLang="en-US" dirty="0"/>
+              <a:t>等</a:t>
+            </a:r>
+            <a:r>
+              <a:rPr lang="en-US" altLang="zh-CN" dirty="0"/>
+              <a:t>3</a:t>
+            </a:r>
+            <a:r>
+              <a:rPr lang="zh-CN" altLang="en-US" dirty="0"/>
+              <a:t>種情況，因此要多一些設定。</a:t>
+            </a:r>
+            <a:endParaRPr lang="en-US" altLang="zh-CN" dirty="0"/>
+          </a:p>
+          <a:p>
+            <a:r>
+              <a:rPr lang="zh-CN" altLang="en-US" dirty="0"/>
+              <a:t>都是</a:t>
+            </a:r>
+            <a:r>
+              <a:rPr lang="en-US" altLang="zh-CN" dirty="0" err="1"/>
+              <a:t>java.util.Date</a:t>
+            </a:r>
+            <a:r>
+              <a:rPr lang="zh-CN" altLang="en-US" dirty="0"/>
+              <a:t>的子類別，直接使用也行。</a:t>
+            </a:r>
+            <a:endParaRPr lang="zh-TW" altLang="en-US" dirty="0"/>
+          </a:p>
+        </p:txBody>
+      </p:sp>
+      <p:sp>
+        <p:nvSpPr>
+          <p:cNvPr id="4" name="文字方塊 3">
+            <a:extLst>
+              <a:ext uri="{FF2B5EF4-FFF2-40B4-BE49-F238E27FC236}">
+                <a16:creationId xmlns:a16="http://schemas.microsoft.com/office/drawing/2014/main" id="{0B5AC205-4DB9-46D7-8004-DBA6CEFD2D3B}"/>
+              </a:ext>
+            </a:extLst>
+          </p:cNvPr>
+          <p:cNvSpPr txBox="1"/>
+          <p:nvPr/>
+        </p:nvSpPr>
+        <p:spPr>
+          <a:xfrm>
+            <a:off x="1089796" y="4244645"/>
+            <a:ext cx="6964407" cy="1200329"/>
+          </a:xfrm>
+          <a:prstGeom prst="rect">
+            <a:avLst/>
+          </a:prstGeom>
+          <a:noFill/>
+        </p:spPr>
+        <p:txBody>
+          <a:bodyPr wrap="none" rtlCol="0">
+            <a:spAutoFit/>
+          </a:bodyPr>
+          <a:lstStyle/>
+          <a:p>
+            <a:r>
+              <a:rPr lang="en-US" altLang="zh-TW" dirty="0">
+                <a:solidFill>
+                  <a:srgbClr val="FF0000"/>
+                </a:solidFill>
+              </a:rPr>
+              <a:t>@Temporal(</a:t>
+            </a:r>
+            <a:r>
+              <a:rPr lang="en-US" altLang="zh-TW" dirty="0" err="1">
+                <a:solidFill>
+                  <a:srgbClr val="FF0000"/>
+                </a:solidFill>
+              </a:rPr>
+              <a:t>TemporalType.</a:t>
+            </a:r>
+            <a:r>
+              <a:rPr lang="en-US" altLang="zh-TW" b="1" i="1" dirty="0" err="1">
+                <a:solidFill>
+                  <a:srgbClr val="FF0000"/>
+                </a:solidFill>
+              </a:rPr>
+              <a:t>TIMESTAMP</a:t>
+            </a:r>
+            <a:r>
+              <a:rPr lang="en-US" altLang="zh-TW" b="1" i="1" dirty="0">
+                <a:solidFill>
+                  <a:srgbClr val="FF0000"/>
+                </a:solidFill>
+              </a:rPr>
+              <a:t>)</a:t>
+            </a:r>
+          </a:p>
+          <a:p>
+            <a:r>
+              <a:rPr lang="en-US" altLang="zh-TW" dirty="0"/>
+              <a:t>@Column(name = "Date", </a:t>
+            </a:r>
+            <a:r>
+              <a:rPr lang="en-US" altLang="zh-TW" dirty="0" err="1"/>
+              <a:t>columnDefinition</a:t>
+            </a:r>
+            <a:r>
+              <a:rPr lang="en-US" altLang="zh-TW" dirty="0"/>
+              <a:t> = "datetime", nullable = </a:t>
+            </a:r>
+            <a:r>
+              <a:rPr lang="en-US" altLang="zh-TW" b="1" dirty="0"/>
+              <a:t>false)</a:t>
+            </a:r>
+          </a:p>
+          <a:p>
+            <a:r>
+              <a:rPr lang="en-US" altLang="zh-TW" dirty="0"/>
+              <a:t>@</a:t>
+            </a:r>
+            <a:r>
+              <a:rPr lang="en-US" altLang="zh-TW" dirty="0" err="1"/>
+              <a:t>NotNull</a:t>
+            </a:r>
+            <a:endParaRPr lang="en-US" altLang="zh-TW" dirty="0"/>
+          </a:p>
+          <a:p>
+            <a:r>
+              <a:rPr lang="en-US" altLang="zh-TW" b="1" dirty="0"/>
+              <a:t>private Date </a:t>
+            </a:r>
+            <a:r>
+              <a:rPr lang="en-US" altLang="zh-TW" b="1" dirty="0" err="1"/>
+              <a:t>date</a:t>
+            </a:r>
+            <a:r>
+              <a:rPr lang="en-US" altLang="zh-TW" b="1" dirty="0"/>
+              <a:t>;</a:t>
+            </a:r>
+            <a:endParaRPr lang="zh-TW" altLang="en-US" dirty="0"/>
           </a:p>
         </p:txBody>
       </p:sp>
     </p:spTree>
     <p:extLst>
       <p:ext uri="{BB962C8B-B14F-4D97-AF65-F5344CB8AC3E}">
-        <p14:creationId xmlns:p14="http://schemas.microsoft.com/office/powerpoint/2010/main" val="3793197950"/>
+        <p14:creationId xmlns:p14="http://schemas.microsoft.com/office/powerpoint/2010/main" val="646198529"/>
       </p:ext>
     </p:extLst>
   </p:cSld>
@@ -5294,7 +5481,7 @@
           <p:cNvPr id="2" name="標題 1">
             <a:extLst>
               <a:ext uri="{FF2B5EF4-FFF2-40B4-BE49-F238E27FC236}">
-                <a16:creationId xmlns:a16="http://schemas.microsoft.com/office/drawing/2014/main" id="{CF2E329D-3848-4DF9-9894-DB8E9C60DCA9}"/>
+                <a16:creationId xmlns:a16="http://schemas.microsoft.com/office/drawing/2014/main" id="{889FC779-00C8-44E7-BF69-CE17D3717732}"/>
               </a:ext>
             </a:extLst>
           </p:cNvPr>
@@ -5307,52 +5494,90 @@
         </p:nvSpPr>
         <p:spPr/>
         <p:txBody>
+          <a:bodyPr/>
+          <a:lstStyle/>
+          <a:p>
+            <a:r>
+              <a:rPr lang="en-US" altLang="zh-TW" dirty="0"/>
+              <a:t>@</a:t>
+            </a:r>
+            <a:r>
+              <a:rPr lang="en-US" altLang="zh-TW" dirty="0" err="1"/>
+              <a:t>OneToMany</a:t>
+            </a:r>
+            <a:r>
+              <a:rPr lang="en-US" altLang="zh-TW" dirty="0"/>
+              <a:t> (</a:t>
+            </a:r>
+            <a:r>
+              <a:rPr lang="zh-CN" altLang="en-US" dirty="0"/>
+              <a:t>一對多關聯性</a:t>
+            </a:r>
+            <a:r>
+              <a:rPr lang="en-US" altLang="zh-TW" dirty="0"/>
+              <a:t>)</a:t>
+            </a:r>
+            <a:endParaRPr lang="zh-TW" altLang="en-US" dirty="0"/>
+          </a:p>
+        </p:txBody>
+      </p:sp>
+      <p:sp>
+        <p:nvSpPr>
+          <p:cNvPr id="3" name="內容版面配置區 2">
+            <a:extLst>
+              <a:ext uri="{FF2B5EF4-FFF2-40B4-BE49-F238E27FC236}">
+                <a16:creationId xmlns:a16="http://schemas.microsoft.com/office/drawing/2014/main" id="{E04BB258-55B3-49C7-A4CA-A43FCE0AC422}"/>
+              </a:ext>
+            </a:extLst>
+          </p:cNvPr>
+          <p:cNvSpPr>
+            <a:spLocks noGrp="1"/>
+          </p:cNvSpPr>
+          <p:nvPr>
+            <p:ph sz="quarter" idx="1"/>
+          </p:nvPr>
+        </p:nvSpPr>
+        <p:spPr/>
+        <p:txBody>
           <a:bodyPr>
             <a:normAutofit/>
           </a:bodyPr>
           <a:lstStyle/>
           <a:p>
             <a:r>
-              <a:rPr lang="en-US" altLang="zh-TW" sz="6000" dirty="0"/>
-              <a:t>JPA</a:t>
-            </a:r>
-            <a:r>
-              <a:rPr lang="zh-CN" altLang="en-US" sz="6000" dirty="0"/>
-              <a:t>的配置</a:t>
-            </a:r>
-            <a:endParaRPr lang="zh-TW" altLang="en-US" sz="6000" dirty="0"/>
-          </a:p>
-        </p:txBody>
-      </p:sp>
-      <p:sp>
-        <p:nvSpPr>
-          <p:cNvPr id="3" name="文字版面配置區 2">
-            <a:extLst>
-              <a:ext uri="{FF2B5EF4-FFF2-40B4-BE49-F238E27FC236}">
-                <a16:creationId xmlns:a16="http://schemas.microsoft.com/office/drawing/2014/main" id="{55923FA7-C953-4F6A-8B81-6BAEF2F89D6A}"/>
-              </a:ext>
-            </a:extLst>
-          </p:cNvPr>
-          <p:cNvSpPr>
-            <a:spLocks noGrp="1"/>
-          </p:cNvSpPr>
-          <p:nvPr>
-            <p:ph type="body" idx="1"/>
-          </p:nvPr>
-        </p:nvSpPr>
-        <p:spPr/>
-        <p:txBody>
-          <a:bodyPr/>
-          <a:lstStyle/>
-          <a:p>
-            <a:endParaRPr lang="zh-TW" altLang="en-US"/>
+              <a:rPr lang="zh-TW" altLang="en-US" dirty="0"/>
+              <a:t>單邊的一對多關聯性是指一方有集合屬性，包含多個多方，而多方沒有一方的參考</a:t>
+            </a:r>
+            <a:endParaRPr lang="en-US" altLang="zh-TW" dirty="0"/>
+          </a:p>
+          <a:p>
+            <a:r>
+              <a:rPr lang="zh-TW" altLang="en-US" dirty="0"/>
+              <a:t>設定</a:t>
+            </a:r>
+            <a:endParaRPr lang="en-US" altLang="zh-TW" dirty="0"/>
+          </a:p>
+          <a:p>
+            <a:pPr lvl="1"/>
+            <a:r>
+              <a:rPr lang="en-US" altLang="zh-TW" dirty="0"/>
+              <a:t>fetch</a:t>
+            </a:r>
+          </a:p>
+          <a:p>
+            <a:pPr lvl="1"/>
+            <a:r>
+              <a:rPr lang="en-US" altLang="zh-TW" dirty="0"/>
+              <a:t>cascade</a:t>
+            </a:r>
+            <a:endParaRPr lang="zh-TW" altLang="en-US" dirty="0"/>
           </a:p>
         </p:txBody>
       </p:sp>
     </p:spTree>
     <p:extLst>
       <p:ext uri="{BB962C8B-B14F-4D97-AF65-F5344CB8AC3E}">
-        <p14:creationId xmlns:p14="http://schemas.microsoft.com/office/powerpoint/2010/main" val="402189255"/>
+        <p14:creationId xmlns:p14="http://schemas.microsoft.com/office/powerpoint/2010/main" val="3793197950"/>
       </p:ext>
     </p:extLst>
   </p:cSld>
@@ -5381,12 +5606,63 @@
       </p:grpSpPr>
       <p:sp>
         <p:nvSpPr>
-          <p:cNvPr id="2" name="標題 1"/>
+          <p:cNvPr id="2" name="標題 1">
+            <a:extLst>
+              <a:ext uri="{FF2B5EF4-FFF2-40B4-BE49-F238E27FC236}">
+                <a16:creationId xmlns:a16="http://schemas.microsoft.com/office/drawing/2014/main" id="{889FC779-00C8-44E7-BF69-CE17D3717732}"/>
+              </a:ext>
+            </a:extLst>
+          </p:cNvPr>
           <p:cNvSpPr>
             <a:spLocks noGrp="1"/>
           </p:cNvSpPr>
           <p:nvPr>
             <p:ph type="title"/>
+          </p:nvPr>
+        </p:nvSpPr>
+        <p:spPr/>
+        <p:txBody>
+          <a:bodyPr/>
+          <a:lstStyle/>
+          <a:p>
+            <a:r>
+              <a:rPr lang="en-US" altLang="zh-TW" dirty="0"/>
+              <a:t>@</a:t>
+            </a:r>
+            <a:r>
+              <a:rPr lang="en-US" altLang="zh-TW" dirty="0" err="1"/>
+              <a:t>ManyToOne</a:t>
+            </a:r>
+            <a:r>
+              <a:rPr lang="en-US" altLang="zh-TW" dirty="0"/>
+              <a:t> (</a:t>
+            </a:r>
+            <a:r>
+              <a:rPr lang="zh-CN" altLang="en-US" dirty="0"/>
+              <a:t>多對一關聯性</a:t>
+            </a:r>
+            <a:r>
+              <a:rPr lang="en-US" altLang="zh-TW" dirty="0"/>
+              <a:t>)</a:t>
+            </a:r>
+            <a:endParaRPr lang="zh-TW" altLang="en-US" dirty="0"/>
+          </a:p>
+        </p:txBody>
+      </p:sp>
+      <p:sp>
+        <p:nvSpPr>
+          <p:cNvPr id="3" name="內容版面配置區 2">
+            <a:extLst>
+              <a:ext uri="{FF2B5EF4-FFF2-40B4-BE49-F238E27FC236}">
+                <a16:creationId xmlns:a16="http://schemas.microsoft.com/office/drawing/2014/main" id="{E04BB258-55B3-49C7-A4CA-A43FCE0AC422}"/>
+              </a:ext>
+            </a:extLst>
+          </p:cNvPr>
+          <p:cNvSpPr>
+            <a:spLocks noGrp="1"/>
+          </p:cNvSpPr>
+          <p:nvPr>
+            <p:ph sz="quarter" idx="1"/>
           </p:nvPr>
         </p:nvSpPr>
         <p:spPr/>
@@ -5397,40 +5673,16 @@
           <a:lstStyle/>
           <a:p>
             <a:r>
-              <a:rPr lang="en-US" altLang="zh-TW" sz="6000" dirty="0">
-                <a:latin typeface="Consolas" panose="020B0609020204030204" pitchFamily="49" charset="0"/>
-              </a:rPr>
-              <a:t>Reference</a:t>
-            </a:r>
-            <a:endParaRPr lang="zh-TW" altLang="en-US" sz="6000" dirty="0">
-              <a:latin typeface="Consolas" panose="020B0609020204030204" pitchFamily="49" charset="0"/>
-            </a:endParaRPr>
-          </a:p>
-        </p:txBody>
-      </p:sp>
-      <p:sp>
-        <p:nvSpPr>
-          <p:cNvPr id="3" name="文字版面配置區 2"/>
-          <p:cNvSpPr>
-            <a:spLocks noGrp="1"/>
-          </p:cNvSpPr>
-          <p:nvPr>
-            <p:ph type="body" idx="1"/>
-          </p:nvPr>
-        </p:nvSpPr>
-        <p:spPr/>
-        <p:txBody>
-          <a:bodyPr/>
-          <a:lstStyle/>
-          <a:p>
-            <a:endParaRPr lang="zh-TW" altLang="en-US" dirty="0"/>
+              <a:rPr lang="zh-TW" altLang="en-US" dirty="0"/>
+              <a:t>一對多關聯性剛好相反，多方有一方的參考，一方沒有多方的參考，但是他們的資料表間的關係是一樣的，例如論文與論文類別</a:t>
+            </a:r>
           </a:p>
         </p:txBody>
       </p:sp>
     </p:spTree>
     <p:extLst>
       <p:ext uri="{BB962C8B-B14F-4D97-AF65-F5344CB8AC3E}">
-        <p14:creationId xmlns:p14="http://schemas.microsoft.com/office/powerpoint/2010/main" val="2349993791"/>
+        <p14:creationId xmlns:p14="http://schemas.microsoft.com/office/powerpoint/2010/main" val="925273803"/>
       </p:ext>
     </p:extLst>
   </p:cSld>
@@ -5459,7 +5711,13 @@
       </p:grpSpPr>
       <p:sp>
         <p:nvSpPr>
-          <p:cNvPr id="2" name="標題 1"/>
+          <p:cNvPr id="2" name="標題 1">
+            <a:extLst>
+              <a:ext uri="{FF2B5EF4-FFF2-40B4-BE49-F238E27FC236}">
+                <a16:creationId xmlns:a16="http://schemas.microsoft.com/office/drawing/2014/main" id="{889FC779-00C8-44E7-BF69-CE17D3717732}"/>
+              </a:ext>
+            </a:extLst>
+          </p:cNvPr>
           <p:cNvSpPr>
             <a:spLocks noGrp="1"/>
           </p:cNvSpPr>
@@ -5474,74 +5732,62 @@
           <a:p>
             <a:r>
               <a:rPr lang="en-US" altLang="zh-TW" dirty="0"/>
-              <a:t>Spring JPA </a:t>
-            </a:r>
+              <a:t>@</a:t>
+            </a:r>
+            <a:r>
+              <a:rPr lang="en-US" altLang="zh-TW" dirty="0" err="1"/>
+              <a:t>OneToMany</a:t>
+            </a:r>
+            <a:r>
+              <a:rPr lang="en-US" altLang="zh-TW" dirty="0"/>
+              <a:t> (</a:t>
+            </a:r>
+            <a:r>
+              <a:rPr lang="zh-CN" altLang="en-US" dirty="0"/>
+              <a:t>一對多關聯性</a:t>
+            </a:r>
+            <a:r>
+              <a:rPr lang="en-US" altLang="zh-TW" dirty="0"/>
+              <a:t>)</a:t>
+            </a:r>
+            <a:endParaRPr lang="zh-TW" altLang="en-US" dirty="0"/>
+          </a:p>
+        </p:txBody>
+      </p:sp>
+      <p:sp>
+        <p:nvSpPr>
+          <p:cNvPr id="3" name="內容版面配置區 2">
+            <a:extLst>
+              <a:ext uri="{FF2B5EF4-FFF2-40B4-BE49-F238E27FC236}">
+                <a16:creationId xmlns:a16="http://schemas.microsoft.com/office/drawing/2014/main" id="{E04BB258-55B3-49C7-A4CA-A43FCE0AC422}"/>
+              </a:ext>
+            </a:extLst>
+          </p:cNvPr>
+          <p:cNvSpPr>
+            <a:spLocks noGrp="1"/>
+          </p:cNvSpPr>
+          <p:nvPr>
+            <p:ph sz="quarter" idx="1"/>
+          </p:nvPr>
+        </p:nvSpPr>
+        <p:spPr/>
+        <p:txBody>
+          <a:bodyPr>
+            <a:normAutofit/>
+          </a:bodyPr>
+          <a:lstStyle/>
+          <a:p>
             <a:r>
               <a:rPr lang="zh-TW" altLang="en-US" dirty="0"/>
-              <a:t>配置</a:t>
-            </a:r>
-          </a:p>
-        </p:txBody>
-      </p:sp>
-      <p:sp>
-        <p:nvSpPr>
-          <p:cNvPr id="3" name="內容版面配置區 2"/>
-          <p:cNvSpPr>
-            <a:spLocks noGrp="1"/>
-          </p:cNvSpPr>
-          <p:nvPr>
-            <p:ph sz="quarter" idx="1"/>
-          </p:nvPr>
-        </p:nvSpPr>
-        <p:spPr/>
-        <p:txBody>
-          <a:bodyPr/>
-          <a:lstStyle/>
-          <a:p>
-            <a:r>
-              <a:rPr lang="en-US" altLang="zh-TW" dirty="0">
-                <a:hlinkClick r:id="rId2"/>
-              </a:rPr>
-              <a:t>https://stevenitlife.blogspot.tw/2016/03/hibernate-spring-jpa-configure.html</a:t>
-            </a:r>
-            <a:endParaRPr lang="en-US" altLang="zh-TW" dirty="0"/>
-          </a:p>
-          <a:p>
-            <a:r>
-              <a:rPr lang="en-US" altLang="zh-TW" dirty="0">
-                <a:hlinkClick r:id="rId3"/>
-              </a:rPr>
-              <a:t>http://pro.ctlok.com/blog/2012/07/18/spring-integrate-jpa.html</a:t>
-            </a:r>
-            <a:endParaRPr lang="en-US" altLang="zh-TW" dirty="0"/>
-          </a:p>
-          <a:p>
-            <a:r>
-              <a:rPr lang="en-US" altLang="zh-TW" dirty="0">
-                <a:hlinkClick r:id="rId4"/>
-              </a:rPr>
-              <a:t>https://www.cnblogs.com/dreamroute/p/5173896.html</a:t>
-            </a:r>
-            <a:endParaRPr lang="en-US" altLang="zh-TW" dirty="0"/>
-          </a:p>
-          <a:p>
-            <a:r>
-              <a:rPr lang="en-US" altLang="zh-TW" dirty="0">
-                <a:hlinkClick r:id="rId5"/>
-              </a:rPr>
-              <a:t>https://www.ibm.com/developerworks/cn/opensource/os-cn-spring-jpa/</a:t>
-            </a:r>
-            <a:endParaRPr lang="en-US" altLang="zh-TW" dirty="0"/>
-          </a:p>
-          <a:p>
-            <a:endParaRPr lang="zh-TW" altLang="en-US" dirty="0"/>
+              <a:t>單邊的一對多關聯性是指一方有集合屬性，包含多個多方，而多方沒有一方的參考</a:t>
+            </a:r>
           </a:p>
         </p:txBody>
       </p:sp>
     </p:spTree>
     <p:extLst>
       <p:ext uri="{BB962C8B-B14F-4D97-AF65-F5344CB8AC3E}">
-        <p14:creationId xmlns:p14="http://schemas.microsoft.com/office/powerpoint/2010/main" val="2205528178"/>
+        <p14:creationId xmlns:p14="http://schemas.microsoft.com/office/powerpoint/2010/main" val="824796080"/>
       </p:ext>
     </p:extLst>
   </p:cSld>
@@ -5687,6 +5933,390 @@
       </p:grpSpPr>
       <p:sp>
         <p:nvSpPr>
+          <p:cNvPr id="2" name="標題 1">
+            <a:extLst>
+              <a:ext uri="{FF2B5EF4-FFF2-40B4-BE49-F238E27FC236}">
+                <a16:creationId xmlns:a16="http://schemas.microsoft.com/office/drawing/2014/main" id="{889FC779-00C8-44E7-BF69-CE17D3717732}"/>
+              </a:ext>
+            </a:extLst>
+          </p:cNvPr>
+          <p:cNvSpPr>
+            <a:spLocks noGrp="1"/>
+          </p:cNvSpPr>
+          <p:nvPr>
+            <p:ph type="title"/>
+          </p:nvPr>
+        </p:nvSpPr>
+        <p:spPr/>
+        <p:txBody>
+          <a:bodyPr/>
+          <a:lstStyle/>
+          <a:p>
+            <a:r>
+              <a:rPr lang="en-US" altLang="zh-TW" dirty="0"/>
+              <a:t>@</a:t>
+            </a:r>
+            <a:r>
+              <a:rPr lang="en-US" altLang="zh-TW" dirty="0" err="1"/>
+              <a:t>OneToMany</a:t>
+            </a:r>
+            <a:r>
+              <a:rPr lang="en-US" altLang="zh-TW" dirty="0"/>
+              <a:t> (</a:t>
+            </a:r>
+            <a:r>
+              <a:rPr lang="zh-CN" altLang="en-US" dirty="0"/>
+              <a:t>一對多關聯性</a:t>
+            </a:r>
+            <a:r>
+              <a:rPr lang="en-US" altLang="zh-TW" dirty="0"/>
+              <a:t>)</a:t>
+            </a:r>
+            <a:endParaRPr lang="zh-TW" altLang="en-US" dirty="0"/>
+          </a:p>
+        </p:txBody>
+      </p:sp>
+      <p:sp>
+        <p:nvSpPr>
+          <p:cNvPr id="3" name="內容版面配置區 2">
+            <a:extLst>
+              <a:ext uri="{FF2B5EF4-FFF2-40B4-BE49-F238E27FC236}">
+                <a16:creationId xmlns:a16="http://schemas.microsoft.com/office/drawing/2014/main" id="{E04BB258-55B3-49C7-A4CA-A43FCE0AC422}"/>
+              </a:ext>
+            </a:extLst>
+          </p:cNvPr>
+          <p:cNvSpPr>
+            <a:spLocks noGrp="1"/>
+          </p:cNvSpPr>
+          <p:nvPr>
+            <p:ph sz="quarter" idx="1"/>
+          </p:nvPr>
+        </p:nvSpPr>
+        <p:spPr/>
+        <p:txBody>
+          <a:bodyPr>
+            <a:normAutofit/>
+          </a:bodyPr>
+          <a:lstStyle/>
+          <a:p>
+            <a:r>
+              <a:rPr lang="zh-TW" altLang="en-US" dirty="0"/>
+              <a:t>單邊的一對多關聯性是指一方有集合屬性，包含多個多方，而多方沒有一方的參考</a:t>
+            </a:r>
+          </a:p>
+        </p:txBody>
+      </p:sp>
+    </p:spTree>
+    <p:extLst>
+      <p:ext uri="{BB962C8B-B14F-4D97-AF65-F5344CB8AC3E}">
+        <p14:creationId xmlns:p14="http://schemas.microsoft.com/office/powerpoint/2010/main" val="4038818443"/>
+      </p:ext>
+    </p:extLst>
+  </p:cSld>
+  <p:clrMapOvr>
+    <a:masterClrMapping/>
+  </p:clrMapOvr>
+</p:sld>
+</file>
+
+<file path=ppt/slides/slide21.xml><?xml version="1.0" encoding="utf-8"?>
+<p:sld xmlns:a="http://schemas.openxmlformats.org/drawingml/2006/main" xmlns:r="http://schemas.openxmlformats.org/officeDocument/2006/relationships" xmlns:p="http://schemas.openxmlformats.org/presentationml/2006/main">
+  <p:cSld>
+    <p:spTree>
+      <p:nvGrpSpPr>
+        <p:cNvPr id="1" name=""/>
+        <p:cNvGrpSpPr/>
+        <p:nvPr/>
+      </p:nvGrpSpPr>
+      <p:grpSpPr>
+        <a:xfrm>
+          <a:off x="0" y="0"/>
+          <a:ext cx="0" cy="0"/>
+          <a:chOff x="0" y="0"/>
+          <a:chExt cx="0" cy="0"/>
+        </a:xfrm>
+      </p:grpSpPr>
+      <p:sp>
+        <p:nvSpPr>
+          <p:cNvPr id="2" name="標題 1">
+            <a:extLst>
+              <a:ext uri="{FF2B5EF4-FFF2-40B4-BE49-F238E27FC236}">
+                <a16:creationId xmlns:a16="http://schemas.microsoft.com/office/drawing/2014/main" id="{CF2E329D-3848-4DF9-9894-DB8E9C60DCA9}"/>
+              </a:ext>
+            </a:extLst>
+          </p:cNvPr>
+          <p:cNvSpPr>
+            <a:spLocks noGrp="1"/>
+          </p:cNvSpPr>
+          <p:nvPr>
+            <p:ph type="title"/>
+          </p:nvPr>
+        </p:nvSpPr>
+        <p:spPr/>
+        <p:txBody>
+          <a:bodyPr>
+            <a:normAutofit/>
+          </a:bodyPr>
+          <a:lstStyle/>
+          <a:p>
+            <a:r>
+              <a:rPr lang="en-US" altLang="zh-TW" sz="6000" dirty="0"/>
+              <a:t>JPA</a:t>
+            </a:r>
+            <a:r>
+              <a:rPr lang="zh-CN" altLang="en-US" sz="6000" dirty="0"/>
+              <a:t>的配置</a:t>
+            </a:r>
+            <a:endParaRPr lang="zh-TW" altLang="en-US" sz="6000" dirty="0"/>
+          </a:p>
+        </p:txBody>
+      </p:sp>
+      <p:sp>
+        <p:nvSpPr>
+          <p:cNvPr id="3" name="文字版面配置區 2">
+            <a:extLst>
+              <a:ext uri="{FF2B5EF4-FFF2-40B4-BE49-F238E27FC236}">
+                <a16:creationId xmlns:a16="http://schemas.microsoft.com/office/drawing/2014/main" id="{55923FA7-C953-4F6A-8B81-6BAEF2F89D6A}"/>
+              </a:ext>
+            </a:extLst>
+          </p:cNvPr>
+          <p:cNvSpPr>
+            <a:spLocks noGrp="1"/>
+          </p:cNvSpPr>
+          <p:nvPr>
+            <p:ph type="body" idx="1"/>
+          </p:nvPr>
+        </p:nvSpPr>
+        <p:spPr/>
+        <p:txBody>
+          <a:bodyPr/>
+          <a:lstStyle/>
+          <a:p>
+            <a:endParaRPr lang="zh-TW" altLang="en-US"/>
+          </a:p>
+        </p:txBody>
+      </p:sp>
+    </p:spTree>
+    <p:extLst>
+      <p:ext uri="{BB962C8B-B14F-4D97-AF65-F5344CB8AC3E}">
+        <p14:creationId xmlns:p14="http://schemas.microsoft.com/office/powerpoint/2010/main" val="402189255"/>
+      </p:ext>
+    </p:extLst>
+  </p:cSld>
+  <p:clrMapOvr>
+    <a:masterClrMapping/>
+  </p:clrMapOvr>
+</p:sld>
+</file>
+
+<file path=ppt/slides/slide22.xml><?xml version="1.0" encoding="utf-8"?>
+<p:sld xmlns:a="http://schemas.openxmlformats.org/drawingml/2006/main" xmlns:r="http://schemas.openxmlformats.org/officeDocument/2006/relationships" xmlns:p="http://schemas.openxmlformats.org/presentationml/2006/main">
+  <p:cSld>
+    <p:spTree>
+      <p:nvGrpSpPr>
+        <p:cNvPr id="1" name=""/>
+        <p:cNvGrpSpPr/>
+        <p:nvPr/>
+      </p:nvGrpSpPr>
+      <p:grpSpPr>
+        <a:xfrm>
+          <a:off x="0" y="0"/>
+          <a:ext cx="0" cy="0"/>
+          <a:chOff x="0" y="0"/>
+          <a:chExt cx="0" cy="0"/>
+        </a:xfrm>
+      </p:grpSpPr>
+      <p:sp>
+        <p:nvSpPr>
+          <p:cNvPr id="2" name="標題 1"/>
+          <p:cNvSpPr>
+            <a:spLocks noGrp="1"/>
+          </p:cNvSpPr>
+          <p:nvPr>
+            <p:ph type="title"/>
+          </p:nvPr>
+        </p:nvSpPr>
+        <p:spPr/>
+        <p:txBody>
+          <a:bodyPr>
+            <a:normAutofit/>
+          </a:bodyPr>
+          <a:lstStyle/>
+          <a:p>
+            <a:r>
+              <a:rPr lang="en-US" altLang="zh-TW" sz="6000" dirty="0">
+                <a:latin typeface="Consolas" panose="020B0609020204030204" pitchFamily="49" charset="0"/>
+              </a:rPr>
+              <a:t>Reference</a:t>
+            </a:r>
+            <a:endParaRPr lang="zh-TW" altLang="en-US" sz="6000" dirty="0">
+              <a:latin typeface="Consolas" panose="020B0609020204030204" pitchFamily="49" charset="0"/>
+            </a:endParaRPr>
+          </a:p>
+        </p:txBody>
+      </p:sp>
+      <p:sp>
+        <p:nvSpPr>
+          <p:cNvPr id="3" name="文字版面配置區 2"/>
+          <p:cNvSpPr>
+            <a:spLocks noGrp="1"/>
+          </p:cNvSpPr>
+          <p:nvPr>
+            <p:ph type="body" idx="1"/>
+          </p:nvPr>
+        </p:nvSpPr>
+        <p:spPr/>
+        <p:txBody>
+          <a:bodyPr/>
+          <a:lstStyle/>
+          <a:p>
+            <a:endParaRPr lang="zh-TW" altLang="en-US" dirty="0"/>
+          </a:p>
+        </p:txBody>
+      </p:sp>
+    </p:spTree>
+    <p:extLst>
+      <p:ext uri="{BB962C8B-B14F-4D97-AF65-F5344CB8AC3E}">
+        <p14:creationId xmlns:p14="http://schemas.microsoft.com/office/powerpoint/2010/main" val="2349993791"/>
+      </p:ext>
+    </p:extLst>
+  </p:cSld>
+  <p:clrMapOvr>
+    <a:masterClrMapping/>
+  </p:clrMapOvr>
+</p:sld>
+</file>
+
+<file path=ppt/slides/slide23.xml><?xml version="1.0" encoding="utf-8"?>
+<p:sld xmlns:a="http://schemas.openxmlformats.org/drawingml/2006/main" xmlns:r="http://schemas.openxmlformats.org/officeDocument/2006/relationships" xmlns:p="http://schemas.openxmlformats.org/presentationml/2006/main">
+  <p:cSld>
+    <p:spTree>
+      <p:nvGrpSpPr>
+        <p:cNvPr id="1" name=""/>
+        <p:cNvGrpSpPr/>
+        <p:nvPr/>
+      </p:nvGrpSpPr>
+      <p:grpSpPr>
+        <a:xfrm>
+          <a:off x="0" y="0"/>
+          <a:ext cx="0" cy="0"/>
+          <a:chOff x="0" y="0"/>
+          <a:chExt cx="0" cy="0"/>
+        </a:xfrm>
+      </p:grpSpPr>
+      <p:sp>
+        <p:nvSpPr>
+          <p:cNvPr id="2" name="標題 1"/>
+          <p:cNvSpPr>
+            <a:spLocks noGrp="1"/>
+          </p:cNvSpPr>
+          <p:nvPr>
+            <p:ph type="title"/>
+          </p:nvPr>
+        </p:nvSpPr>
+        <p:spPr/>
+        <p:txBody>
+          <a:bodyPr/>
+          <a:lstStyle/>
+          <a:p>
+            <a:r>
+              <a:rPr lang="en-US" altLang="zh-TW" dirty="0"/>
+              <a:t>Spring JPA </a:t>
+            </a:r>
+            <a:r>
+              <a:rPr lang="zh-TW" altLang="en-US" dirty="0"/>
+              <a:t>配置</a:t>
+            </a:r>
+          </a:p>
+        </p:txBody>
+      </p:sp>
+      <p:sp>
+        <p:nvSpPr>
+          <p:cNvPr id="3" name="內容版面配置區 2"/>
+          <p:cNvSpPr>
+            <a:spLocks noGrp="1"/>
+          </p:cNvSpPr>
+          <p:nvPr>
+            <p:ph sz="quarter" idx="1"/>
+          </p:nvPr>
+        </p:nvSpPr>
+        <p:spPr/>
+        <p:txBody>
+          <a:bodyPr/>
+          <a:lstStyle/>
+          <a:p>
+            <a:r>
+              <a:rPr lang="en-US" altLang="zh-TW" dirty="0">
+                <a:hlinkClick r:id="rId2"/>
+              </a:rPr>
+              <a:t>https://stevenitlife.blogspot.tw/2016/03/hibernate-spring-jpa-configure.html</a:t>
+            </a:r>
+            <a:endParaRPr lang="en-US" altLang="zh-TW" dirty="0"/>
+          </a:p>
+          <a:p>
+            <a:r>
+              <a:rPr lang="en-US" altLang="zh-TW" dirty="0">
+                <a:hlinkClick r:id="rId3"/>
+              </a:rPr>
+              <a:t>http://pro.ctlok.com/blog/2012/07/18/spring-integrate-jpa.html</a:t>
+            </a:r>
+            <a:endParaRPr lang="en-US" altLang="zh-TW" dirty="0"/>
+          </a:p>
+          <a:p>
+            <a:r>
+              <a:rPr lang="en-US" altLang="zh-TW" dirty="0">
+                <a:hlinkClick r:id="rId4"/>
+              </a:rPr>
+              <a:t>https://www.cnblogs.com/dreamroute/p/5173896.html</a:t>
+            </a:r>
+            <a:endParaRPr lang="en-US" altLang="zh-TW" dirty="0"/>
+          </a:p>
+          <a:p>
+            <a:r>
+              <a:rPr lang="en-US" altLang="zh-TW" dirty="0">
+                <a:hlinkClick r:id="rId5"/>
+              </a:rPr>
+              <a:t>https://www.ibm.com/developerworks/cn/opensource/os-cn-spring-jpa/</a:t>
+            </a:r>
+            <a:endParaRPr lang="en-US" altLang="zh-TW" dirty="0"/>
+          </a:p>
+          <a:p>
+            <a:endParaRPr lang="zh-TW" altLang="en-US" dirty="0"/>
+          </a:p>
+        </p:txBody>
+      </p:sp>
+    </p:spTree>
+    <p:extLst>
+      <p:ext uri="{BB962C8B-B14F-4D97-AF65-F5344CB8AC3E}">
+        <p14:creationId xmlns:p14="http://schemas.microsoft.com/office/powerpoint/2010/main" val="2205528178"/>
+      </p:ext>
+    </p:extLst>
+  </p:cSld>
+  <p:clrMapOvr>
+    <a:masterClrMapping/>
+  </p:clrMapOvr>
+</p:sld>
+</file>
+
+<file path=ppt/slides/slide24.xml><?xml version="1.0" encoding="utf-8"?>
+<p:sld xmlns:a="http://schemas.openxmlformats.org/drawingml/2006/main" xmlns:r="http://schemas.openxmlformats.org/officeDocument/2006/relationships" xmlns:p="http://schemas.openxmlformats.org/presentationml/2006/main">
+  <p:cSld>
+    <p:spTree>
+      <p:nvGrpSpPr>
+        <p:cNvPr id="1" name=""/>
+        <p:cNvGrpSpPr/>
+        <p:nvPr/>
+      </p:nvGrpSpPr>
+      <p:grpSpPr>
+        <a:xfrm>
+          <a:off x="0" y="0"/>
+          <a:ext cx="0" cy="0"/>
+          <a:chOff x="0" y="0"/>
+          <a:chExt cx="0" cy="0"/>
+        </a:xfrm>
+      </p:grpSpPr>
+      <p:sp>
+        <p:nvSpPr>
           <p:cNvPr id="2" name="標題 1"/>
           <p:cNvSpPr>
             <a:spLocks noGrp="1"/>
@@ -5761,7 +6391,7 @@
 </p:sld>
 </file>
 
-<file path=ppt/slides/slide21.xml><?xml version="1.0" encoding="utf-8"?>
+<file path=ppt/slides/slide25.xml><?xml version="1.0" encoding="utf-8"?>
 <p:sld xmlns:a="http://schemas.openxmlformats.org/drawingml/2006/main" xmlns:r="http://schemas.openxmlformats.org/officeDocument/2006/relationships" xmlns:p="http://schemas.openxmlformats.org/presentationml/2006/main">
   <p:cSld>
     <p:spTree>

--- a/doc/Spring JPA配置.pptx
+++ b/doc/Spring JPA配置.pptx
@@ -341,7 +341,7 @@
           <a:p>
             <a:fld id="{5BBEAD13-0566-4C6C-97E7-55F17F24B09F}" type="datetimeFigureOut">
               <a:rPr lang="zh-TW" altLang="en-US" smtClean="0"/>
-              <a:t>2018/5/29</a:t>
+              <a:t>2018/5/30</a:t>
             </a:fld>
             <a:endParaRPr lang="zh-TW" altLang="en-US"/>
           </a:p>
@@ -694,7 +694,7 @@
           <a:p>
             <a:fld id="{5BBEAD13-0566-4C6C-97E7-55F17F24B09F}" type="datetimeFigureOut">
               <a:rPr lang="zh-TW" altLang="en-US" smtClean="0"/>
-              <a:t>2018/5/29</a:t>
+              <a:t>2018/5/30</a:t>
             </a:fld>
             <a:endParaRPr lang="zh-TW" altLang="en-US"/>
           </a:p>
@@ -869,7 +869,7 @@
           <a:p>
             <a:fld id="{5BBEAD13-0566-4C6C-97E7-55F17F24B09F}" type="datetimeFigureOut">
               <a:rPr lang="zh-TW" altLang="en-US" smtClean="0"/>
-              <a:t>2018/5/29</a:t>
+              <a:t>2018/5/30</a:t>
             </a:fld>
             <a:endParaRPr lang="zh-TW" altLang="en-US"/>
           </a:p>
@@ -982,7 +982,7 @@
           <a:p>
             <a:fld id="{5BBEAD13-0566-4C6C-97E7-55F17F24B09F}" type="datetimeFigureOut">
               <a:rPr lang="zh-TW" altLang="en-US" smtClean="0"/>
-              <a:t>2018/5/29</a:t>
+              <a:t>2018/5/30</a:t>
             </a:fld>
             <a:endParaRPr lang="zh-TW" altLang="en-US"/>
           </a:p>
@@ -1340,7 +1340,7 @@
           <a:p>
             <a:fld id="{5BBEAD13-0566-4C6C-97E7-55F17F24B09F}" type="datetimeFigureOut">
               <a:rPr lang="zh-TW" altLang="en-US" smtClean="0"/>
-              <a:t>2018/5/29</a:t>
+              <a:t>2018/5/30</a:t>
             </a:fld>
             <a:endParaRPr lang="zh-TW" altLang="en-US"/>
           </a:p>
@@ -1605,7 +1605,7 @@
           <a:p>
             <a:fld id="{5BBEAD13-0566-4C6C-97E7-55F17F24B09F}" type="datetimeFigureOut">
               <a:rPr lang="zh-TW" altLang="en-US" smtClean="0"/>
-              <a:t>2018/5/29</a:t>
+              <a:t>2018/5/30</a:t>
             </a:fld>
             <a:endParaRPr lang="zh-TW" altLang="en-US"/>
           </a:p>
@@ -1967,7 +1967,7 @@
           <a:p>
             <a:fld id="{5BBEAD13-0566-4C6C-97E7-55F17F24B09F}" type="datetimeFigureOut">
               <a:rPr lang="zh-TW" altLang="en-US" smtClean="0"/>
-              <a:t>2018/5/29</a:t>
+              <a:t>2018/5/30</a:t>
             </a:fld>
             <a:endParaRPr lang="zh-TW" altLang="en-US"/>
           </a:p>
@@ -2194,7 +2194,7 @@
           <a:p>
             <a:fld id="{5BBEAD13-0566-4C6C-97E7-55F17F24B09F}" type="datetimeFigureOut">
               <a:rPr lang="zh-TW" altLang="en-US" smtClean="0"/>
-              <a:t>2018/5/29</a:t>
+              <a:t>2018/5/30</a:t>
             </a:fld>
             <a:endParaRPr lang="zh-TW" altLang="en-US"/>
           </a:p>
@@ -2284,7 +2284,7 @@
           <a:p>
             <a:fld id="{5BBEAD13-0566-4C6C-97E7-55F17F24B09F}" type="datetimeFigureOut">
               <a:rPr lang="zh-TW" altLang="en-US" smtClean="0"/>
-              <a:t>2018/5/29</a:t>
+              <a:t>2018/5/30</a:t>
             </a:fld>
             <a:endParaRPr lang="zh-TW" altLang="en-US"/>
           </a:p>
@@ -2551,7 +2551,7 @@
           <a:p>
             <a:fld id="{5BBEAD13-0566-4C6C-97E7-55F17F24B09F}" type="datetimeFigureOut">
               <a:rPr lang="zh-TW" altLang="en-US" smtClean="0"/>
-              <a:t>2018/5/29</a:t>
+              <a:t>2018/5/30</a:t>
             </a:fld>
             <a:endParaRPr lang="zh-TW" altLang="en-US"/>
           </a:p>
@@ -2779,7 +2779,7 @@
           <a:p>
             <a:fld id="{5BBEAD13-0566-4C6C-97E7-55F17F24B09F}" type="datetimeFigureOut">
               <a:rPr lang="zh-TW" altLang="en-US" smtClean="0"/>
-              <a:t>2018/5/29</a:t>
+              <a:t>2018/5/30</a:t>
             </a:fld>
             <a:endParaRPr lang="zh-TW" altLang="en-US"/>
           </a:p>
@@ -3278,7 +3278,7 @@
           <a:p>
             <a:fld id="{5BBEAD13-0566-4C6C-97E7-55F17F24B09F}" type="datetimeFigureOut">
               <a:rPr lang="zh-TW" altLang="en-US" smtClean="0"/>
-              <a:t>2018/5/29</a:t>
+              <a:t>2018/5/30</a:t>
             </a:fld>
             <a:endParaRPr lang="zh-TW" altLang="en-US"/>
           </a:p>
@@ -5540,7 +5540,7 @@
         <p:spPr/>
         <p:txBody>
           <a:bodyPr>
-            <a:normAutofit/>
+            <a:normAutofit lnSpcReduction="10000"/>
           </a:bodyPr>
           <a:lstStyle/>
           <a:p>
@@ -5565,15 +5565,154 @@
             </a:r>
           </a:p>
           <a:p>
+            <a:pPr lvl="2"/>
+            <a:r>
+              <a:rPr lang="en-US" altLang="zh-TW" dirty="0" err="1"/>
+              <a:t>FetchType.EAGER</a:t>
+            </a:r>
+            <a:r>
+              <a:rPr lang="en-US" altLang="zh-TW" dirty="0"/>
+              <a:t>(</a:t>
+            </a:r>
+            <a:r>
+              <a:rPr lang="zh-CN" altLang="en-US" dirty="0"/>
+              <a:t>即時載入</a:t>
+            </a:r>
+            <a:r>
+              <a:rPr lang="en-US" altLang="zh-TW" dirty="0"/>
+              <a:t>)</a:t>
+            </a:r>
+          </a:p>
+          <a:p>
+            <a:pPr lvl="2"/>
+            <a:r>
+              <a:rPr lang="en-US" altLang="zh-TW" dirty="0" err="1"/>
+              <a:t>FetchType.LAZY</a:t>
+            </a:r>
+            <a:r>
+              <a:rPr lang="en-US" altLang="zh-TW" dirty="0"/>
+              <a:t>(</a:t>
+            </a:r>
+            <a:r>
+              <a:rPr lang="zh-CN" altLang="en-US" dirty="0"/>
+              <a:t>延遲載入</a:t>
+            </a:r>
+            <a:r>
+              <a:rPr lang="en-US" altLang="zh-TW" dirty="0"/>
+              <a:t>)</a:t>
+            </a:r>
+          </a:p>
+          <a:p>
             <a:pPr lvl="1"/>
             <a:r>
               <a:rPr lang="en-US" altLang="zh-TW" dirty="0"/>
               <a:t>cascade</a:t>
             </a:r>
+          </a:p>
+          <a:p>
+            <a:pPr lvl="2"/>
+            <a:r>
+              <a:rPr lang="en-US" altLang="zh-TW" dirty="0" err="1"/>
+              <a:t>CascadeType.PERSIST</a:t>
+            </a:r>
+            <a:r>
+              <a:rPr lang="en-US" altLang="zh-TW" dirty="0"/>
+              <a:t> </a:t>
+            </a:r>
+            <a:r>
+              <a:rPr lang="zh-CN" altLang="en-US" dirty="0"/>
+              <a:t>儲存</a:t>
+            </a:r>
+            <a:endParaRPr lang="en-US" altLang="zh-TW" dirty="0"/>
+          </a:p>
+          <a:p>
+            <a:pPr lvl="2"/>
+            <a:r>
+              <a:rPr lang="en-US" altLang="zh-TW" dirty="0" err="1"/>
+              <a:t>CascadeType.REMOVE</a:t>
+            </a:r>
+            <a:r>
+              <a:rPr lang="en-US" altLang="zh-TW" dirty="0"/>
+              <a:t> </a:t>
+            </a:r>
+            <a:r>
+              <a:rPr lang="zh-CN" altLang="en-US" dirty="0"/>
+              <a:t>刪除</a:t>
+            </a:r>
+            <a:endParaRPr lang="en-US" altLang="zh-TW" dirty="0"/>
+          </a:p>
+          <a:p>
+            <a:pPr lvl="2"/>
+            <a:r>
+              <a:rPr lang="en-US" altLang="zh-TW" dirty="0" err="1"/>
+              <a:t>CascadeType.MERGE</a:t>
+            </a:r>
+            <a:r>
+              <a:rPr lang="en-US" altLang="zh-TW" dirty="0"/>
+              <a:t> </a:t>
+            </a:r>
+            <a:r>
+              <a:rPr lang="zh-CN" altLang="en-US" dirty="0"/>
+              <a:t>修改</a:t>
+            </a:r>
+            <a:endParaRPr lang="en-US" altLang="zh-TW" dirty="0"/>
+          </a:p>
+          <a:p>
+            <a:pPr lvl="2"/>
+            <a:r>
+              <a:rPr lang="en-US" altLang="zh-TW" dirty="0" err="1"/>
+              <a:t>CascadeType.REFRESH</a:t>
+            </a:r>
+            <a:r>
+              <a:rPr lang="en-US" altLang="zh-TW" dirty="0"/>
+              <a:t> </a:t>
+            </a:r>
+            <a:r>
+              <a:rPr lang="zh-CN" altLang="en-US" dirty="0"/>
+              <a:t>更新</a:t>
+            </a:r>
+            <a:endParaRPr lang="en-US" altLang="zh-CN" dirty="0"/>
+          </a:p>
+          <a:p>
+            <a:pPr lvl="2"/>
+            <a:r>
+              <a:rPr lang="en-US" altLang="zh-TW" dirty="0" err="1"/>
+              <a:t>CascadeType.ALL</a:t>
+            </a:r>
             <a:endParaRPr lang="zh-TW" altLang="en-US" dirty="0"/>
           </a:p>
         </p:txBody>
       </p:sp>
+      <p:pic>
+        <p:nvPicPr>
+          <p:cNvPr id="4" name="圖片 3">
+            <a:extLst>
+              <a:ext uri="{FF2B5EF4-FFF2-40B4-BE49-F238E27FC236}">
+                <a16:creationId xmlns:a16="http://schemas.microsoft.com/office/drawing/2014/main" id="{FF849557-428F-4440-8035-201A360E9B3B}"/>
+              </a:ext>
+            </a:extLst>
+          </p:cNvPr>
+          <p:cNvPicPr>
+            <a:picLocks noChangeAspect="1"/>
+          </p:cNvPicPr>
+          <p:nvPr/>
+        </p:nvPicPr>
+        <p:blipFill>
+          <a:blip r:embed="rId2"/>
+          <a:stretch>
+            <a:fillRect/>
+          </a:stretch>
+        </p:blipFill>
+        <p:spPr>
+          <a:xfrm>
+            <a:off x="4788024" y="2516601"/>
+            <a:ext cx="4176465" cy="4057143"/>
+          </a:xfrm>
+          <a:prstGeom prst="rect">
+            <a:avLst/>
+          </a:prstGeom>
+        </p:spPr>
+      </p:pic>
     </p:spTree>
     <p:extLst>
       <p:ext uri="{BB962C8B-B14F-4D97-AF65-F5344CB8AC3E}">

--- a/doc/Spring JPA配置.pptx
+++ b/doc/Spring JPA配置.pptx
@@ -26,10 +26,11 @@
     <p:sldId id="277" r:id="rId20"/>
     <p:sldId id="278" r:id="rId21"/>
     <p:sldId id="275" r:id="rId22"/>
-    <p:sldId id="259" r:id="rId23"/>
-    <p:sldId id="258" r:id="rId24"/>
-    <p:sldId id="260" r:id="rId25"/>
-    <p:sldId id="261" r:id="rId26"/>
+    <p:sldId id="281" r:id="rId23"/>
+    <p:sldId id="259" r:id="rId24"/>
+    <p:sldId id="258" r:id="rId25"/>
+    <p:sldId id="260" r:id="rId26"/>
+    <p:sldId id="261" r:id="rId27"/>
   </p:sldIdLst>
   <p:sldSz cx="9144000" cy="6858000" type="screen4x3"/>
   <p:notesSz cx="6858000" cy="9144000"/>
@@ -130,7 +131,7 @@
   </p:defaultTextStyle>
   <p:extLst>
     <p:ext uri="{EFAFB233-063F-42B5-8137-9DF3F51BA10A}">
-      <p15:sldGuideLst xmlns:p15="http://schemas.microsoft.com/office/powerpoint/2012/main">
+      <p15:sldGuideLst xmlns:p15="http://schemas.microsoft.com/office/powerpoint/2012/main" xmlns="">
         <p15:guide id="1" orient="horz" pos="2160">
           <p15:clr>
             <a:srgbClr val="A4A3A4"/>
@@ -341,7 +342,7 @@
           <a:p>
             <a:fld id="{5BBEAD13-0566-4C6C-97E7-55F17F24B09F}" type="datetimeFigureOut">
               <a:rPr lang="zh-TW" altLang="en-US" smtClean="0"/>
-              <a:t>2018/5/30</a:t>
+              <a:t>2018/5/31</a:t>
             </a:fld>
             <a:endParaRPr lang="zh-TW" altLang="en-US"/>
           </a:p>
@@ -694,7 +695,7 @@
           <a:p>
             <a:fld id="{5BBEAD13-0566-4C6C-97E7-55F17F24B09F}" type="datetimeFigureOut">
               <a:rPr lang="zh-TW" altLang="en-US" smtClean="0"/>
-              <a:t>2018/5/30</a:t>
+              <a:t>2018/5/31</a:t>
             </a:fld>
             <a:endParaRPr lang="zh-TW" altLang="en-US"/>
           </a:p>
@@ -869,7 +870,7 @@
           <a:p>
             <a:fld id="{5BBEAD13-0566-4C6C-97E7-55F17F24B09F}" type="datetimeFigureOut">
               <a:rPr lang="zh-TW" altLang="en-US" smtClean="0"/>
-              <a:t>2018/5/30</a:t>
+              <a:t>2018/5/31</a:t>
             </a:fld>
             <a:endParaRPr lang="zh-TW" altLang="en-US"/>
           </a:p>
@@ -982,7 +983,7 @@
           <a:p>
             <a:fld id="{5BBEAD13-0566-4C6C-97E7-55F17F24B09F}" type="datetimeFigureOut">
               <a:rPr lang="zh-TW" altLang="en-US" smtClean="0"/>
-              <a:t>2018/5/30</a:t>
+              <a:t>2018/5/31</a:t>
             </a:fld>
             <a:endParaRPr lang="zh-TW" altLang="en-US"/>
           </a:p>
@@ -1340,7 +1341,7 @@
           <a:p>
             <a:fld id="{5BBEAD13-0566-4C6C-97E7-55F17F24B09F}" type="datetimeFigureOut">
               <a:rPr lang="zh-TW" altLang="en-US" smtClean="0"/>
-              <a:t>2018/5/30</a:t>
+              <a:t>2018/5/31</a:t>
             </a:fld>
             <a:endParaRPr lang="zh-TW" altLang="en-US"/>
           </a:p>
@@ -1605,7 +1606,7 @@
           <a:p>
             <a:fld id="{5BBEAD13-0566-4C6C-97E7-55F17F24B09F}" type="datetimeFigureOut">
               <a:rPr lang="zh-TW" altLang="en-US" smtClean="0"/>
-              <a:t>2018/5/30</a:t>
+              <a:t>2018/5/31</a:t>
             </a:fld>
             <a:endParaRPr lang="zh-TW" altLang="en-US"/>
           </a:p>
@@ -1967,7 +1968,7 @@
           <a:p>
             <a:fld id="{5BBEAD13-0566-4C6C-97E7-55F17F24B09F}" type="datetimeFigureOut">
               <a:rPr lang="zh-TW" altLang="en-US" smtClean="0"/>
-              <a:t>2018/5/30</a:t>
+              <a:t>2018/5/31</a:t>
             </a:fld>
             <a:endParaRPr lang="zh-TW" altLang="en-US"/>
           </a:p>
@@ -2194,7 +2195,7 @@
           <a:p>
             <a:fld id="{5BBEAD13-0566-4C6C-97E7-55F17F24B09F}" type="datetimeFigureOut">
               <a:rPr lang="zh-TW" altLang="en-US" smtClean="0"/>
-              <a:t>2018/5/30</a:t>
+              <a:t>2018/5/31</a:t>
             </a:fld>
             <a:endParaRPr lang="zh-TW" altLang="en-US"/>
           </a:p>
@@ -2284,7 +2285,7 @@
           <a:p>
             <a:fld id="{5BBEAD13-0566-4C6C-97E7-55F17F24B09F}" type="datetimeFigureOut">
               <a:rPr lang="zh-TW" altLang="en-US" smtClean="0"/>
-              <a:t>2018/5/30</a:t>
+              <a:t>2018/5/31</a:t>
             </a:fld>
             <a:endParaRPr lang="zh-TW" altLang="en-US"/>
           </a:p>
@@ -2551,7 +2552,7 @@
           <a:p>
             <a:fld id="{5BBEAD13-0566-4C6C-97E7-55F17F24B09F}" type="datetimeFigureOut">
               <a:rPr lang="zh-TW" altLang="en-US" smtClean="0"/>
-              <a:t>2018/5/30</a:t>
+              <a:t>2018/5/31</a:t>
             </a:fld>
             <a:endParaRPr lang="zh-TW" altLang="en-US"/>
           </a:p>
@@ -2779,7 +2780,7 @@
           <a:p>
             <a:fld id="{5BBEAD13-0566-4C6C-97E7-55F17F24B09F}" type="datetimeFigureOut">
               <a:rPr lang="zh-TW" altLang="en-US" smtClean="0"/>
-              <a:t>2018/5/30</a:t>
+              <a:t>2018/5/31</a:t>
             </a:fld>
             <a:endParaRPr lang="zh-TW" altLang="en-US"/>
           </a:p>
@@ -3278,7 +3279,7 @@
           <a:p>
             <a:fld id="{5BBEAD13-0566-4C6C-97E7-55F17F24B09F}" type="datetimeFigureOut">
               <a:rPr lang="zh-TW" altLang="en-US" smtClean="0"/>
-              <a:t>2018/5/30</a:t>
+              <a:t>2018/5/31</a:t>
             </a:fld>
             <a:endParaRPr lang="zh-TW" altLang="en-US"/>
           </a:p>
@@ -3840,7 +3841,7 @@
           <p:cNvPr id="8" name="文字方塊 7">
             <a:extLst>
               <a:ext uri="{FF2B5EF4-FFF2-40B4-BE49-F238E27FC236}">
-                <a16:creationId xmlns:a16="http://schemas.microsoft.com/office/drawing/2014/main" id="{B79EABA9-4637-4E81-8FC9-8741129CD05C}"/>
+                <a16:creationId xmlns:a16="http://schemas.microsoft.com/office/drawing/2014/main" xmlns="" id="{B79EABA9-4637-4E81-8FC9-8741129CD05C}"/>
               </a:ext>
             </a:extLst>
           </p:cNvPr>
@@ -3912,7 +3913,7 @@
           <p:cNvPr id="2050" name="Picture 2" descr="https://i1.kknews.cc/SIG=kj2np2/r4s000423r9n4o2413q.jpg">
             <a:extLst>
               <a:ext uri="{FF2B5EF4-FFF2-40B4-BE49-F238E27FC236}">
-                <a16:creationId xmlns:a16="http://schemas.microsoft.com/office/drawing/2014/main" id="{A7187FC0-47AE-4ED4-A400-B3F3D20FC173}"/>
+                <a16:creationId xmlns:a16="http://schemas.microsoft.com/office/drawing/2014/main" xmlns="" id="{A7187FC0-47AE-4ED4-A400-B3F3D20FC173}"/>
               </a:ext>
             </a:extLst>
           </p:cNvPr>
@@ -3989,7 +3990,7 @@
           <p:cNvPr id="2" name="標題 1">
             <a:extLst>
               <a:ext uri="{FF2B5EF4-FFF2-40B4-BE49-F238E27FC236}">
-                <a16:creationId xmlns:a16="http://schemas.microsoft.com/office/drawing/2014/main" id="{7C5EBA7E-79C8-48AE-B921-8DD59E19A3FB}"/>
+                <a16:creationId xmlns:a16="http://schemas.microsoft.com/office/drawing/2014/main" xmlns="" id="{7C5EBA7E-79C8-48AE-B921-8DD59E19A3FB}"/>
               </a:ext>
             </a:extLst>
           </p:cNvPr>
@@ -4018,7 +4019,7 @@
           <p:cNvPr id="3" name="內容版面配置區 2">
             <a:extLst>
               <a:ext uri="{FF2B5EF4-FFF2-40B4-BE49-F238E27FC236}">
-                <a16:creationId xmlns:a16="http://schemas.microsoft.com/office/drawing/2014/main" id="{6D5557D9-42B1-48AE-B949-A71AA52E7FBD}"/>
+                <a16:creationId xmlns:a16="http://schemas.microsoft.com/office/drawing/2014/main" xmlns="" id="{6D5557D9-42B1-48AE-B949-A71AA52E7FBD}"/>
               </a:ext>
             </a:extLst>
           </p:cNvPr>
@@ -4272,7 +4273,7 @@
           <p:cNvPr id="8" name="文字方塊 7">
             <a:extLst>
               <a:ext uri="{FF2B5EF4-FFF2-40B4-BE49-F238E27FC236}">
-                <a16:creationId xmlns:a16="http://schemas.microsoft.com/office/drawing/2014/main" id="{B79EABA9-4637-4E81-8FC9-8741129CD05C}"/>
+                <a16:creationId xmlns:a16="http://schemas.microsoft.com/office/drawing/2014/main" xmlns="" id="{B79EABA9-4637-4E81-8FC9-8741129CD05C}"/>
               </a:ext>
             </a:extLst>
           </p:cNvPr>
@@ -4352,7 +4353,7 @@
           <p:cNvPr id="2050" name="Picture 2" descr="https://i1.kknews.cc/SIG=kj2np2/r4s000423r9n4o2413q.jpg">
             <a:extLst>
               <a:ext uri="{FF2B5EF4-FFF2-40B4-BE49-F238E27FC236}">
-                <a16:creationId xmlns:a16="http://schemas.microsoft.com/office/drawing/2014/main" id="{A7187FC0-47AE-4ED4-A400-B3F3D20FC173}"/>
+                <a16:creationId xmlns:a16="http://schemas.microsoft.com/office/drawing/2014/main" xmlns="" id="{A7187FC0-47AE-4ED4-A400-B3F3D20FC173}"/>
               </a:ext>
             </a:extLst>
           </p:cNvPr>
@@ -4429,7 +4430,7 @@
           <p:cNvPr id="2" name="標題 1">
             <a:extLst>
               <a:ext uri="{FF2B5EF4-FFF2-40B4-BE49-F238E27FC236}">
-                <a16:creationId xmlns:a16="http://schemas.microsoft.com/office/drawing/2014/main" id="{143647CB-3870-419B-8612-1BFC123B3AC4}"/>
+                <a16:creationId xmlns:a16="http://schemas.microsoft.com/office/drawing/2014/main" xmlns="" id="{143647CB-3870-419B-8612-1BFC123B3AC4}"/>
               </a:ext>
             </a:extLst>
           </p:cNvPr>
@@ -4462,7 +4463,7 @@
           <p:cNvPr id="3" name="內容版面配置區 2">
             <a:extLst>
               <a:ext uri="{FF2B5EF4-FFF2-40B4-BE49-F238E27FC236}">
-                <a16:creationId xmlns:a16="http://schemas.microsoft.com/office/drawing/2014/main" id="{C279740F-2988-4C57-86F6-DAFD9158EC29}"/>
+                <a16:creationId xmlns:a16="http://schemas.microsoft.com/office/drawing/2014/main" xmlns="" id="{C279740F-2988-4C57-86F6-DAFD9158EC29}"/>
               </a:ext>
             </a:extLst>
           </p:cNvPr>
@@ -4563,7 +4564,7 @@
           <p:cNvPr id="2" name="標題 1">
             <a:extLst>
               <a:ext uri="{FF2B5EF4-FFF2-40B4-BE49-F238E27FC236}">
-                <a16:creationId xmlns:a16="http://schemas.microsoft.com/office/drawing/2014/main" id="{143647CB-3870-419B-8612-1BFC123B3AC4}"/>
+                <a16:creationId xmlns:a16="http://schemas.microsoft.com/office/drawing/2014/main" xmlns="" id="{143647CB-3870-419B-8612-1BFC123B3AC4}"/>
               </a:ext>
             </a:extLst>
           </p:cNvPr>
@@ -4596,7 +4597,7 @@
           <p:cNvPr id="3" name="內容版面配置區 2">
             <a:extLst>
               <a:ext uri="{FF2B5EF4-FFF2-40B4-BE49-F238E27FC236}">
-                <a16:creationId xmlns:a16="http://schemas.microsoft.com/office/drawing/2014/main" id="{C279740F-2988-4C57-86F6-DAFD9158EC29}"/>
+                <a16:creationId xmlns:a16="http://schemas.microsoft.com/office/drawing/2014/main" xmlns="" id="{C279740F-2988-4C57-86F6-DAFD9158EC29}"/>
               </a:ext>
             </a:extLst>
           </p:cNvPr>
@@ -4910,7 +4911,7 @@
           <p:cNvPr id="2" name="標題 1">
             <a:extLst>
               <a:ext uri="{FF2B5EF4-FFF2-40B4-BE49-F238E27FC236}">
-                <a16:creationId xmlns:a16="http://schemas.microsoft.com/office/drawing/2014/main" id="{889FC779-00C8-44E7-BF69-CE17D3717732}"/>
+                <a16:creationId xmlns:a16="http://schemas.microsoft.com/office/drawing/2014/main" xmlns="" id="{889FC779-00C8-44E7-BF69-CE17D3717732}"/>
               </a:ext>
             </a:extLst>
           </p:cNvPr>
@@ -4947,7 +4948,7 @@
           <p:cNvPr id="3" name="內容版面配置區 2">
             <a:extLst>
               <a:ext uri="{FF2B5EF4-FFF2-40B4-BE49-F238E27FC236}">
-                <a16:creationId xmlns:a16="http://schemas.microsoft.com/office/drawing/2014/main" id="{E04BB258-55B3-49C7-A4CA-A43FCE0AC422}"/>
+                <a16:creationId xmlns:a16="http://schemas.microsoft.com/office/drawing/2014/main" xmlns="" id="{E04BB258-55B3-49C7-A4CA-A43FCE0AC422}"/>
               </a:ext>
             </a:extLst>
           </p:cNvPr>
@@ -5193,7 +5194,7 @@
           <p:cNvPr id="2" name="標題 1">
             <a:extLst>
               <a:ext uri="{FF2B5EF4-FFF2-40B4-BE49-F238E27FC236}">
-                <a16:creationId xmlns:a16="http://schemas.microsoft.com/office/drawing/2014/main" id="{889FC779-00C8-44E7-BF69-CE17D3717732}"/>
+                <a16:creationId xmlns:a16="http://schemas.microsoft.com/office/drawing/2014/main" xmlns="" id="{889FC779-00C8-44E7-BF69-CE17D3717732}"/>
               </a:ext>
             </a:extLst>
           </p:cNvPr>
@@ -5230,7 +5231,7 @@
           <p:cNvPr id="3" name="內容版面配置區 2">
             <a:extLst>
               <a:ext uri="{FF2B5EF4-FFF2-40B4-BE49-F238E27FC236}">
-                <a16:creationId xmlns:a16="http://schemas.microsoft.com/office/drawing/2014/main" id="{E04BB258-55B3-49C7-A4CA-A43FCE0AC422}"/>
+                <a16:creationId xmlns:a16="http://schemas.microsoft.com/office/drawing/2014/main" xmlns="" id="{E04BB258-55B3-49C7-A4CA-A43FCE0AC422}"/>
               </a:ext>
             </a:extLst>
           </p:cNvPr>
@@ -5344,7 +5345,7 @@
           <p:cNvPr id="4" name="文字方塊 3">
             <a:extLst>
               <a:ext uri="{FF2B5EF4-FFF2-40B4-BE49-F238E27FC236}">
-                <a16:creationId xmlns:a16="http://schemas.microsoft.com/office/drawing/2014/main" id="{0B5AC205-4DB9-46D7-8004-DBA6CEFD2D3B}"/>
+                <a16:creationId xmlns:a16="http://schemas.microsoft.com/office/drawing/2014/main" xmlns="" id="{0B5AC205-4DB9-46D7-8004-DBA6CEFD2D3B}"/>
               </a:ext>
             </a:extLst>
           </p:cNvPr>
@@ -5481,7 +5482,7 @@
           <p:cNvPr id="2" name="標題 1">
             <a:extLst>
               <a:ext uri="{FF2B5EF4-FFF2-40B4-BE49-F238E27FC236}">
-                <a16:creationId xmlns:a16="http://schemas.microsoft.com/office/drawing/2014/main" id="{889FC779-00C8-44E7-BF69-CE17D3717732}"/>
+                <a16:creationId xmlns:a16="http://schemas.microsoft.com/office/drawing/2014/main" xmlns="" id="{889FC779-00C8-44E7-BF69-CE17D3717732}"/>
               </a:ext>
             </a:extLst>
           </p:cNvPr>
@@ -5526,7 +5527,7 @@
           <p:cNvPr id="3" name="內容版面配置區 2">
             <a:extLst>
               <a:ext uri="{FF2B5EF4-FFF2-40B4-BE49-F238E27FC236}">
-                <a16:creationId xmlns:a16="http://schemas.microsoft.com/office/drawing/2014/main" id="{E04BB258-55B3-49C7-A4CA-A43FCE0AC422}"/>
+                <a16:creationId xmlns:a16="http://schemas.microsoft.com/office/drawing/2014/main" xmlns="" id="{E04BB258-55B3-49C7-A4CA-A43FCE0AC422}"/>
               </a:ext>
             </a:extLst>
           </p:cNvPr>
@@ -5688,7 +5689,7 @@
           <p:cNvPr id="4" name="圖片 3">
             <a:extLst>
               <a:ext uri="{FF2B5EF4-FFF2-40B4-BE49-F238E27FC236}">
-                <a16:creationId xmlns:a16="http://schemas.microsoft.com/office/drawing/2014/main" id="{FF849557-428F-4440-8035-201A360E9B3B}"/>
+                <a16:creationId xmlns:a16="http://schemas.microsoft.com/office/drawing/2014/main" xmlns="" id="{FF849557-428F-4440-8035-201A360E9B3B}"/>
               </a:ext>
             </a:extLst>
           </p:cNvPr>
@@ -5748,7 +5749,7 @@
           <p:cNvPr id="2" name="標題 1">
             <a:extLst>
               <a:ext uri="{FF2B5EF4-FFF2-40B4-BE49-F238E27FC236}">
-                <a16:creationId xmlns:a16="http://schemas.microsoft.com/office/drawing/2014/main" id="{889FC779-00C8-44E7-BF69-CE17D3717732}"/>
+                <a16:creationId xmlns:a16="http://schemas.microsoft.com/office/drawing/2014/main" xmlns="" id="{889FC779-00C8-44E7-BF69-CE17D3717732}"/>
               </a:ext>
             </a:extLst>
           </p:cNvPr>
@@ -5793,7 +5794,7 @@
           <p:cNvPr id="3" name="內容版面配置區 2">
             <a:extLst>
               <a:ext uri="{FF2B5EF4-FFF2-40B4-BE49-F238E27FC236}">
-                <a16:creationId xmlns:a16="http://schemas.microsoft.com/office/drawing/2014/main" id="{E04BB258-55B3-49C7-A4CA-A43FCE0AC422}"/>
+                <a16:creationId xmlns:a16="http://schemas.microsoft.com/office/drawing/2014/main" xmlns="" id="{E04BB258-55B3-49C7-A4CA-A43FCE0AC422}"/>
               </a:ext>
             </a:extLst>
           </p:cNvPr>
@@ -5828,6 +5829,13 @@
   <p:clrMapOvr>
     <a:masterClrMapping/>
   </p:clrMapOvr>
+  <p:timing>
+    <p:tnLst>
+      <p:par>
+        <p:cTn id="1" dur="indefinite" restart="never" nodeType="tmRoot"/>
+      </p:par>
+    </p:tnLst>
+  </p:timing>
 </p:sld>
 </file>
 
@@ -5853,7 +5861,7 @@
           <p:cNvPr id="2" name="標題 1">
             <a:extLst>
               <a:ext uri="{FF2B5EF4-FFF2-40B4-BE49-F238E27FC236}">
-                <a16:creationId xmlns:a16="http://schemas.microsoft.com/office/drawing/2014/main" id="{889FC779-00C8-44E7-BF69-CE17D3717732}"/>
+                <a16:creationId xmlns:a16="http://schemas.microsoft.com/office/drawing/2014/main" xmlns="" id="{889FC779-00C8-44E7-BF69-CE17D3717732}"/>
               </a:ext>
             </a:extLst>
           </p:cNvPr>
@@ -5866,27 +5874,33 @@
         </p:nvSpPr>
         <p:spPr/>
         <p:txBody>
-          <a:bodyPr/>
-          <a:lstStyle/>
-          <a:p>
-            <a:r>
-              <a:rPr lang="en-US" altLang="zh-TW" dirty="0"/>
+          <a:bodyPr>
+            <a:normAutofit/>
+          </a:bodyPr>
+          <a:lstStyle/>
+          <a:p>
+            <a:r>
+              <a:rPr lang="en-US" altLang="zh-TW" dirty="0" smtClean="0"/>
               <a:t>@</a:t>
             </a:r>
             <a:r>
-              <a:rPr lang="en-US" altLang="zh-TW" dirty="0" err="1"/>
-              <a:t>OneToMany</a:t>
-            </a:r>
-            <a:r>
-              <a:rPr lang="en-US" altLang="zh-TW" dirty="0"/>
+              <a:rPr lang="en-US" altLang="zh-TW" dirty="0" err="1" smtClean="0"/>
+              <a:t>Many</a:t>
+            </a:r>
+            <a:r>
+              <a:rPr lang="en-US" altLang="zh-TW" dirty="0" err="1" smtClean="0"/>
+              <a:t>ToMany</a:t>
+            </a:r>
+            <a:r>
+              <a:rPr lang="en-US" altLang="zh-TW" dirty="0" smtClean="0"/>
               <a:t> (</a:t>
             </a:r>
             <a:r>
-              <a:rPr lang="zh-CN" altLang="en-US" dirty="0"/>
-              <a:t>一對多關聯性</a:t>
-            </a:r>
-            <a:r>
-              <a:rPr lang="en-US" altLang="zh-TW" dirty="0"/>
+              <a:rPr lang="zh-TW" altLang="en-US" dirty="0" smtClean="0"/>
+              <a:t>多對多關聯性</a:t>
+            </a:r>
+            <a:r>
+              <a:rPr lang="en-US" altLang="zh-TW" dirty="0" smtClean="0"/>
               <a:t>)</a:t>
             </a:r>
             <a:endParaRPr lang="zh-TW" altLang="en-US" dirty="0"/>
@@ -5898,7 +5912,7 @@
           <p:cNvPr id="3" name="內容版面配置區 2">
             <a:extLst>
               <a:ext uri="{FF2B5EF4-FFF2-40B4-BE49-F238E27FC236}">
-                <a16:creationId xmlns:a16="http://schemas.microsoft.com/office/drawing/2014/main" id="{E04BB258-55B3-49C7-A4CA-A43FCE0AC422}"/>
+                <a16:creationId xmlns:a16="http://schemas.microsoft.com/office/drawing/2014/main" xmlns="" id="{E04BB258-55B3-49C7-A4CA-A43FCE0AC422}"/>
               </a:ext>
             </a:extLst>
           </p:cNvPr>
@@ -5918,11 +5932,81 @@
           <a:p>
             <a:r>
               <a:rPr lang="zh-TW" altLang="en-US" dirty="0"/>
-              <a:t>單邊的一對多關聯性是指一方有集合屬性，包含多個多方，而多方沒有一方的參考</a:t>
-            </a:r>
-          </a:p>
-        </p:txBody>
-      </p:sp>
+              <a:t>多對</a:t>
+            </a:r>
+            <a:r>
+              <a:rPr lang="zh-TW" altLang="en-US" dirty="0" smtClean="0"/>
+              <a:t>一、一對多的關係只需要兩個表即可。使用子表的外鍵與主表的主鍵連接就能儲存主、從關係。而多對多的關係至少需要三個表，其中兩個表儲存兩個實體類別，另一個表儲存關係</a:t>
+            </a:r>
+            <a:endParaRPr lang="en-US" altLang="zh-TW" dirty="0" smtClean="0"/>
+          </a:p>
+          <a:p>
+            <a:r>
+              <a:rPr lang="zh-TW" altLang="en-US" dirty="0"/>
+              <a:t>以</a:t>
+            </a:r>
+            <a:r>
+              <a:rPr lang="zh-TW" altLang="en-US" dirty="0" smtClean="0"/>
+              <a:t>論壇為例子，發表文章與標籤的關係，一個文章可以屬於多個標籤因此他們之間是多對多的關係</a:t>
+            </a:r>
+            <a:endParaRPr lang="zh-TW" altLang="en-US" dirty="0"/>
+          </a:p>
+        </p:txBody>
+      </p:sp>
+      <p:pic>
+        <p:nvPicPr>
+          <p:cNvPr id="1026" name="Picture 2"/>
+          <p:cNvPicPr>
+            <a:picLocks noChangeAspect="1" noChangeArrowheads="1"/>
+          </p:cNvPicPr>
+          <p:nvPr/>
+        </p:nvPicPr>
+        <p:blipFill>
+          <a:blip r:embed="rId2">
+            <a:extLst>
+              <a:ext uri="{28A0092B-C50C-407E-A947-70E740481C1C}">
+                <a14:useLocalDpi xmlns:a14="http://schemas.microsoft.com/office/drawing/2010/main" val="0"/>
+              </a:ext>
+            </a:extLst>
+          </a:blip>
+          <a:srcRect/>
+          <a:stretch>
+            <a:fillRect/>
+          </a:stretch>
+        </p:blipFill>
+        <p:spPr bwMode="auto">
+          <a:xfrm>
+            <a:off x="1187624" y="3933056"/>
+            <a:ext cx="5472608" cy="2808312"/>
+          </a:xfrm>
+          <a:prstGeom prst="rect">
+            <a:avLst/>
+          </a:prstGeom>
+          <a:noFill/>
+          <a:ln>
+            <a:noFill/>
+          </a:ln>
+          <a:extLst>
+            <a:ext uri="{909E8E84-426E-40DD-AFC4-6F175D3DCCD1}">
+              <a14:hiddenFill xmlns:a14="http://schemas.microsoft.com/office/drawing/2010/main">
+                <a:solidFill>
+                  <a:schemeClr val="accent1"/>
+                </a:solidFill>
+              </a14:hiddenFill>
+            </a:ext>
+            <a:ext uri="{91240B29-F687-4F45-9708-019B960494DF}">
+              <a14:hiddenLine xmlns:a14="http://schemas.microsoft.com/office/drawing/2010/main" w="9525">
+                <a:solidFill>
+                  <a:schemeClr val="tx1"/>
+                </a:solidFill>
+                <a:miter lim="800000"/>
+                <a:headEnd/>
+                <a:tailEnd/>
+              </a14:hiddenLine>
+            </a:ext>
+          </a:extLst>
+        </p:spPr>
+      </p:pic>
     </p:spTree>
     <p:extLst>
       <p:ext uri="{BB962C8B-B14F-4D97-AF65-F5344CB8AC3E}">
@@ -5933,6 +6017,13 @@
   <p:clrMapOvr>
     <a:masterClrMapping/>
   </p:clrMapOvr>
+  <p:timing>
+    <p:tnLst>
+      <p:par>
+        <p:cTn id="1" dur="indefinite" restart="never" nodeType="tmRoot"/>
+      </p:par>
+    </p:tnLst>
+  </p:timing>
 </p:sld>
 </file>
 
@@ -6075,7 +6166,7 @@
           <p:cNvPr id="2" name="標題 1">
             <a:extLst>
               <a:ext uri="{FF2B5EF4-FFF2-40B4-BE49-F238E27FC236}">
-                <a16:creationId xmlns:a16="http://schemas.microsoft.com/office/drawing/2014/main" id="{889FC779-00C8-44E7-BF69-CE17D3717732}"/>
+                <a16:creationId xmlns:a16="http://schemas.microsoft.com/office/drawing/2014/main" xmlns="" id="{889FC779-00C8-44E7-BF69-CE17D3717732}"/>
               </a:ext>
             </a:extLst>
           </p:cNvPr>
@@ -6096,16 +6187,32 @@
               <a:t>@</a:t>
             </a:r>
             <a:r>
-              <a:rPr lang="en-US" altLang="zh-TW" dirty="0" err="1"/>
-              <a:t>OneToMany</a:t>
-            </a:r>
-            <a:r>
-              <a:rPr lang="en-US" altLang="zh-TW" dirty="0"/>
-              <a:t> (</a:t>
+              <a:rPr lang="en-US" altLang="zh-TW" dirty="0" err="1" smtClean="0"/>
+              <a:t>OneToOne</a:t>
+            </a:r>
+            <a:r>
+              <a:rPr lang="en-US" altLang="zh-TW" dirty="0" smtClean="0"/>
+              <a:t> </a:t>
+            </a:r>
+            <a:r>
+              <a:rPr lang="en-US" altLang="zh-TW" dirty="0"/>
+              <a:t>(</a:t>
+            </a:r>
+            <a:r>
+              <a:rPr lang="zh-CN" altLang="en-US" dirty="0" smtClean="0"/>
+              <a:t>一對</a:t>
+            </a:r>
+            <a:r>
+              <a:rPr lang="zh-TW" altLang="en-US" dirty="0"/>
+              <a:t>一</a:t>
+            </a:r>
+            <a:r>
+              <a:rPr lang="zh-CN" altLang="en-US" dirty="0" smtClean="0"/>
+              <a:t>關聯</a:t>
             </a:r>
             <a:r>
               <a:rPr lang="zh-CN" altLang="en-US" dirty="0"/>
-              <a:t>一對多關聯性</a:t>
+              <a:t>性</a:t>
             </a:r>
             <a:r>
               <a:rPr lang="en-US" altLang="zh-TW" dirty="0"/>
@@ -6120,7 +6227,7 @@
           <p:cNvPr id="3" name="內容版面配置區 2">
             <a:extLst>
               <a:ext uri="{FF2B5EF4-FFF2-40B4-BE49-F238E27FC236}">
-                <a16:creationId xmlns:a16="http://schemas.microsoft.com/office/drawing/2014/main" id="{E04BB258-55B3-49C7-A4CA-A43FCE0AC422}"/>
+                <a16:creationId xmlns:a16="http://schemas.microsoft.com/office/drawing/2014/main" xmlns="" id="{E04BB258-55B3-49C7-A4CA-A43FCE0AC422}"/>
               </a:ext>
             </a:extLst>
           </p:cNvPr>
@@ -6140,8 +6247,75 @@
           <a:p>
             <a:r>
               <a:rPr lang="zh-TW" altLang="en-US" dirty="0"/>
-              <a:t>單邊的一對多關聯性是指一方有集合屬性，包含多個多方，而多方沒有一方的參考</a:t>
-            </a:r>
+              <a:t>一對一關聯性的</a:t>
+            </a:r>
+            <a:r>
+              <a:rPr lang="zh-TW" altLang="en-US" dirty="0" smtClean="0"/>
+              <a:t>情況，不僅在</a:t>
+            </a:r>
+            <a:r>
+              <a:rPr lang="en-US" altLang="zh-TW" dirty="0" smtClean="0"/>
+              <a:t>POJO</a:t>
+            </a:r>
+            <a:r>
+              <a:rPr lang="zh-TW" altLang="en-US" dirty="0" smtClean="0"/>
+              <a:t>層表現為一對一的，還要保證資料庫中的關係是一對一的，不允許出現一個表的兩行記錄共用另一個表中同一行記錄的情況。</a:t>
+            </a:r>
+            <a:endParaRPr lang="en-US" altLang="zh-TW" dirty="0" smtClean="0"/>
+          </a:p>
+          <a:p>
+            <a:r>
+              <a:rPr lang="zh-TW" altLang="en-US" dirty="0"/>
+              <a:t>這須透過</a:t>
+            </a:r>
+            <a:r>
+              <a:rPr lang="zh-TW" altLang="en-US" dirty="0" smtClean="0"/>
+              <a:t>設定外鍵</a:t>
+            </a:r>
+            <a:r>
+              <a:rPr lang="en-US" altLang="zh-TW" dirty="0" smtClean="0"/>
+              <a:t>(</a:t>
+            </a:r>
+            <a:r>
+              <a:rPr lang="zh-TW" altLang="en-US" dirty="0" smtClean="0"/>
+              <a:t>關聯的關係列</a:t>
+            </a:r>
+            <a:r>
+              <a:rPr lang="en-US" altLang="zh-TW" dirty="0" smtClean="0"/>
+              <a:t>)</a:t>
+            </a:r>
+            <a:r>
+              <a:rPr lang="zh-TW" altLang="en-US" dirty="0" smtClean="0"/>
+              <a:t>的唯一性約束</a:t>
+            </a:r>
+            <a:r>
+              <a:rPr lang="en-US" altLang="zh-TW" dirty="0" smtClean="0"/>
+              <a:t>(</a:t>
+            </a:r>
+            <a:r>
+              <a:rPr lang="zh-TW" altLang="en-US" dirty="0" smtClean="0"/>
+              <a:t>即</a:t>
+            </a:r>
+            <a:r>
+              <a:rPr lang="en-US" altLang="zh-TW" dirty="0" smtClean="0"/>
+              <a:t>unique</a:t>
+            </a:r>
+            <a:r>
+              <a:rPr lang="zh-TW" altLang="en-US" dirty="0" smtClean="0"/>
+              <a:t>約束</a:t>
+            </a:r>
+            <a:r>
+              <a:rPr lang="en-US" altLang="zh-TW" dirty="0" smtClean="0"/>
+              <a:t>)</a:t>
+            </a:r>
+            <a:r>
+              <a:rPr lang="zh-TW" altLang="en-US" dirty="0" smtClean="0"/>
+              <a:t>來實現</a:t>
+            </a:r>
+            <a:endParaRPr lang="en-US" altLang="zh-TW" dirty="0" smtClean="0"/>
+          </a:p>
+          <a:p>
+            <a:endParaRPr lang="zh-TW" altLang="en-US" dirty="0"/>
           </a:p>
         </p:txBody>
       </p:sp>
@@ -6155,6 +6329,13 @@
   <p:clrMapOvr>
     <a:masterClrMapping/>
   </p:clrMapOvr>
+  <p:timing>
+    <p:tnLst>
+      <p:par>
+        <p:cTn id="1" dur="indefinite" restart="never" nodeType="tmRoot"/>
+      </p:par>
+    </p:tnLst>
+  </p:timing>
 </p:sld>
 </file>
 
@@ -6180,7 +6361,7 @@
           <p:cNvPr id="2" name="標題 1">
             <a:extLst>
               <a:ext uri="{FF2B5EF4-FFF2-40B4-BE49-F238E27FC236}">
-                <a16:creationId xmlns:a16="http://schemas.microsoft.com/office/drawing/2014/main" id="{CF2E329D-3848-4DF9-9894-DB8E9C60DCA9}"/>
+                <a16:creationId xmlns:a16="http://schemas.microsoft.com/office/drawing/2014/main" xmlns="" id="{CF2E329D-3848-4DF9-9894-DB8E9C60DCA9}"/>
               </a:ext>
             </a:extLst>
           </p:cNvPr>
@@ -6215,7 +6396,7 @@
           <p:cNvPr id="3" name="文字版面配置區 2">
             <a:extLst>
               <a:ext uri="{FF2B5EF4-FFF2-40B4-BE49-F238E27FC236}">
-                <a16:creationId xmlns:a16="http://schemas.microsoft.com/office/drawing/2014/main" id="{55923FA7-C953-4F6A-8B81-6BAEF2F89D6A}"/>
+                <a16:creationId xmlns:a16="http://schemas.microsoft.com/office/drawing/2014/main" xmlns="" id="{55923FA7-C953-4F6A-8B81-6BAEF2F89D6A}"/>
               </a:ext>
             </a:extLst>
           </p:cNvPr>
@@ -6245,6 +6426,13 @@
   <p:clrMapOvr>
     <a:masterClrMapping/>
   </p:clrMapOvr>
+  <p:timing>
+    <p:tnLst>
+      <p:par>
+        <p:cTn id="1" dur="indefinite" restart="never" nodeType="tmRoot"/>
+      </p:par>
+    </p:tnLst>
+  </p:timing>
 </p:sld>
 </file>
 
@@ -6278,30 +6466,50 @@
         <p:spPr/>
         <p:txBody>
           <a:bodyPr>
-            <a:normAutofit/>
+            <a:normAutofit fontScale="90000"/>
           </a:bodyPr>
           <a:lstStyle/>
           <a:p>
             <a:r>
-              <a:rPr lang="en-US" altLang="zh-TW" sz="6000" dirty="0">
-                <a:latin typeface="Consolas" panose="020B0609020204030204" pitchFamily="49" charset="0"/>
-              </a:rPr>
-              <a:t>Reference</a:t>
-            </a:r>
-            <a:endParaRPr lang="zh-TW" altLang="en-US" sz="6000" dirty="0">
-              <a:latin typeface="Consolas" panose="020B0609020204030204" pitchFamily="49" charset="0"/>
-            </a:endParaRPr>
-          </a:p>
-        </p:txBody>
-      </p:sp>
-      <p:sp>
-        <p:nvSpPr>
-          <p:cNvPr id="3" name="文字版面配置區 2"/>
-          <p:cNvSpPr>
-            <a:spLocks noGrp="1"/>
-          </p:cNvSpPr>
-          <p:nvPr>
-            <p:ph type="body" idx="1"/>
+              <a:rPr lang="en-US" altLang="zh-TW" dirty="0"/>
+              <a:t>JPA </a:t>
+            </a:r>
+            <a:r>
+              <a:rPr lang="en-US" altLang="zh-TW" dirty="0" err="1"/>
+              <a:t>EntityManagerFactory</a:t>
+            </a:r>
+            <a:r>
+              <a:rPr lang="en-US" altLang="zh-TW" dirty="0"/>
+              <a:t> </a:t>
+            </a:r>
+            <a:r>
+              <a:rPr lang="zh-TW" altLang="en-US" dirty="0"/>
+              <a:t>與</a:t>
+            </a:r>
+            <a:r>
+              <a:rPr lang="en-US" altLang="zh-TW" dirty="0" err="1" smtClean="0"/>
+              <a:t>Hibernate’s</a:t>
+            </a:r>
+            <a:r>
+              <a:rPr lang="en-US" altLang="zh-TW" dirty="0" smtClean="0"/>
+              <a:t> </a:t>
+            </a:r>
+            <a:r>
+              <a:rPr lang="en-US" altLang="zh-TW" dirty="0" err="1"/>
+              <a:t>SessionFactory</a:t>
+            </a:r>
+            <a:endParaRPr lang="zh-TW" altLang="en-US" dirty="0"/>
+          </a:p>
+        </p:txBody>
+      </p:sp>
+      <p:sp>
+        <p:nvSpPr>
+          <p:cNvPr id="3" name="內容版面配置區 2"/>
+          <p:cNvSpPr>
+            <a:spLocks noGrp="1"/>
+          </p:cNvSpPr>
+          <p:nvPr>
+            <p:ph sz="quarter" idx="1"/>
           </p:nvPr>
         </p:nvSpPr>
         <p:spPr/>
@@ -6309,20 +6517,494 @@
           <a:bodyPr/>
           <a:lstStyle/>
           <a:p>
-            <a:endParaRPr lang="zh-TW" altLang="en-US" dirty="0"/>
+            <a:r>
+              <a:rPr lang="en-US" altLang="zh-TW" dirty="0" err="1" smtClean="0"/>
+              <a:t>EntityManagerFactory</a:t>
+            </a:r>
+            <a:r>
+              <a:rPr lang="zh-TW" altLang="en-US" dirty="0" smtClean="0"/>
+              <a:t>是</a:t>
+            </a:r>
+            <a:r>
+              <a:rPr lang="en-US" altLang="zh-TW" dirty="0" smtClean="0"/>
+              <a:t>JPA</a:t>
+            </a:r>
+            <a:r>
+              <a:rPr lang="zh-TW" altLang="en-US" dirty="0" smtClean="0"/>
+              <a:t>的</a:t>
+            </a:r>
+            <a:endParaRPr lang="en-US" altLang="zh-TW" dirty="0" smtClean="0"/>
+          </a:p>
+          <a:p>
+            <a:r>
+              <a:rPr lang="en-US" altLang="zh-TW" dirty="0" err="1" smtClean="0"/>
+              <a:t>SessionFactory</a:t>
+            </a:r>
+            <a:r>
+              <a:rPr lang="zh-TW" altLang="en-US" dirty="0" smtClean="0"/>
+              <a:t>是</a:t>
+            </a:r>
+            <a:r>
+              <a:rPr lang="en-US" altLang="zh-TW" dirty="0" smtClean="0"/>
+              <a:t>Hibernate</a:t>
+            </a:r>
+            <a:r>
+              <a:rPr lang="zh-TW" altLang="en-US" dirty="0" smtClean="0"/>
+              <a:t>的</a:t>
+            </a:r>
+            <a:endParaRPr lang="en-US" altLang="zh-TW" dirty="0" smtClean="0"/>
+          </a:p>
+          <a:p>
+            <a:r>
+              <a:rPr lang="zh-TW" altLang="en-US" dirty="0"/>
+              <a:t>此部分以</a:t>
+            </a:r>
+            <a:r>
+              <a:rPr lang="en-US" altLang="zh-TW" dirty="0"/>
+              <a:t>JPA</a:t>
+            </a:r>
+            <a:r>
+              <a:rPr lang="zh-TW" altLang="en-US" dirty="0"/>
+              <a:t>為主來介紹</a:t>
+            </a:r>
+          </a:p>
+        </p:txBody>
+      </p:sp>
+      <p:sp>
+        <p:nvSpPr>
+          <p:cNvPr id="4" name="文字方塊 3"/>
+          <p:cNvSpPr txBox="1"/>
+          <p:nvPr/>
+        </p:nvSpPr>
+        <p:spPr>
+          <a:xfrm>
+            <a:off x="179513" y="2996952"/>
+            <a:ext cx="8784976" cy="4185761"/>
+          </a:xfrm>
+          <a:prstGeom prst="rect">
+            <a:avLst/>
+          </a:prstGeom>
+          <a:noFill/>
+        </p:spPr>
+        <p:txBody>
+          <a:bodyPr wrap="square" rtlCol="0">
+            <a:spAutoFit/>
+          </a:bodyPr>
+          <a:lstStyle/>
+          <a:p>
+            <a:r>
+              <a:rPr lang="en-US" altLang="zh-TW" sz="1400" dirty="0"/>
+              <a:t>//</a:t>
+            </a:r>
+            <a:r>
+              <a:rPr lang="zh-TW" altLang="en-US" sz="1400" dirty="0"/>
+              <a:t>正常運作</a:t>
+            </a:r>
+            <a:r>
+              <a:rPr lang="en-US" altLang="zh-TW" sz="1400" dirty="0"/>
+              <a:t>1 - </a:t>
+            </a:r>
+            <a:r>
+              <a:rPr lang="zh-TW" altLang="en-US" sz="1400" dirty="0">
+                <a:solidFill>
+                  <a:srgbClr val="FF0000"/>
+                </a:solidFill>
+              </a:rPr>
+              <a:t>嘗試使用</a:t>
+            </a:r>
+            <a:r>
+              <a:rPr lang="en-US" altLang="zh-TW" sz="1400" dirty="0" err="1">
+                <a:solidFill>
+                  <a:srgbClr val="FF0000"/>
+                </a:solidFill>
+              </a:rPr>
+              <a:t>EntityManager</a:t>
+            </a:r>
+            <a:r>
+              <a:rPr lang="zh-TW" altLang="en-US" sz="1400" dirty="0">
+                <a:solidFill>
+                  <a:srgbClr val="FF0000"/>
+                </a:solidFill>
+              </a:rPr>
+              <a:t>進行</a:t>
+            </a:r>
+            <a:r>
+              <a:rPr lang="en-US" altLang="zh-TW" sz="1400" u="sng" dirty="0">
+                <a:solidFill>
+                  <a:srgbClr val="FF0000"/>
+                </a:solidFill>
+              </a:rPr>
+              <a:t>Transactional</a:t>
+            </a:r>
+            <a:r>
+              <a:rPr lang="zh-TW" altLang="en-US" sz="1400" u="sng" dirty="0">
+                <a:solidFill>
+                  <a:srgbClr val="FF0000"/>
+                </a:solidFill>
+              </a:rPr>
+              <a:t>事務控制</a:t>
+            </a:r>
+          </a:p>
+          <a:p>
+            <a:r>
+              <a:rPr lang="en-US" altLang="zh-TW" sz="1400" dirty="0"/>
+              <a:t>    @</a:t>
+            </a:r>
+            <a:r>
+              <a:rPr lang="en-US" altLang="zh-TW" sz="1400" dirty="0" err="1"/>
+              <a:t>PersistenceContext</a:t>
+            </a:r>
+            <a:endParaRPr lang="en-US" altLang="zh-TW" sz="1400" dirty="0"/>
+          </a:p>
+          <a:p>
+            <a:r>
+              <a:rPr lang="en-US" altLang="zh-TW" sz="1400" dirty="0"/>
+              <a:t>    </a:t>
+            </a:r>
+            <a:r>
+              <a:rPr lang="en-US" altLang="zh-TW" sz="1400" b="1" dirty="0"/>
+              <a:t>private </a:t>
+            </a:r>
+            <a:r>
+              <a:rPr lang="en-US" altLang="zh-TW" sz="1400" b="1" dirty="0" err="1"/>
+              <a:t>EntityManager</a:t>
+            </a:r>
+            <a:r>
+              <a:rPr lang="en-US" altLang="zh-TW" sz="1400" b="1" dirty="0"/>
+              <a:t> </a:t>
+            </a:r>
+            <a:r>
+              <a:rPr lang="en-US" altLang="zh-TW" sz="1400" b="1" dirty="0" err="1"/>
+              <a:t>entityManager</a:t>
+            </a:r>
+            <a:r>
+              <a:rPr lang="en-US" altLang="zh-TW" sz="1400" b="1" dirty="0"/>
+              <a:t>;</a:t>
+            </a:r>
+          </a:p>
+          <a:p>
+            <a:endParaRPr lang="zh-TW" altLang="en-US" sz="1400" dirty="0"/>
+          </a:p>
+          <a:p>
+            <a:r>
+              <a:rPr lang="zh-TW" altLang="en-US" sz="1400" dirty="0"/>
+              <a:t>    </a:t>
+            </a:r>
+            <a:r>
+              <a:rPr lang="en-US" altLang="zh-TW" sz="1400" dirty="0"/>
+              <a:t>//</a:t>
+            </a:r>
+            <a:r>
+              <a:rPr lang="zh-TW" altLang="en-US" sz="1400" dirty="0">
+                <a:solidFill>
+                  <a:srgbClr val="FF0000"/>
+                </a:solidFill>
+              </a:rPr>
+              <a:t>正常運作</a:t>
+            </a:r>
+            <a:r>
+              <a:rPr lang="en-US" altLang="zh-TW" sz="1400" dirty="0">
+                <a:solidFill>
+                  <a:srgbClr val="FF0000"/>
+                </a:solidFill>
+              </a:rPr>
+              <a:t>2 - </a:t>
+            </a:r>
+            <a:r>
+              <a:rPr lang="zh-TW" altLang="en-US" sz="1400" dirty="0">
+                <a:solidFill>
+                  <a:srgbClr val="FF0000"/>
+                </a:solidFill>
+              </a:rPr>
+              <a:t>從工廠類創建</a:t>
+            </a:r>
+            <a:r>
+              <a:rPr lang="en-US" altLang="zh-TW" sz="1400" dirty="0" err="1">
+                <a:solidFill>
+                  <a:srgbClr val="FF0000"/>
+                </a:solidFill>
+              </a:rPr>
+              <a:t>EntityManager</a:t>
+            </a:r>
+            <a:r>
+              <a:rPr lang="zh-TW" altLang="en-US" sz="1400" dirty="0">
+                <a:solidFill>
+                  <a:srgbClr val="FF0000"/>
+                </a:solidFill>
+              </a:rPr>
+              <a:t>的流程</a:t>
+            </a:r>
+          </a:p>
+          <a:p>
+            <a:r>
+              <a:rPr lang="en-US" altLang="zh-TW" sz="1400" dirty="0"/>
+              <a:t>//    private </a:t>
+            </a:r>
+            <a:r>
+              <a:rPr lang="en-US" altLang="zh-TW" sz="1400" dirty="0" err="1"/>
+              <a:t>EntityManagerFactory</a:t>
+            </a:r>
+            <a:r>
+              <a:rPr lang="en-US" altLang="zh-TW" sz="1400" dirty="0"/>
+              <a:t> </a:t>
+            </a:r>
+            <a:r>
+              <a:rPr lang="en-US" altLang="zh-TW" sz="1400" dirty="0" err="1"/>
+              <a:t>entityManagerFactory</a:t>
+            </a:r>
+            <a:r>
+              <a:rPr lang="en-US" altLang="zh-TW" sz="1400" dirty="0"/>
+              <a:t> = </a:t>
+            </a:r>
+            <a:r>
+              <a:rPr lang="en-US" altLang="zh-TW" sz="1400" dirty="0" err="1"/>
+              <a:t>Persistence.createEntityManagerFactory</a:t>
+            </a:r>
+            <a:r>
+              <a:rPr lang="en-US" altLang="zh-TW" sz="1400" dirty="0"/>
+              <a:t>("</a:t>
+            </a:r>
+            <a:r>
+              <a:rPr lang="en-US" altLang="zh-TW" sz="1400" dirty="0" err="1"/>
+              <a:t>persistenceProcess</a:t>
+            </a:r>
+            <a:r>
+              <a:rPr lang="en-US" altLang="zh-TW" sz="1400" dirty="0"/>
+              <a:t>");</a:t>
+            </a:r>
+          </a:p>
+          <a:p>
+            <a:r>
+              <a:rPr lang="en-US" altLang="zh-TW" sz="1400" dirty="0"/>
+              <a:t>//    @</a:t>
+            </a:r>
+            <a:r>
+              <a:rPr lang="en-US" altLang="zh-TW" sz="1400" dirty="0" err="1"/>
+              <a:t>PersistenceUnit</a:t>
+            </a:r>
+            <a:r>
+              <a:rPr lang="en-US" altLang="zh-TW" sz="1400" dirty="0"/>
+              <a:t>(</a:t>
+            </a:r>
+            <a:r>
+              <a:rPr lang="en-US" altLang="zh-TW" sz="1400" dirty="0" err="1"/>
+              <a:t>unitName</a:t>
+            </a:r>
+            <a:r>
+              <a:rPr lang="en-US" altLang="zh-TW" sz="1400" dirty="0"/>
+              <a:t>="</a:t>
+            </a:r>
+            <a:r>
+              <a:rPr lang="en-US" altLang="zh-TW" sz="1400" dirty="0" err="1"/>
+              <a:t>persistenceProcess</a:t>
+            </a:r>
+            <a:r>
+              <a:rPr lang="en-US" altLang="zh-TW" sz="1400" dirty="0"/>
+              <a:t>")</a:t>
+            </a:r>
+          </a:p>
+          <a:p>
+            <a:r>
+              <a:rPr lang="en-US" altLang="zh-TW" sz="1400" dirty="0"/>
+              <a:t>//    private </a:t>
+            </a:r>
+            <a:r>
+              <a:rPr lang="en-US" altLang="zh-TW" sz="1400" dirty="0" err="1"/>
+              <a:t>EntityManagerFactory</a:t>
+            </a:r>
+            <a:r>
+              <a:rPr lang="en-US" altLang="zh-TW" sz="1400" dirty="0"/>
+              <a:t> </a:t>
+            </a:r>
+            <a:r>
+              <a:rPr lang="en-US" altLang="zh-TW" sz="1400" dirty="0" err="1"/>
+              <a:t>entityManagerFactory</a:t>
+            </a:r>
+            <a:r>
+              <a:rPr lang="en-US" altLang="zh-TW" sz="1400" dirty="0" smtClean="0"/>
+              <a:t>;</a:t>
+            </a:r>
+          </a:p>
+          <a:p>
+            <a:endParaRPr lang="en-US" altLang="zh-TW" sz="1400" dirty="0" smtClean="0"/>
+          </a:p>
+          <a:p>
+            <a:r>
+              <a:rPr lang="en-US" altLang="zh-TW" sz="1400" dirty="0" err="1" smtClean="0"/>
+              <a:t>EntityManager</a:t>
+            </a:r>
+            <a:r>
+              <a:rPr lang="en-US" altLang="zh-TW" sz="1400" dirty="0" smtClean="0"/>
+              <a:t> </a:t>
+            </a:r>
+            <a:r>
+              <a:rPr lang="en-US" altLang="zh-TW" sz="1400" dirty="0" err="1"/>
+              <a:t>eManager</a:t>
+            </a:r>
+            <a:r>
+              <a:rPr lang="en-US" altLang="zh-TW" sz="1400" dirty="0"/>
+              <a:t> = </a:t>
+            </a:r>
+            <a:r>
+              <a:rPr lang="en-US" altLang="zh-TW" sz="1400" dirty="0" err="1"/>
+              <a:t>entityManager.getEntityManagerFactory</a:t>
+            </a:r>
+            <a:r>
+              <a:rPr lang="en-US" altLang="zh-TW" sz="1400" dirty="0"/>
+              <a:t>().</a:t>
+            </a:r>
+            <a:r>
+              <a:rPr lang="en-US" altLang="zh-TW" sz="1400" dirty="0" err="1"/>
+              <a:t>createEntityManager</a:t>
+            </a:r>
+            <a:r>
+              <a:rPr lang="en-US" altLang="zh-TW" sz="1400" dirty="0"/>
+              <a:t>();</a:t>
+            </a:r>
+          </a:p>
+          <a:p>
+            <a:r>
+              <a:rPr lang="en-US" altLang="zh-TW" sz="1400" dirty="0"/>
+              <a:t>        </a:t>
+            </a:r>
+            <a:r>
+              <a:rPr lang="en-US" altLang="zh-TW" sz="1400" dirty="0" err="1"/>
+              <a:t>EntityTransaction</a:t>
+            </a:r>
+            <a:r>
+              <a:rPr lang="en-US" altLang="zh-TW" sz="1400" dirty="0"/>
+              <a:t> </a:t>
+            </a:r>
+            <a:r>
+              <a:rPr lang="en-US" altLang="zh-TW" sz="1400" dirty="0" err="1"/>
+              <a:t>etx</a:t>
+            </a:r>
+            <a:r>
+              <a:rPr lang="en-US" altLang="zh-TW" sz="1400" dirty="0"/>
+              <a:t> = </a:t>
+            </a:r>
+            <a:r>
+              <a:rPr lang="en-US" altLang="zh-TW" sz="1400" dirty="0" err="1">
+                <a:solidFill>
+                  <a:srgbClr val="FF0000"/>
+                </a:solidFill>
+              </a:rPr>
+              <a:t>eManager.getTransaction</a:t>
+            </a:r>
+            <a:r>
+              <a:rPr lang="en-US" altLang="zh-TW" sz="1400" dirty="0"/>
+              <a:t>();</a:t>
+            </a:r>
+          </a:p>
+          <a:p>
+            <a:r>
+              <a:rPr lang="en-US" altLang="zh-TW" sz="1400" dirty="0"/>
+              <a:t>        </a:t>
+            </a:r>
+            <a:r>
+              <a:rPr lang="en-US" altLang="zh-TW" sz="1400" b="1" dirty="0"/>
+              <a:t>try {</a:t>
+            </a:r>
+          </a:p>
+          <a:p>
+            <a:r>
+              <a:rPr lang="en-US" altLang="zh-TW" sz="1400" dirty="0"/>
+              <a:t>            </a:t>
+            </a:r>
+            <a:r>
+              <a:rPr lang="en-US" altLang="zh-TW" sz="1400" dirty="0" err="1"/>
+              <a:t>etx.begin</a:t>
+            </a:r>
+            <a:r>
+              <a:rPr lang="en-US" altLang="zh-TW" sz="1400" dirty="0"/>
+              <a:t>();</a:t>
+            </a:r>
+          </a:p>
+          <a:p>
+            <a:r>
+              <a:rPr lang="en-US" altLang="zh-TW" sz="1400" dirty="0"/>
+              <a:t>            </a:t>
+            </a:r>
+            <a:r>
+              <a:rPr lang="en-US" altLang="zh-TW" sz="1400" dirty="0" err="1"/>
+              <a:t>entityManager.persist</a:t>
+            </a:r>
+            <a:r>
+              <a:rPr lang="en-US" altLang="zh-TW" sz="1400" dirty="0"/>
+              <a:t>(person);</a:t>
+            </a:r>
+          </a:p>
+          <a:p>
+            <a:r>
+              <a:rPr lang="en-US" altLang="zh-TW" sz="1400" dirty="0"/>
+              <a:t>            </a:t>
+            </a:r>
+            <a:r>
+              <a:rPr lang="en-US" altLang="zh-TW" sz="1400" dirty="0" err="1"/>
+              <a:t>etx.commit</a:t>
+            </a:r>
+            <a:r>
+              <a:rPr lang="en-US" altLang="zh-TW" sz="1400" dirty="0"/>
+              <a:t>();</a:t>
+            </a:r>
+          </a:p>
+          <a:p>
+            <a:r>
+              <a:rPr lang="en-US" altLang="zh-TW" sz="1400" dirty="0"/>
+              <a:t>        } </a:t>
+            </a:r>
+            <a:r>
+              <a:rPr lang="en-US" altLang="zh-TW" sz="1400" b="1" dirty="0"/>
+              <a:t>finally {</a:t>
+            </a:r>
+          </a:p>
+          <a:p>
+            <a:r>
+              <a:rPr lang="en-US" altLang="zh-TW" sz="1400" dirty="0"/>
+              <a:t>            </a:t>
+            </a:r>
+            <a:r>
+              <a:rPr lang="en-US" altLang="zh-TW" sz="1400" dirty="0" err="1"/>
+              <a:t>entityManager.close</a:t>
+            </a:r>
+            <a:r>
+              <a:rPr lang="en-US" altLang="zh-TW" sz="1400" dirty="0"/>
+              <a:t>();</a:t>
+            </a:r>
+          </a:p>
+          <a:p>
+            <a:r>
+              <a:rPr lang="zh-TW" altLang="en-US" sz="1400" dirty="0"/>
+              <a:t>        </a:t>
+            </a:r>
+            <a:r>
+              <a:rPr lang="en-US" altLang="zh-TW" sz="1400" dirty="0"/>
+              <a:t>}</a:t>
+            </a:r>
+            <a:endParaRPr lang="zh-TW" altLang="en-US" sz="1400" dirty="0"/>
+          </a:p>
+          <a:p>
+            <a:endParaRPr lang="zh-TW" altLang="en-US" sz="1400" dirty="0"/>
           </a:p>
         </p:txBody>
       </p:sp>
     </p:spTree>
     <p:extLst>
       <p:ext uri="{BB962C8B-B14F-4D97-AF65-F5344CB8AC3E}">
-        <p14:creationId xmlns:p14="http://schemas.microsoft.com/office/powerpoint/2010/main" val="2349993791"/>
+        <p14:creationId xmlns:p14="http://schemas.microsoft.com/office/powerpoint/2010/main" val="1406341775"/>
       </p:ext>
     </p:extLst>
   </p:cSld>
   <p:clrMapOvr>
     <a:masterClrMapping/>
   </p:clrMapOvr>
+  <p:timing>
+    <p:tnLst>
+      <p:par>
+        <p:cTn id="1" dur="indefinite" restart="never" nodeType="tmRoot"/>
+      </p:par>
+    </p:tnLst>
+  </p:timing>
 </p:sld>
 </file>
 
@@ -6355,70 +7037,37 @@
         </p:nvSpPr>
         <p:spPr/>
         <p:txBody>
+          <a:bodyPr>
+            <a:normAutofit/>
+          </a:bodyPr>
+          <a:lstStyle/>
+          <a:p>
+            <a:r>
+              <a:rPr lang="en-US" altLang="zh-TW" sz="6000" dirty="0">
+                <a:latin typeface="Consolas" panose="020B0609020204030204" pitchFamily="49" charset="0"/>
+              </a:rPr>
+              <a:t>Reference</a:t>
+            </a:r>
+            <a:endParaRPr lang="zh-TW" altLang="en-US" sz="6000" dirty="0">
+              <a:latin typeface="Consolas" panose="020B0609020204030204" pitchFamily="49" charset="0"/>
+            </a:endParaRPr>
+          </a:p>
+        </p:txBody>
+      </p:sp>
+      <p:sp>
+        <p:nvSpPr>
+          <p:cNvPr id="3" name="文字版面配置區 2"/>
+          <p:cNvSpPr>
+            <a:spLocks noGrp="1"/>
+          </p:cNvSpPr>
+          <p:nvPr>
+            <p:ph type="body" idx="1"/>
+          </p:nvPr>
+        </p:nvSpPr>
+        <p:spPr/>
+        <p:txBody>
           <a:bodyPr/>
           <a:lstStyle/>
-          <a:p>
-            <a:r>
-              <a:rPr lang="en-US" altLang="zh-TW" dirty="0"/>
-              <a:t>Spring JPA </a:t>
-            </a:r>
-            <a:r>
-              <a:rPr lang="zh-TW" altLang="en-US" dirty="0"/>
-              <a:t>配置</a:t>
-            </a:r>
-          </a:p>
-        </p:txBody>
-      </p:sp>
-      <p:sp>
-        <p:nvSpPr>
-          <p:cNvPr id="3" name="內容版面配置區 2"/>
-          <p:cNvSpPr>
-            <a:spLocks noGrp="1"/>
-          </p:cNvSpPr>
-          <p:nvPr>
-            <p:ph sz="quarter" idx="1"/>
-          </p:nvPr>
-        </p:nvSpPr>
-        <p:spPr/>
-        <p:txBody>
-          <a:bodyPr/>
-          <a:lstStyle/>
-          <a:p>
-            <a:r>
-              <a:rPr lang="en-US" altLang="zh-TW" dirty="0">
-                <a:hlinkClick r:id="rId2"/>
-              </a:rPr>
-              <a:t>https://stevenitlife.blogspot.tw/2016/03/hibernate-spring-jpa-configure.html</a:t>
-            </a:r>
-            <a:endParaRPr lang="en-US" altLang="zh-TW" dirty="0"/>
-          </a:p>
-          <a:p>
-            <a:r>
-              <a:rPr lang="en-US" altLang="zh-TW" dirty="0">
-                <a:hlinkClick r:id="rId3"/>
-              </a:rPr>
-              <a:t>http://pro.ctlok.com/blog/2012/07/18/spring-integrate-jpa.html</a:t>
-            </a:r>
-            <a:endParaRPr lang="en-US" altLang="zh-TW" dirty="0"/>
-          </a:p>
-          <a:p>
-            <a:r>
-              <a:rPr lang="en-US" altLang="zh-TW" dirty="0">
-                <a:hlinkClick r:id="rId4"/>
-              </a:rPr>
-              <a:t>https://www.cnblogs.com/dreamroute/p/5173896.html</a:t>
-            </a:r>
-            <a:endParaRPr lang="en-US" altLang="zh-TW" dirty="0"/>
-          </a:p>
-          <a:p>
-            <a:r>
-              <a:rPr lang="en-US" altLang="zh-TW" dirty="0">
-                <a:hlinkClick r:id="rId5"/>
-              </a:rPr>
-              <a:t>https://www.ibm.com/developerworks/cn/opensource/os-cn-spring-jpa/</a:t>
-            </a:r>
-            <a:endParaRPr lang="en-US" altLang="zh-TW" dirty="0"/>
-          </a:p>
           <a:p>
             <a:endParaRPr lang="zh-TW" altLang="en-US" dirty="0"/>
           </a:p>
@@ -6427,13 +7076,20 @@
     </p:spTree>
     <p:extLst>
       <p:ext uri="{BB962C8B-B14F-4D97-AF65-F5344CB8AC3E}">
-        <p14:creationId xmlns:p14="http://schemas.microsoft.com/office/powerpoint/2010/main" val="2205528178"/>
+        <p14:creationId xmlns:p14="http://schemas.microsoft.com/office/powerpoint/2010/main" val="2349993791"/>
       </p:ext>
     </p:extLst>
   </p:cSld>
   <p:clrMapOvr>
     <a:masterClrMapping/>
   </p:clrMapOvr>
+  <p:timing>
+    <p:tnLst>
+      <p:par>
+        <p:cTn id="1" dur="indefinite" restart="never" nodeType="tmRoot"/>
+      </p:par>
+    </p:tnLst>
+  </p:timing>
 </p:sld>
 </file>
 
@@ -6471,6 +7127,124 @@
           <a:p>
             <a:r>
               <a:rPr lang="en-US" altLang="zh-TW" dirty="0"/>
+              <a:t>Spring JPA </a:t>
+            </a:r>
+            <a:r>
+              <a:rPr lang="zh-TW" altLang="en-US" dirty="0"/>
+              <a:t>配置</a:t>
+            </a:r>
+          </a:p>
+        </p:txBody>
+      </p:sp>
+      <p:sp>
+        <p:nvSpPr>
+          <p:cNvPr id="3" name="內容版面配置區 2"/>
+          <p:cNvSpPr>
+            <a:spLocks noGrp="1"/>
+          </p:cNvSpPr>
+          <p:nvPr>
+            <p:ph sz="quarter" idx="1"/>
+          </p:nvPr>
+        </p:nvSpPr>
+        <p:spPr/>
+        <p:txBody>
+          <a:bodyPr/>
+          <a:lstStyle/>
+          <a:p>
+            <a:r>
+              <a:rPr lang="en-US" altLang="zh-TW" dirty="0">
+                <a:hlinkClick r:id="rId2"/>
+              </a:rPr>
+              <a:t>https://stevenitlife.blogspot.tw/2016/03/hibernate-spring-jpa-configure.html</a:t>
+            </a:r>
+            <a:endParaRPr lang="en-US" altLang="zh-TW" dirty="0"/>
+          </a:p>
+          <a:p>
+            <a:r>
+              <a:rPr lang="en-US" altLang="zh-TW" dirty="0">
+                <a:hlinkClick r:id="rId3"/>
+              </a:rPr>
+              <a:t>http://pro.ctlok.com/blog/2012/07/18/spring-integrate-jpa.html</a:t>
+            </a:r>
+            <a:endParaRPr lang="en-US" altLang="zh-TW" dirty="0"/>
+          </a:p>
+          <a:p>
+            <a:r>
+              <a:rPr lang="en-US" altLang="zh-TW" dirty="0">
+                <a:hlinkClick r:id="rId4"/>
+              </a:rPr>
+              <a:t>https://www.cnblogs.com/dreamroute/p/5173896.html</a:t>
+            </a:r>
+            <a:endParaRPr lang="en-US" altLang="zh-TW" dirty="0"/>
+          </a:p>
+          <a:p>
+            <a:r>
+              <a:rPr lang="en-US" altLang="zh-TW" dirty="0">
+                <a:hlinkClick r:id="rId5"/>
+              </a:rPr>
+              <a:t>https://www.ibm.com/developerworks/cn/opensource/os-cn-spring-jpa/</a:t>
+            </a:r>
+            <a:endParaRPr lang="en-US" altLang="zh-TW" dirty="0"/>
+          </a:p>
+          <a:p>
+            <a:endParaRPr lang="zh-TW" altLang="en-US" dirty="0"/>
+          </a:p>
+        </p:txBody>
+      </p:sp>
+    </p:spTree>
+    <p:extLst>
+      <p:ext uri="{BB962C8B-B14F-4D97-AF65-F5344CB8AC3E}">
+        <p14:creationId xmlns:p14="http://schemas.microsoft.com/office/powerpoint/2010/main" val="2205528178"/>
+      </p:ext>
+    </p:extLst>
+  </p:cSld>
+  <p:clrMapOvr>
+    <a:masterClrMapping/>
+  </p:clrMapOvr>
+  <p:timing>
+    <p:tnLst>
+      <p:par>
+        <p:cTn id="1" dur="indefinite" restart="never" nodeType="tmRoot"/>
+      </p:par>
+    </p:tnLst>
+  </p:timing>
+</p:sld>
+</file>
+
+<file path=ppt/slides/slide25.xml><?xml version="1.0" encoding="utf-8"?>
+<p:sld xmlns:a="http://schemas.openxmlformats.org/drawingml/2006/main" xmlns:r="http://schemas.openxmlformats.org/officeDocument/2006/relationships" xmlns:p="http://schemas.openxmlformats.org/presentationml/2006/main">
+  <p:cSld>
+    <p:spTree>
+      <p:nvGrpSpPr>
+        <p:cNvPr id="1" name=""/>
+        <p:cNvGrpSpPr/>
+        <p:nvPr/>
+      </p:nvGrpSpPr>
+      <p:grpSpPr>
+        <a:xfrm>
+          <a:off x="0" y="0"/>
+          <a:ext cx="0" cy="0"/>
+          <a:chOff x="0" y="0"/>
+          <a:chExt cx="0" cy="0"/>
+        </a:xfrm>
+      </p:grpSpPr>
+      <p:sp>
+        <p:nvSpPr>
+          <p:cNvPr id="2" name="標題 1"/>
+          <p:cNvSpPr>
+            <a:spLocks noGrp="1"/>
+          </p:cNvSpPr>
+          <p:nvPr>
+            <p:ph type="title"/>
+          </p:nvPr>
+        </p:nvSpPr>
+        <p:spPr/>
+        <p:txBody>
+          <a:bodyPr/>
+          <a:lstStyle/>
+          <a:p>
+            <a:r>
+              <a:rPr lang="en-US" altLang="zh-TW" dirty="0"/>
               <a:t>Hibernate</a:t>
             </a:r>
             <a:r>
@@ -6530,7 +7304,7 @@
 </p:sld>
 </file>
 
-<file path=ppt/slides/slide25.xml><?xml version="1.0" encoding="utf-8"?>
+<file path=ppt/slides/slide26.xml><?xml version="1.0" encoding="utf-8"?>
 <p:sld xmlns:a="http://schemas.openxmlformats.org/drawingml/2006/main" xmlns:r="http://schemas.openxmlformats.org/officeDocument/2006/relationships" xmlns:p="http://schemas.openxmlformats.org/presentationml/2006/main">
   <p:cSld>
     <p:spTree>
@@ -7687,7 +8461,7 @@
           <p:cNvPr id="4" name="文字方塊 3">
             <a:extLst>
               <a:ext uri="{FF2B5EF4-FFF2-40B4-BE49-F238E27FC236}">
-                <a16:creationId xmlns:a16="http://schemas.microsoft.com/office/drawing/2014/main" id="{E07E1D28-D75A-4B89-98DC-13C5ACD292C9}"/>
+                <a16:creationId xmlns:a16="http://schemas.microsoft.com/office/drawing/2014/main" xmlns="" id="{E07E1D28-D75A-4B89-98DC-13C5ACD292C9}"/>
               </a:ext>
             </a:extLst>
           </p:cNvPr>
@@ -7928,7 +8702,7 @@
           <p:cNvPr id="8" name="文字方塊 7">
             <a:extLst>
               <a:ext uri="{FF2B5EF4-FFF2-40B4-BE49-F238E27FC236}">
-                <a16:creationId xmlns:a16="http://schemas.microsoft.com/office/drawing/2014/main" id="{B79EABA9-4637-4E81-8FC9-8741129CD05C}"/>
+                <a16:creationId xmlns:a16="http://schemas.microsoft.com/office/drawing/2014/main" xmlns="" id="{B79EABA9-4637-4E81-8FC9-8741129CD05C}"/>
               </a:ext>
             </a:extLst>
           </p:cNvPr>
